--- a/File Share/Kelompok 1.pptx
+++ b/File Share/Kelompok 1.pptx
@@ -6248,7 +6248,54 @@
                 <a:ea typeface="Calibri" panose="020F0502020204030204" pitchFamily="34" charset="0"/>
                 <a:cs typeface="Times New Roman" panose="02020603050405020304" pitchFamily="18" charset="0"/>
               </a:rPr>
-              <a:t>Tradisi perang ketupat adalah sebuah tradisi yang berasal dari bali yang diadakan sekali dalam setahun, tradisi ini sering kali menarik wisatawan yang datang, baik dari luar atau dari dalam dikarenakan tradisi ini cukup unik dimana para pesertanya saling melempar ketupat kepada lawannya, tujuannya adalah untuk mengucap syukur atas semua karunia yang telah dilimpahkan sang pencipta kepada umatnya, dan juga terhindar dari wabah dan kekeringan. Sehingga tradisi ini dianggap sebagai simbol kesejahteraan dan kemakmuran manusia.</a:t>
+              <a:t>Tradisi perang ketupat adalah sebuah tradisi yang berasal dari bali yang diadakan sekali dalam setahun, tradisi ini sering kali menarik wisatawan yang datang, </a:t>
+            </a:r>
+            <a:r>
+              <a:rPr lang="id-ID" sz="2000">
+                <a:solidFill>
+                  <a:schemeClr val="bg1"/>
+                </a:solidFill>
+                <a:effectLst/>
+                <a:latin typeface="Louis George Café" panose="020B0600020202020204" pitchFamily="34" charset="0"/>
+                <a:ea typeface="Calibri" panose="020F0502020204030204" pitchFamily="34" charset="0"/>
+                <a:cs typeface="Times New Roman" panose="02020603050405020304" pitchFamily="18" charset="0"/>
+              </a:rPr>
+              <a:t>baik </a:t>
+            </a:r>
+            <a:r>
+              <a:rPr lang="id-ID" sz="2000">
+                <a:solidFill>
+                  <a:schemeClr val="bg1"/>
+                </a:solidFill>
+                <a:latin typeface="Louis George Café" panose="020B0600020202020204" pitchFamily="34" charset="0"/>
+                <a:ea typeface="Calibri" panose="020F0502020204030204" pitchFamily="34" charset="0"/>
+                <a:cs typeface="Times New Roman" panose="02020603050405020304" pitchFamily="18" charset="0"/>
+              </a:rPr>
+              <a:t>domestik</a:t>
+            </a:r>
+            <a:r>
+              <a:rPr lang="id-ID" sz="2000">
+                <a:solidFill>
+                  <a:schemeClr val="bg1"/>
+                </a:solidFill>
+                <a:effectLst/>
+                <a:latin typeface="Louis George Café" panose="020B0600020202020204" pitchFamily="34" charset="0"/>
+                <a:ea typeface="Calibri" panose="020F0502020204030204" pitchFamily="34" charset="0"/>
+                <a:cs typeface="Times New Roman" panose="02020603050405020304" pitchFamily="18" charset="0"/>
+              </a:rPr>
+              <a:t> maupun mancanegara dalam </a:t>
+            </a:r>
+            <a:r>
+              <a:rPr lang="id-ID" sz="2000" dirty="0">
+                <a:solidFill>
+                  <a:schemeClr val="bg1"/>
+                </a:solidFill>
+                <a:effectLst/>
+                <a:latin typeface="Louis George Café" panose="020B0600020202020204" pitchFamily="34" charset="0"/>
+                <a:ea typeface="Calibri" panose="020F0502020204030204" pitchFamily="34" charset="0"/>
+                <a:cs typeface="Times New Roman" panose="02020603050405020304" pitchFamily="18" charset="0"/>
+              </a:rPr>
+              <a:t>dikarenakan tradisi ini cukup unik dimana para pesertanya saling melempar ketupat kepada lawannya, tujuannya adalah untuk mengucap syukur atas semua karunia yang telah dilimpahkan sang pencipta kepada umatnya, dan juga terhindar dari wabah dan kekeringan. Sehingga tradisi ini dianggap sebagai simbol kesejahteraan dan kemakmuran manusia.</a:t>
             </a:r>
             <a:endParaRPr lang="en-ID" sz="2000" dirty="0">
               <a:solidFill>

--- a/File Share/Kelompok 1.pptx
+++ b/File Share/Kelompok 1.pptx
@@ -818,7 +818,7 @@
           <a:p>
             <a:fld id="{38CE9ACD-6D9E-4D32-BBFF-59D9BD5A6602}" type="datetimeFigureOut">
               <a:rPr lang="en-ID" smtClean="0"/>
-              <a:t>24/02/2021</a:t>
+              <a:t>03/03/2021</a:t>
             </a:fld>
             <a:endParaRPr lang="en-ID"/>
           </a:p>
@@ -6248,33 +6248,33 @@
                 <a:ea typeface="Calibri" panose="020F0502020204030204" pitchFamily="34" charset="0"/>
                 <a:cs typeface="Times New Roman" panose="02020603050405020304" pitchFamily="18" charset="0"/>
               </a:rPr>
-              <a:t>Tradisi perang ketupat adalah sebuah tradisi yang berasal dari bali yang diadakan sekali dalam setahun, tradisi ini sering kali menarik wisatawan yang datang, </a:t>
-            </a:r>
-            <a:r>
-              <a:rPr lang="id-ID" sz="2000">
-                <a:solidFill>
-                  <a:schemeClr val="bg1"/>
-                </a:solidFill>
-                <a:effectLst/>
+              <a:t>Tradisi perang ketupat adalah sebuah tradisi yang berasal dari bali yang diadakan sekali dalam setahun, tradisi ini sering kali menarik wisatawan yang datang, baik </a:t>
+            </a:r>
+            <a:r>
+              <a:rPr lang="id-ID" sz="2000" dirty="0">
+                <a:solidFill>
+                  <a:schemeClr val="bg1"/>
+                </a:solidFill>
                 <a:latin typeface="Louis George Café" panose="020B0600020202020204" pitchFamily="34" charset="0"/>
                 <a:ea typeface="Calibri" panose="020F0502020204030204" pitchFamily="34" charset="0"/>
                 <a:cs typeface="Times New Roman" panose="02020603050405020304" pitchFamily="18" charset="0"/>
               </a:rPr>
-              <a:t>baik </a:t>
-            </a:r>
-            <a:r>
-              <a:rPr lang="id-ID" sz="2000">
-                <a:solidFill>
-                  <a:schemeClr val="bg1"/>
-                </a:solidFill>
+              <a:t>domestik</a:t>
+            </a:r>
+            <a:r>
+              <a:rPr lang="id-ID" sz="2000" dirty="0">
+                <a:solidFill>
+                  <a:schemeClr val="bg1"/>
+                </a:solidFill>
+                <a:effectLst/>
                 <a:latin typeface="Louis George Café" panose="020B0600020202020204" pitchFamily="34" charset="0"/>
                 <a:ea typeface="Calibri" panose="020F0502020204030204" pitchFamily="34" charset="0"/>
                 <a:cs typeface="Times New Roman" panose="02020603050405020304" pitchFamily="18" charset="0"/>
               </a:rPr>
-              <a:t>domestik</a:t>
-            </a:r>
-            <a:r>
-              <a:rPr lang="id-ID" sz="2000">
+              <a:t> maupun mancanegara dalam dikarenakan tradisi ini cukup unik dimana para pesertanya saling </a:t>
+            </a:r>
+            <a:r>
+              <a:rPr lang="en-US" sz="2000" dirty="0" err="1">
                 <a:solidFill>
                   <a:schemeClr val="bg1"/>
                 </a:solidFill>
@@ -6283,10 +6283,10 @@
                 <a:ea typeface="Calibri" panose="020F0502020204030204" pitchFamily="34" charset="0"/>
                 <a:cs typeface="Times New Roman" panose="02020603050405020304" pitchFamily="18" charset="0"/>
               </a:rPr>
-              <a:t> maupun mancanegara dalam </a:t>
-            </a:r>
-            <a:r>
-              <a:rPr lang="id-ID" sz="2000" dirty="0">
+              <a:t>menyerang</a:t>
+            </a:r>
+            <a:r>
+              <a:rPr lang="en-US" sz="2000" dirty="0">
                 <a:solidFill>
                   <a:schemeClr val="bg1"/>
                 </a:solidFill>
@@ -6295,7 +6295,67 @@
                 <a:ea typeface="Calibri" panose="020F0502020204030204" pitchFamily="34" charset="0"/>
                 <a:cs typeface="Times New Roman" panose="02020603050405020304" pitchFamily="18" charset="0"/>
               </a:rPr>
-              <a:t>dikarenakan tradisi ini cukup unik dimana para pesertanya saling melempar ketupat kepada lawannya, tujuannya adalah untuk mengucap syukur atas semua karunia yang telah dilimpahkan sang pencipta kepada umatnya, dan juga terhindar dari wabah dan kekeringan. Sehingga tradisi ini dianggap sebagai simbol kesejahteraan dan kemakmuran manusia.</a:t>
+              <a:t> </a:t>
+            </a:r>
+            <a:r>
+              <a:rPr lang="en-US" sz="2000" dirty="0" err="1">
+                <a:solidFill>
+                  <a:schemeClr val="bg1"/>
+                </a:solidFill>
+                <a:effectLst/>
+                <a:latin typeface="Louis George Café" panose="020B0600020202020204" pitchFamily="34" charset="0"/>
+                <a:ea typeface="Calibri" panose="020F0502020204030204" pitchFamily="34" charset="0"/>
+                <a:cs typeface="Times New Roman" panose="02020603050405020304" pitchFamily="18" charset="0"/>
+              </a:rPr>
+              <a:t>lawan</a:t>
+            </a:r>
+            <a:r>
+              <a:rPr lang="en-US" sz="2000" dirty="0">
+                <a:solidFill>
+                  <a:schemeClr val="bg1"/>
+                </a:solidFill>
+                <a:effectLst/>
+                <a:latin typeface="Louis George Café" panose="020B0600020202020204" pitchFamily="34" charset="0"/>
+                <a:ea typeface="Calibri" panose="020F0502020204030204" pitchFamily="34" charset="0"/>
+                <a:cs typeface="Times New Roman" panose="02020603050405020304" pitchFamily="18" charset="0"/>
+              </a:rPr>
+              <a:t> </a:t>
+            </a:r>
+            <a:r>
+              <a:rPr lang="en-US" sz="2000" dirty="0" err="1">
+                <a:solidFill>
+                  <a:schemeClr val="bg1"/>
+                </a:solidFill>
+                <a:effectLst/>
+                <a:latin typeface="Louis George Café" panose="020B0600020202020204" pitchFamily="34" charset="0"/>
+                <a:ea typeface="Calibri" panose="020F0502020204030204" pitchFamily="34" charset="0"/>
+                <a:cs typeface="Times New Roman" panose="02020603050405020304" pitchFamily="18" charset="0"/>
+              </a:rPr>
+              <a:t>menggunakan</a:t>
+            </a:r>
+            <a:r>
+              <a:rPr lang="en-US" sz="2000" dirty="0">
+                <a:solidFill>
+                  <a:schemeClr val="bg1"/>
+                </a:solidFill>
+                <a:effectLst/>
+                <a:latin typeface="Louis George Café" panose="020B0600020202020204" pitchFamily="34" charset="0"/>
+                <a:ea typeface="Calibri" panose="020F0502020204030204" pitchFamily="34" charset="0"/>
+                <a:cs typeface="Times New Roman" panose="02020603050405020304" pitchFamily="18" charset="0"/>
+              </a:rPr>
+              <a:t> ketupat</a:t>
+            </a:r>
+            <a:r>
+              <a:rPr lang="id-ID" sz="2000" dirty="0">
+                <a:solidFill>
+                  <a:schemeClr val="bg1"/>
+                </a:solidFill>
+                <a:effectLst/>
+                <a:latin typeface="Louis George Café" panose="020B0600020202020204" pitchFamily="34" charset="0"/>
+                <a:ea typeface="Calibri" panose="020F0502020204030204" pitchFamily="34" charset="0"/>
+                <a:cs typeface="Times New Roman" panose="02020603050405020304" pitchFamily="18" charset="0"/>
+              </a:rPr>
+              <a:t>, tujuannya adalah untuk mengucap syukur atas semua karunia yang telah dilimpahkan sang pencipta kepada umatnya, dan juga terhindar dari wabah dan kekeringan. Sehingga tradisi ini dianggap sebagai simbol kesejahteraan dan kemakmuran manusia.</a:t>
             </a:r>
             <a:endParaRPr lang="en-ID" sz="2000" dirty="0">
               <a:solidFill>
@@ -6417,8 +6477,8 @@
               <a:rPr lang="en-US" sz="2000" dirty="0" err="1">
                 <a:effectLst/>
                 <a:latin typeface="Louis George Café" panose="020B0600020202020204" pitchFamily="34" charset="0"/>
-                <a:ea typeface="Calibri" panose="020F0502020204030204" pitchFamily="34" charset="0"/>
-                <a:cs typeface="Calibri" panose="020F0502020204030204" pitchFamily="34" charset="0"/>
+                <a:ea typeface="Lato" panose="020F0502020204030203" pitchFamily="34" charset="0"/>
+                <a:cs typeface="Lato" panose="020F0502020204030203" pitchFamily="34" charset="0"/>
               </a:rPr>
               <a:t>Pemain</a:t>
             </a:r>
@@ -6426,8 +6486,8 @@
               <a:rPr lang="en-US" sz="2000" dirty="0">
                 <a:effectLst/>
                 <a:latin typeface="Louis George Café" panose="020B0600020202020204" pitchFamily="34" charset="0"/>
-                <a:ea typeface="Calibri" panose="020F0502020204030204" pitchFamily="34" charset="0"/>
-                <a:cs typeface="Calibri" panose="020F0502020204030204" pitchFamily="34" charset="0"/>
+                <a:ea typeface="Lato" panose="020F0502020204030203" pitchFamily="34" charset="0"/>
+                <a:cs typeface="Lato" panose="020F0502020204030203" pitchFamily="34" charset="0"/>
               </a:rPr>
               <a:t> </a:t>
             </a:r>
@@ -6435,8 +6495,8 @@
               <a:rPr lang="en-US" sz="2000" dirty="0" err="1">
                 <a:effectLst/>
                 <a:latin typeface="Louis George Café" panose="020B0600020202020204" pitchFamily="34" charset="0"/>
-                <a:ea typeface="Calibri" panose="020F0502020204030204" pitchFamily="34" charset="0"/>
-                <a:cs typeface="Calibri" panose="020F0502020204030204" pitchFamily="34" charset="0"/>
+                <a:ea typeface="Lato" panose="020F0502020204030203" pitchFamily="34" charset="0"/>
+                <a:cs typeface="Lato" panose="020F0502020204030203" pitchFamily="34" charset="0"/>
               </a:rPr>
               <a:t>akan</a:t>
             </a:r>
@@ -6444,8 +6504,8 @@
               <a:rPr lang="en-US" sz="2000" dirty="0">
                 <a:effectLst/>
                 <a:latin typeface="Louis George Café" panose="020B0600020202020204" pitchFamily="34" charset="0"/>
-                <a:ea typeface="Calibri" panose="020F0502020204030204" pitchFamily="34" charset="0"/>
-                <a:cs typeface="Calibri" panose="020F0502020204030204" pitchFamily="34" charset="0"/>
+                <a:ea typeface="Lato" panose="020F0502020204030203" pitchFamily="34" charset="0"/>
+                <a:cs typeface="Lato" panose="020F0502020204030203" pitchFamily="34" charset="0"/>
               </a:rPr>
               <a:t> </a:t>
             </a:r>
@@ -6453,8 +6513,8 @@
               <a:rPr lang="en-US" sz="2000" dirty="0" err="1">
                 <a:effectLst/>
                 <a:latin typeface="Louis George Café" panose="020B0600020202020204" pitchFamily="34" charset="0"/>
-                <a:ea typeface="Calibri" panose="020F0502020204030204" pitchFamily="34" charset="0"/>
-                <a:cs typeface="Calibri" panose="020F0502020204030204" pitchFamily="34" charset="0"/>
+                <a:ea typeface="Lato" panose="020F0502020204030203" pitchFamily="34" charset="0"/>
+                <a:cs typeface="Lato" panose="020F0502020204030203" pitchFamily="34" charset="0"/>
               </a:rPr>
               <a:t>kalah</a:t>
             </a:r>
@@ -6462,8 +6522,8 @@
               <a:rPr lang="en-US" sz="2000" dirty="0">
                 <a:effectLst/>
                 <a:latin typeface="Louis George Café" panose="020B0600020202020204" pitchFamily="34" charset="0"/>
-                <a:ea typeface="Calibri" panose="020F0502020204030204" pitchFamily="34" charset="0"/>
-                <a:cs typeface="Calibri" panose="020F0502020204030204" pitchFamily="34" charset="0"/>
+                <a:ea typeface="Lato" panose="020F0502020204030203" pitchFamily="34" charset="0"/>
+                <a:cs typeface="Lato" panose="020F0502020204030203" pitchFamily="34" charset="0"/>
               </a:rPr>
               <a:t> </a:t>
             </a:r>
@@ -6471,8 +6531,8 @@
               <a:rPr lang="en-US" sz="2000" dirty="0" err="1">
                 <a:effectLst/>
                 <a:latin typeface="Louis George Café" panose="020B0600020202020204" pitchFamily="34" charset="0"/>
-                <a:ea typeface="Calibri" panose="020F0502020204030204" pitchFamily="34" charset="0"/>
-                <a:cs typeface="Calibri" panose="020F0502020204030204" pitchFamily="34" charset="0"/>
+                <a:ea typeface="Lato" panose="020F0502020204030203" pitchFamily="34" charset="0"/>
+                <a:cs typeface="Lato" panose="020F0502020204030203" pitchFamily="34" charset="0"/>
               </a:rPr>
               <a:t>apabila</a:t>
             </a:r>
@@ -6480,8 +6540,8 @@
               <a:rPr lang="en-US" sz="2000" dirty="0">
                 <a:effectLst/>
                 <a:latin typeface="Louis George Café" panose="020B0600020202020204" pitchFamily="34" charset="0"/>
-                <a:ea typeface="Calibri" panose="020F0502020204030204" pitchFamily="34" charset="0"/>
-                <a:cs typeface="Calibri" panose="020F0502020204030204" pitchFamily="34" charset="0"/>
+                <a:ea typeface="Lato" panose="020F0502020204030203" pitchFamily="34" charset="0"/>
+                <a:cs typeface="Lato" panose="020F0502020204030203" pitchFamily="34" charset="0"/>
               </a:rPr>
               <a:t> </a:t>
             </a:r>
@@ -6489,8 +6549,8 @@
               <a:rPr lang="en-US" sz="2000" dirty="0" err="1">
                 <a:effectLst/>
                 <a:latin typeface="Louis George Café" panose="020B0600020202020204" pitchFamily="34" charset="0"/>
-                <a:ea typeface="Calibri" panose="020F0502020204030204" pitchFamily="34" charset="0"/>
-                <a:cs typeface="Calibri" panose="020F0502020204030204" pitchFamily="34" charset="0"/>
+                <a:ea typeface="Lato" panose="020F0502020204030203" pitchFamily="34" charset="0"/>
+                <a:cs typeface="Lato" panose="020F0502020204030203" pitchFamily="34" charset="0"/>
               </a:rPr>
               <a:t>terkena</a:t>
             </a:r>
@@ -6498,8 +6558,8 @@
               <a:rPr lang="en-US" sz="2000" dirty="0">
                 <a:effectLst/>
                 <a:latin typeface="Louis George Café" panose="020B0600020202020204" pitchFamily="34" charset="0"/>
-                <a:ea typeface="Calibri" panose="020F0502020204030204" pitchFamily="34" charset="0"/>
-                <a:cs typeface="Calibri" panose="020F0502020204030204" pitchFamily="34" charset="0"/>
+                <a:ea typeface="Lato" panose="020F0502020204030203" pitchFamily="34" charset="0"/>
+                <a:cs typeface="Lato" panose="020F0502020204030203" pitchFamily="34" charset="0"/>
               </a:rPr>
               <a:t> </a:t>
             </a:r>
@@ -6507,8 +6567,8 @@
               <a:rPr lang="en-US" sz="2000" dirty="0" err="1">
                 <a:effectLst/>
                 <a:latin typeface="Louis George Café" panose="020B0600020202020204" pitchFamily="34" charset="0"/>
-                <a:ea typeface="Calibri" panose="020F0502020204030204" pitchFamily="34" charset="0"/>
-                <a:cs typeface="Calibri" panose="020F0502020204030204" pitchFamily="34" charset="0"/>
+                <a:ea typeface="Lato" panose="020F0502020204030203" pitchFamily="34" charset="0"/>
+                <a:cs typeface="Lato" panose="020F0502020204030203" pitchFamily="34" charset="0"/>
               </a:rPr>
               <a:t>serangan</a:t>
             </a:r>
@@ -6516,8 +6576,8 @@
               <a:rPr lang="en-US" sz="2000" dirty="0">
                 <a:effectLst/>
                 <a:latin typeface="Louis George Café" panose="020B0600020202020204" pitchFamily="34" charset="0"/>
-                <a:ea typeface="Calibri" panose="020F0502020204030204" pitchFamily="34" charset="0"/>
-                <a:cs typeface="Calibri" panose="020F0502020204030204" pitchFamily="34" charset="0"/>
+                <a:ea typeface="Lato" panose="020F0502020204030203" pitchFamily="34" charset="0"/>
+                <a:cs typeface="Lato" panose="020F0502020204030203" pitchFamily="34" charset="0"/>
               </a:rPr>
               <a:t> </a:t>
             </a:r>
@@ -6525,8 +6585,8 @@
               <a:rPr lang="en-US" sz="2000" dirty="0" err="1">
                 <a:effectLst/>
                 <a:latin typeface="Louis George Café" panose="020B0600020202020204" pitchFamily="34" charset="0"/>
-                <a:ea typeface="Calibri" panose="020F0502020204030204" pitchFamily="34" charset="0"/>
-                <a:cs typeface="Calibri" panose="020F0502020204030204" pitchFamily="34" charset="0"/>
+                <a:ea typeface="Lato" panose="020F0502020204030203" pitchFamily="34" charset="0"/>
+                <a:cs typeface="Lato" panose="020F0502020204030203" pitchFamily="34" charset="0"/>
               </a:rPr>
               <a:t>dari</a:t>
             </a:r>
@@ -6534,8 +6594,8 @@
               <a:rPr lang="en-US" sz="2000" dirty="0">
                 <a:effectLst/>
                 <a:latin typeface="Louis George Café" panose="020B0600020202020204" pitchFamily="34" charset="0"/>
-                <a:ea typeface="Calibri" panose="020F0502020204030204" pitchFamily="34" charset="0"/>
-                <a:cs typeface="Calibri" panose="020F0502020204030204" pitchFamily="34" charset="0"/>
+                <a:ea typeface="Lato" panose="020F0502020204030203" pitchFamily="34" charset="0"/>
+                <a:cs typeface="Lato" panose="020F0502020204030203" pitchFamily="34" charset="0"/>
               </a:rPr>
               <a:t> </a:t>
             </a:r>
@@ -6543,8 +6603,8 @@
               <a:rPr lang="en-US" sz="2000" dirty="0" err="1">
                 <a:effectLst/>
                 <a:latin typeface="Louis George Café" panose="020B0600020202020204" pitchFamily="34" charset="0"/>
-                <a:ea typeface="Calibri" panose="020F0502020204030204" pitchFamily="34" charset="0"/>
-                <a:cs typeface="Calibri" panose="020F0502020204030204" pitchFamily="34" charset="0"/>
+                <a:ea typeface="Lato" panose="020F0502020204030203" pitchFamily="34" charset="0"/>
+                <a:cs typeface="Lato" panose="020F0502020204030203" pitchFamily="34" charset="0"/>
               </a:rPr>
               <a:t>pemain</a:t>
             </a:r>
@@ -6552,16 +6612,16 @@
               <a:rPr lang="en-US" sz="2000" dirty="0">
                 <a:effectLst/>
                 <a:latin typeface="Louis George Café" panose="020B0600020202020204" pitchFamily="34" charset="0"/>
-                <a:ea typeface="Calibri" panose="020F0502020204030204" pitchFamily="34" charset="0"/>
-                <a:cs typeface="Calibri" panose="020F0502020204030204" pitchFamily="34" charset="0"/>
+                <a:ea typeface="Lato" panose="020F0502020204030203" pitchFamily="34" charset="0"/>
+                <a:cs typeface="Lato" panose="020F0502020204030203" pitchFamily="34" charset="0"/>
               </a:rPr>
               <a:t> lain.</a:t>
             </a:r>
             <a:endParaRPr lang="en-ID" sz="2000" dirty="0">
               <a:effectLst/>
               <a:latin typeface="Louis George Café" panose="020B0600020202020204" pitchFamily="34" charset="0"/>
-              <a:ea typeface="Calibri" panose="020F0502020204030204" pitchFamily="34" charset="0"/>
-              <a:cs typeface="Calibri" panose="020F0502020204030204" pitchFamily="34" charset="0"/>
+              <a:ea typeface="Lato" panose="020F0502020204030203" pitchFamily="34" charset="0"/>
+              <a:cs typeface="Lato" panose="020F0502020204030203" pitchFamily="34" charset="0"/>
             </a:endParaRPr>
           </a:p>
           <a:p>
@@ -6576,8 +6636,8 @@
               <a:rPr lang="en-US" sz="2000" dirty="0" err="1">
                 <a:effectLst/>
                 <a:latin typeface="Louis George Café" panose="020B0600020202020204" pitchFamily="34" charset="0"/>
-                <a:ea typeface="Calibri" panose="020F0502020204030204" pitchFamily="34" charset="0"/>
-                <a:cs typeface="Calibri" panose="020F0502020204030204" pitchFamily="34" charset="0"/>
+                <a:ea typeface="Lato" panose="020F0502020204030203" pitchFamily="34" charset="0"/>
+                <a:cs typeface="Lato" panose="020F0502020204030203" pitchFamily="34" charset="0"/>
               </a:rPr>
               <a:t>Pemain</a:t>
             </a:r>
@@ -6585,8 +6645,8 @@
               <a:rPr lang="en-US" sz="2000" dirty="0">
                 <a:effectLst/>
                 <a:latin typeface="Louis George Café" panose="020B0600020202020204" pitchFamily="34" charset="0"/>
-                <a:ea typeface="Calibri" panose="020F0502020204030204" pitchFamily="34" charset="0"/>
-                <a:cs typeface="Calibri" panose="020F0502020204030204" pitchFamily="34" charset="0"/>
+                <a:ea typeface="Lato" panose="020F0502020204030203" pitchFamily="34" charset="0"/>
+                <a:cs typeface="Lato" panose="020F0502020204030203" pitchFamily="34" charset="0"/>
               </a:rPr>
               <a:t> yang </a:t>
             </a:r>
@@ -6594,8 +6654,8 @@
               <a:rPr lang="en-US" sz="2000" dirty="0" err="1">
                 <a:effectLst/>
                 <a:latin typeface="Louis George Café" panose="020B0600020202020204" pitchFamily="34" charset="0"/>
-                <a:ea typeface="Calibri" panose="020F0502020204030204" pitchFamily="34" charset="0"/>
-                <a:cs typeface="Calibri" panose="020F0502020204030204" pitchFamily="34" charset="0"/>
+                <a:ea typeface="Lato" panose="020F0502020204030203" pitchFamily="34" charset="0"/>
+                <a:cs typeface="Lato" panose="020F0502020204030203" pitchFamily="34" charset="0"/>
               </a:rPr>
               <a:t>bertahan</a:t>
             </a:r>
@@ -6603,8 +6663,8 @@
               <a:rPr lang="en-US" sz="2000" dirty="0">
                 <a:effectLst/>
                 <a:latin typeface="Louis George Café" panose="020B0600020202020204" pitchFamily="34" charset="0"/>
-                <a:ea typeface="Calibri" panose="020F0502020204030204" pitchFamily="34" charset="0"/>
-                <a:cs typeface="Calibri" panose="020F0502020204030204" pitchFamily="34" charset="0"/>
+                <a:ea typeface="Lato" panose="020F0502020204030203" pitchFamily="34" charset="0"/>
+                <a:cs typeface="Lato" panose="020F0502020204030203" pitchFamily="34" charset="0"/>
               </a:rPr>
               <a:t> </a:t>
             </a:r>
@@ -6612,8 +6672,8 @@
               <a:rPr lang="en-US" sz="2000" dirty="0" err="1">
                 <a:effectLst/>
                 <a:latin typeface="Louis George Café" panose="020B0600020202020204" pitchFamily="34" charset="0"/>
-                <a:ea typeface="Calibri" panose="020F0502020204030204" pitchFamily="34" charset="0"/>
-                <a:cs typeface="Calibri" panose="020F0502020204030204" pitchFamily="34" charset="0"/>
+                <a:ea typeface="Lato" panose="020F0502020204030203" pitchFamily="34" charset="0"/>
+                <a:cs typeface="Lato" panose="020F0502020204030203" pitchFamily="34" charset="0"/>
               </a:rPr>
               <a:t>sampai</a:t>
             </a:r>
@@ -6621,8 +6681,8 @@
               <a:rPr lang="en-US" sz="2000" dirty="0">
                 <a:effectLst/>
                 <a:latin typeface="Louis George Café" panose="020B0600020202020204" pitchFamily="34" charset="0"/>
-                <a:ea typeface="Calibri" panose="020F0502020204030204" pitchFamily="34" charset="0"/>
-                <a:cs typeface="Calibri" panose="020F0502020204030204" pitchFamily="34" charset="0"/>
+                <a:ea typeface="Lato" panose="020F0502020204030203" pitchFamily="34" charset="0"/>
+                <a:cs typeface="Lato" panose="020F0502020204030203" pitchFamily="34" charset="0"/>
               </a:rPr>
               <a:t> </a:t>
             </a:r>
@@ -6630,8 +6690,8 @@
               <a:rPr lang="en-US" sz="2000" dirty="0" err="1">
                 <a:effectLst/>
                 <a:latin typeface="Louis George Café" panose="020B0600020202020204" pitchFamily="34" charset="0"/>
-                <a:ea typeface="Calibri" panose="020F0502020204030204" pitchFamily="34" charset="0"/>
-                <a:cs typeface="Calibri" panose="020F0502020204030204" pitchFamily="34" charset="0"/>
+                <a:ea typeface="Lato" panose="020F0502020204030203" pitchFamily="34" charset="0"/>
+                <a:cs typeface="Lato" panose="020F0502020204030203" pitchFamily="34" charset="0"/>
               </a:rPr>
               <a:t>batasan</a:t>
             </a:r>
@@ -6639,8 +6699,8 @@
               <a:rPr lang="en-US" sz="2000" dirty="0">
                 <a:effectLst/>
                 <a:latin typeface="Louis George Café" panose="020B0600020202020204" pitchFamily="34" charset="0"/>
-                <a:ea typeface="Calibri" panose="020F0502020204030204" pitchFamily="34" charset="0"/>
-                <a:cs typeface="Calibri" panose="020F0502020204030204" pitchFamily="34" charset="0"/>
+                <a:ea typeface="Lato" panose="020F0502020204030203" pitchFamily="34" charset="0"/>
+                <a:cs typeface="Lato" panose="020F0502020204030203" pitchFamily="34" charset="0"/>
               </a:rPr>
               <a:t> </a:t>
             </a:r>
@@ -6648,8 +6708,8 @@
               <a:rPr lang="en-US" sz="2000" dirty="0" err="1">
                 <a:effectLst/>
                 <a:latin typeface="Louis George Café" panose="020B0600020202020204" pitchFamily="34" charset="0"/>
-                <a:ea typeface="Calibri" panose="020F0502020204030204" pitchFamily="34" charset="0"/>
-                <a:cs typeface="Calibri" panose="020F0502020204030204" pitchFamily="34" charset="0"/>
+                <a:ea typeface="Lato" panose="020F0502020204030203" pitchFamily="34" charset="0"/>
+                <a:cs typeface="Lato" panose="020F0502020204030203" pitchFamily="34" charset="0"/>
               </a:rPr>
               <a:t>waktu</a:t>
             </a:r>
@@ -6657,8 +6717,8 @@
               <a:rPr lang="en-US" sz="2000" dirty="0">
                 <a:effectLst/>
                 <a:latin typeface="Louis George Café" panose="020B0600020202020204" pitchFamily="34" charset="0"/>
-                <a:ea typeface="Calibri" panose="020F0502020204030204" pitchFamily="34" charset="0"/>
-                <a:cs typeface="Calibri" panose="020F0502020204030204" pitchFamily="34" charset="0"/>
+                <a:ea typeface="Lato" panose="020F0502020204030203" pitchFamily="34" charset="0"/>
+                <a:cs typeface="Lato" panose="020F0502020204030203" pitchFamily="34" charset="0"/>
               </a:rPr>
               <a:t> yang </a:t>
             </a:r>
@@ -6666,8 +6726,8 @@
               <a:rPr lang="en-US" sz="2000" dirty="0" err="1">
                 <a:effectLst/>
                 <a:latin typeface="Louis George Café" panose="020B0600020202020204" pitchFamily="34" charset="0"/>
-                <a:ea typeface="Calibri" panose="020F0502020204030204" pitchFamily="34" charset="0"/>
-                <a:cs typeface="Calibri" panose="020F0502020204030204" pitchFamily="34" charset="0"/>
+                <a:ea typeface="Lato" panose="020F0502020204030203" pitchFamily="34" charset="0"/>
+                <a:cs typeface="Lato" panose="020F0502020204030203" pitchFamily="34" charset="0"/>
               </a:rPr>
               <a:t>telah</a:t>
             </a:r>
@@ -6675,8 +6735,8 @@
               <a:rPr lang="en-US" sz="2000" dirty="0">
                 <a:effectLst/>
                 <a:latin typeface="Louis George Café" panose="020B0600020202020204" pitchFamily="34" charset="0"/>
-                <a:ea typeface="Calibri" panose="020F0502020204030204" pitchFamily="34" charset="0"/>
-                <a:cs typeface="Calibri" panose="020F0502020204030204" pitchFamily="34" charset="0"/>
+                <a:ea typeface="Lato" panose="020F0502020204030203" pitchFamily="34" charset="0"/>
+                <a:cs typeface="Lato" panose="020F0502020204030203" pitchFamily="34" charset="0"/>
               </a:rPr>
               <a:t> </a:t>
             </a:r>
@@ -6684,8 +6744,8 @@
               <a:rPr lang="en-US" sz="2000" dirty="0" err="1">
                 <a:effectLst/>
                 <a:latin typeface="Louis George Café" panose="020B0600020202020204" pitchFamily="34" charset="0"/>
-                <a:ea typeface="Calibri" panose="020F0502020204030204" pitchFamily="34" charset="0"/>
-                <a:cs typeface="Calibri" panose="020F0502020204030204" pitchFamily="34" charset="0"/>
+                <a:ea typeface="Lato" panose="020F0502020204030203" pitchFamily="34" charset="0"/>
+                <a:cs typeface="Lato" panose="020F0502020204030203" pitchFamily="34" charset="0"/>
               </a:rPr>
               <a:t>ditentukan</a:t>
             </a:r>
@@ -6693,8 +6753,8 @@
               <a:rPr lang="en-US" sz="2000" dirty="0">
                 <a:effectLst/>
                 <a:latin typeface="Louis George Café" panose="020B0600020202020204" pitchFamily="34" charset="0"/>
-                <a:ea typeface="Calibri" panose="020F0502020204030204" pitchFamily="34" charset="0"/>
-                <a:cs typeface="Calibri" panose="020F0502020204030204" pitchFamily="34" charset="0"/>
+                <a:ea typeface="Lato" panose="020F0502020204030203" pitchFamily="34" charset="0"/>
+                <a:cs typeface="Lato" panose="020F0502020204030203" pitchFamily="34" charset="0"/>
               </a:rPr>
               <a:t> </a:t>
             </a:r>
@@ -6702,8 +6762,8 @@
               <a:rPr lang="en-US" sz="2000" dirty="0" err="1">
                 <a:effectLst/>
                 <a:latin typeface="Louis George Café" panose="020B0600020202020204" pitchFamily="34" charset="0"/>
-                <a:ea typeface="Calibri" panose="020F0502020204030204" pitchFamily="34" charset="0"/>
-                <a:cs typeface="Calibri" panose="020F0502020204030204" pitchFamily="34" charset="0"/>
+                <a:ea typeface="Lato" panose="020F0502020204030203" pitchFamily="34" charset="0"/>
+                <a:cs typeface="Lato" panose="020F0502020204030203" pitchFamily="34" charset="0"/>
               </a:rPr>
               <a:t>dengan</a:t>
             </a:r>
@@ -6711,8 +6771,8 @@
               <a:rPr lang="en-US" sz="2000" dirty="0">
                 <a:effectLst/>
                 <a:latin typeface="Louis George Café" panose="020B0600020202020204" pitchFamily="34" charset="0"/>
-                <a:ea typeface="Calibri" panose="020F0502020204030204" pitchFamily="34" charset="0"/>
-                <a:cs typeface="Calibri" panose="020F0502020204030204" pitchFamily="34" charset="0"/>
+                <a:ea typeface="Lato" panose="020F0502020204030203" pitchFamily="34" charset="0"/>
+                <a:cs typeface="Lato" panose="020F0502020204030203" pitchFamily="34" charset="0"/>
               </a:rPr>
               <a:t> </a:t>
             </a:r>
@@ -6720,8 +6780,8 @@
               <a:rPr lang="en-US" sz="2000" dirty="0" err="1">
                 <a:effectLst/>
                 <a:latin typeface="Louis George Café" panose="020B0600020202020204" pitchFamily="34" charset="0"/>
-                <a:ea typeface="Calibri" panose="020F0502020204030204" pitchFamily="34" charset="0"/>
-                <a:cs typeface="Calibri" panose="020F0502020204030204" pitchFamily="34" charset="0"/>
+                <a:ea typeface="Lato" panose="020F0502020204030203" pitchFamily="34" charset="0"/>
+                <a:cs typeface="Lato" panose="020F0502020204030203" pitchFamily="34" charset="0"/>
               </a:rPr>
               <a:t>skor</a:t>
             </a:r>
@@ -6729,8 +6789,8 @@
               <a:rPr lang="en-US" sz="2000" dirty="0">
                 <a:effectLst/>
                 <a:latin typeface="Louis George Café" panose="020B0600020202020204" pitchFamily="34" charset="0"/>
-                <a:ea typeface="Calibri" panose="020F0502020204030204" pitchFamily="34" charset="0"/>
-                <a:cs typeface="Calibri" panose="020F0502020204030204" pitchFamily="34" charset="0"/>
+                <a:ea typeface="Lato" panose="020F0502020204030203" pitchFamily="34" charset="0"/>
+                <a:cs typeface="Lato" panose="020F0502020204030203" pitchFamily="34" charset="0"/>
               </a:rPr>
               <a:t> </a:t>
             </a:r>
@@ -6738,8 +6798,8 @@
               <a:rPr lang="en-US" sz="2000" dirty="0" err="1">
                 <a:effectLst/>
                 <a:latin typeface="Louis George Café" panose="020B0600020202020204" pitchFamily="34" charset="0"/>
-                <a:ea typeface="Calibri" panose="020F0502020204030204" pitchFamily="34" charset="0"/>
-                <a:cs typeface="Calibri" panose="020F0502020204030204" pitchFamily="34" charset="0"/>
+                <a:ea typeface="Lato" panose="020F0502020204030203" pitchFamily="34" charset="0"/>
+                <a:cs typeface="Lato" panose="020F0502020204030203" pitchFamily="34" charset="0"/>
               </a:rPr>
               <a:t>tertinggi</a:t>
             </a:r>
@@ -6747,8 +6807,8 @@
               <a:rPr lang="en-US" sz="2000" dirty="0">
                 <a:effectLst/>
                 <a:latin typeface="Louis George Café" panose="020B0600020202020204" pitchFamily="34" charset="0"/>
-                <a:ea typeface="Calibri" panose="020F0502020204030204" pitchFamily="34" charset="0"/>
-                <a:cs typeface="Calibri" panose="020F0502020204030204" pitchFamily="34" charset="0"/>
+                <a:ea typeface="Lato" panose="020F0502020204030203" pitchFamily="34" charset="0"/>
+                <a:cs typeface="Lato" panose="020F0502020204030203" pitchFamily="34" charset="0"/>
               </a:rPr>
               <a:t> </a:t>
             </a:r>
@@ -6756,8 +6816,8 @@
               <a:rPr lang="en-US" sz="2000" dirty="0" err="1">
                 <a:effectLst/>
                 <a:latin typeface="Louis George Café" panose="020B0600020202020204" pitchFamily="34" charset="0"/>
-                <a:ea typeface="Calibri" panose="020F0502020204030204" pitchFamily="34" charset="0"/>
-                <a:cs typeface="Calibri" panose="020F0502020204030204" pitchFamily="34" charset="0"/>
+                <a:ea typeface="Lato" panose="020F0502020204030203" pitchFamily="34" charset="0"/>
+                <a:cs typeface="Lato" panose="020F0502020204030203" pitchFamily="34" charset="0"/>
               </a:rPr>
               <a:t>adalah</a:t>
             </a:r>
@@ -6765,8 +6825,8 @@
               <a:rPr lang="en-US" sz="2000" dirty="0">
                 <a:effectLst/>
                 <a:latin typeface="Louis George Café" panose="020B0600020202020204" pitchFamily="34" charset="0"/>
-                <a:ea typeface="Calibri" panose="020F0502020204030204" pitchFamily="34" charset="0"/>
-                <a:cs typeface="Calibri" panose="020F0502020204030204" pitchFamily="34" charset="0"/>
+                <a:ea typeface="Lato" panose="020F0502020204030203" pitchFamily="34" charset="0"/>
+                <a:cs typeface="Lato" panose="020F0502020204030203" pitchFamily="34" charset="0"/>
               </a:rPr>
               <a:t> </a:t>
             </a:r>
@@ -6774,8 +6834,8 @@
               <a:rPr lang="en-US" sz="2000" dirty="0" err="1">
                 <a:effectLst/>
                 <a:latin typeface="Louis George Café" panose="020B0600020202020204" pitchFamily="34" charset="0"/>
-                <a:ea typeface="Calibri" panose="020F0502020204030204" pitchFamily="34" charset="0"/>
-                <a:cs typeface="Calibri" panose="020F0502020204030204" pitchFamily="34" charset="0"/>
+                <a:ea typeface="Lato" panose="020F0502020204030203" pitchFamily="34" charset="0"/>
+                <a:cs typeface="Lato" panose="020F0502020204030203" pitchFamily="34" charset="0"/>
               </a:rPr>
               <a:t>pemenangnya</a:t>
             </a:r>
@@ -6783,16 +6843,16 @@
               <a:rPr lang="en-US" sz="2000" dirty="0">
                 <a:effectLst/>
                 <a:latin typeface="Louis George Café" panose="020B0600020202020204" pitchFamily="34" charset="0"/>
-                <a:ea typeface="Calibri" panose="020F0502020204030204" pitchFamily="34" charset="0"/>
-                <a:cs typeface="Calibri" panose="020F0502020204030204" pitchFamily="34" charset="0"/>
+                <a:ea typeface="Lato" panose="020F0502020204030203" pitchFamily="34" charset="0"/>
+                <a:cs typeface="Lato" panose="020F0502020204030203" pitchFamily="34" charset="0"/>
               </a:rPr>
               <a:t>.</a:t>
             </a:r>
             <a:endParaRPr lang="en-ID" sz="2000" dirty="0">
               <a:effectLst/>
               <a:latin typeface="Louis George Café" panose="020B0600020202020204" pitchFamily="34" charset="0"/>
-              <a:ea typeface="Calibri" panose="020F0502020204030204" pitchFamily="34" charset="0"/>
-              <a:cs typeface="Calibri" panose="020F0502020204030204" pitchFamily="34" charset="0"/>
+              <a:ea typeface="Lato" panose="020F0502020204030203" pitchFamily="34" charset="0"/>
+              <a:cs typeface="Lato" panose="020F0502020204030203" pitchFamily="34" charset="0"/>
             </a:endParaRPr>
           </a:p>
           <a:p>
@@ -6807,8 +6867,8 @@
               <a:rPr lang="en-US" sz="2000" dirty="0" err="1">
                 <a:effectLst/>
                 <a:latin typeface="Louis George Café" panose="020B0600020202020204" pitchFamily="34" charset="0"/>
-                <a:ea typeface="Calibri" panose="020F0502020204030204" pitchFamily="34" charset="0"/>
-                <a:cs typeface="Calibri" panose="020F0502020204030204" pitchFamily="34" charset="0"/>
+                <a:ea typeface="Lato" panose="020F0502020204030203" pitchFamily="34" charset="0"/>
+                <a:cs typeface="Lato" panose="020F0502020204030203" pitchFamily="34" charset="0"/>
               </a:rPr>
               <a:t>Terdapat</a:t>
             </a:r>
@@ -6816,8 +6876,8 @@
               <a:rPr lang="en-US" sz="2000" dirty="0">
                 <a:effectLst/>
                 <a:latin typeface="Louis George Café" panose="020B0600020202020204" pitchFamily="34" charset="0"/>
-                <a:ea typeface="Calibri" panose="020F0502020204030204" pitchFamily="34" charset="0"/>
-                <a:cs typeface="Calibri" panose="020F0502020204030204" pitchFamily="34" charset="0"/>
+                <a:ea typeface="Lato" panose="020F0502020204030203" pitchFamily="34" charset="0"/>
+                <a:cs typeface="Lato" panose="020F0502020204030203" pitchFamily="34" charset="0"/>
               </a:rPr>
               <a:t> </a:t>
             </a:r>
@@ -6825,8 +6885,8 @@
               <a:rPr lang="en-US" sz="2000" dirty="0" err="1">
                 <a:effectLst/>
                 <a:latin typeface="Louis George Café" panose="020B0600020202020204" pitchFamily="34" charset="0"/>
-                <a:ea typeface="Calibri" panose="020F0502020204030204" pitchFamily="34" charset="0"/>
-                <a:cs typeface="Calibri" panose="020F0502020204030204" pitchFamily="34" charset="0"/>
+                <a:ea typeface="Lato" panose="020F0502020204030203" pitchFamily="34" charset="0"/>
+                <a:cs typeface="Lato" panose="020F0502020204030203" pitchFamily="34" charset="0"/>
               </a:rPr>
               <a:t>papan</a:t>
             </a:r>
@@ -6834,8 +6894,8 @@
               <a:rPr lang="en-US" sz="2000" dirty="0">
                 <a:effectLst/>
                 <a:latin typeface="Louis George Café" panose="020B0600020202020204" pitchFamily="34" charset="0"/>
-                <a:ea typeface="Calibri" panose="020F0502020204030204" pitchFamily="34" charset="0"/>
-                <a:cs typeface="Calibri" panose="020F0502020204030204" pitchFamily="34" charset="0"/>
+                <a:ea typeface="Lato" panose="020F0502020204030203" pitchFamily="34" charset="0"/>
+                <a:cs typeface="Lato" panose="020F0502020204030203" pitchFamily="34" charset="0"/>
               </a:rPr>
               <a:t> </a:t>
             </a:r>
@@ -6843,8 +6903,8 @@
               <a:rPr lang="en-US" sz="2000" dirty="0" err="1">
                 <a:effectLst/>
                 <a:latin typeface="Louis George Café" panose="020B0600020202020204" pitchFamily="34" charset="0"/>
-                <a:ea typeface="Calibri" panose="020F0502020204030204" pitchFamily="34" charset="0"/>
-                <a:cs typeface="Calibri" panose="020F0502020204030204" pitchFamily="34" charset="0"/>
+                <a:ea typeface="Lato" panose="020F0502020204030203" pitchFamily="34" charset="0"/>
+                <a:cs typeface="Lato" panose="020F0502020204030203" pitchFamily="34" charset="0"/>
               </a:rPr>
               <a:t>skor</a:t>
             </a:r>
@@ -6852,8 +6912,8 @@
               <a:rPr lang="en-US" sz="2000" dirty="0">
                 <a:effectLst/>
                 <a:latin typeface="Louis George Café" panose="020B0600020202020204" pitchFamily="34" charset="0"/>
-                <a:ea typeface="Calibri" panose="020F0502020204030204" pitchFamily="34" charset="0"/>
-                <a:cs typeface="Calibri" panose="020F0502020204030204" pitchFamily="34" charset="0"/>
+                <a:ea typeface="Lato" panose="020F0502020204030203" pitchFamily="34" charset="0"/>
+                <a:cs typeface="Lato" panose="020F0502020204030203" pitchFamily="34" charset="0"/>
               </a:rPr>
               <a:t> yang </a:t>
             </a:r>
@@ -6861,8 +6921,8 @@
               <a:rPr lang="en-US" sz="2000" dirty="0" err="1">
                 <a:effectLst/>
                 <a:latin typeface="Louis George Café" panose="020B0600020202020204" pitchFamily="34" charset="0"/>
-                <a:ea typeface="Calibri" panose="020F0502020204030204" pitchFamily="34" charset="0"/>
-                <a:cs typeface="Calibri" panose="020F0502020204030204" pitchFamily="34" charset="0"/>
+                <a:ea typeface="Lato" panose="020F0502020204030203" pitchFamily="34" charset="0"/>
+                <a:cs typeface="Lato" panose="020F0502020204030203" pitchFamily="34" charset="0"/>
               </a:rPr>
               <a:t>memperlihatkan</a:t>
             </a:r>
@@ -6870,8 +6930,8 @@
               <a:rPr lang="en-US" sz="2000" dirty="0">
                 <a:effectLst/>
                 <a:latin typeface="Louis George Café" panose="020B0600020202020204" pitchFamily="34" charset="0"/>
-                <a:ea typeface="Calibri" panose="020F0502020204030204" pitchFamily="34" charset="0"/>
-                <a:cs typeface="Calibri" panose="020F0502020204030204" pitchFamily="34" charset="0"/>
+                <a:ea typeface="Lato" panose="020F0502020204030203" pitchFamily="34" charset="0"/>
+                <a:cs typeface="Lato" panose="020F0502020204030203" pitchFamily="34" charset="0"/>
               </a:rPr>
               <a:t> </a:t>
             </a:r>
@@ -6879,8 +6939,8 @@
               <a:rPr lang="en-US" sz="2000" dirty="0" err="1">
                 <a:effectLst/>
                 <a:latin typeface="Louis George Café" panose="020B0600020202020204" pitchFamily="34" charset="0"/>
-                <a:ea typeface="Calibri" panose="020F0502020204030204" pitchFamily="34" charset="0"/>
-                <a:cs typeface="Calibri" panose="020F0502020204030204" pitchFamily="34" charset="0"/>
+                <a:ea typeface="Lato" panose="020F0502020204030203" pitchFamily="34" charset="0"/>
+                <a:cs typeface="Lato" panose="020F0502020204030203" pitchFamily="34" charset="0"/>
               </a:rPr>
               <a:t>seberapa</a:t>
             </a:r>
@@ -6888,8 +6948,8 @@
               <a:rPr lang="en-US" sz="2000" dirty="0">
                 <a:effectLst/>
                 <a:latin typeface="Louis George Café" panose="020B0600020202020204" pitchFamily="34" charset="0"/>
-                <a:ea typeface="Calibri" panose="020F0502020204030204" pitchFamily="34" charset="0"/>
-                <a:cs typeface="Calibri" panose="020F0502020204030204" pitchFamily="34" charset="0"/>
+                <a:ea typeface="Lato" panose="020F0502020204030203" pitchFamily="34" charset="0"/>
+                <a:cs typeface="Lato" panose="020F0502020204030203" pitchFamily="34" charset="0"/>
               </a:rPr>
               <a:t> </a:t>
             </a:r>
@@ -6897,8 +6957,8 @@
               <a:rPr lang="en-US" sz="2000" dirty="0" err="1">
                 <a:effectLst/>
                 <a:latin typeface="Louis George Café" panose="020B0600020202020204" pitchFamily="34" charset="0"/>
-                <a:ea typeface="Calibri" panose="020F0502020204030204" pitchFamily="34" charset="0"/>
-                <a:cs typeface="Calibri" panose="020F0502020204030204" pitchFamily="34" charset="0"/>
+                <a:ea typeface="Lato" panose="020F0502020204030203" pitchFamily="34" charset="0"/>
+                <a:cs typeface="Lato" panose="020F0502020204030203" pitchFamily="34" charset="0"/>
               </a:rPr>
               <a:t>banyak</a:t>
             </a:r>
@@ -6906,8 +6966,8 @@
               <a:rPr lang="en-US" sz="2000" dirty="0">
                 <a:effectLst/>
                 <a:latin typeface="Louis George Café" panose="020B0600020202020204" pitchFamily="34" charset="0"/>
-                <a:ea typeface="Calibri" panose="020F0502020204030204" pitchFamily="34" charset="0"/>
-                <a:cs typeface="Calibri" panose="020F0502020204030204" pitchFamily="34" charset="0"/>
+                <a:ea typeface="Lato" panose="020F0502020204030203" pitchFamily="34" charset="0"/>
+                <a:cs typeface="Lato" panose="020F0502020204030203" pitchFamily="34" charset="0"/>
               </a:rPr>
               <a:t> </a:t>
             </a:r>
@@ -6915,8 +6975,8 @@
               <a:rPr lang="en-US" sz="2000" dirty="0" err="1">
                 <a:effectLst/>
                 <a:latin typeface="Louis George Café" panose="020B0600020202020204" pitchFamily="34" charset="0"/>
-                <a:ea typeface="Calibri" panose="020F0502020204030204" pitchFamily="34" charset="0"/>
-                <a:cs typeface="Calibri" panose="020F0502020204030204" pitchFamily="34" charset="0"/>
+                <a:ea typeface="Lato" panose="020F0502020204030203" pitchFamily="34" charset="0"/>
+                <a:cs typeface="Lato" panose="020F0502020204030203" pitchFamily="34" charset="0"/>
               </a:rPr>
               <a:t>poin</a:t>
             </a:r>
@@ -6924,8 +6984,8 @@
               <a:rPr lang="en-US" sz="2000" dirty="0">
                 <a:effectLst/>
                 <a:latin typeface="Louis George Café" panose="020B0600020202020204" pitchFamily="34" charset="0"/>
-                <a:ea typeface="Calibri" panose="020F0502020204030204" pitchFamily="34" charset="0"/>
-                <a:cs typeface="Calibri" panose="020F0502020204030204" pitchFamily="34" charset="0"/>
+                <a:ea typeface="Lato" panose="020F0502020204030203" pitchFamily="34" charset="0"/>
+                <a:cs typeface="Lato" panose="020F0502020204030203" pitchFamily="34" charset="0"/>
               </a:rPr>
               <a:t> yang </a:t>
             </a:r>
@@ -6933,8 +6993,8 @@
               <a:rPr lang="en-US" sz="2000" dirty="0" err="1">
                 <a:effectLst/>
                 <a:latin typeface="Louis George Café" panose="020B0600020202020204" pitchFamily="34" charset="0"/>
-                <a:ea typeface="Calibri" panose="020F0502020204030204" pitchFamily="34" charset="0"/>
-                <a:cs typeface="Calibri" panose="020F0502020204030204" pitchFamily="34" charset="0"/>
+                <a:ea typeface="Lato" panose="020F0502020204030203" pitchFamily="34" charset="0"/>
+                <a:cs typeface="Lato" panose="020F0502020204030203" pitchFamily="34" charset="0"/>
               </a:rPr>
               <a:t>telah</a:t>
             </a:r>
@@ -6942,8 +7002,8 @@
               <a:rPr lang="en-US" sz="2000" dirty="0">
                 <a:effectLst/>
                 <a:latin typeface="Louis George Café" panose="020B0600020202020204" pitchFamily="34" charset="0"/>
-                <a:ea typeface="Calibri" panose="020F0502020204030204" pitchFamily="34" charset="0"/>
-                <a:cs typeface="Calibri" panose="020F0502020204030204" pitchFamily="34" charset="0"/>
+                <a:ea typeface="Lato" panose="020F0502020204030203" pitchFamily="34" charset="0"/>
+                <a:cs typeface="Lato" panose="020F0502020204030203" pitchFamily="34" charset="0"/>
               </a:rPr>
               <a:t> </a:t>
             </a:r>
@@ -6951,8 +7011,8 @@
               <a:rPr lang="en-US" sz="2000" dirty="0" err="1">
                 <a:effectLst/>
                 <a:latin typeface="Louis George Café" panose="020B0600020202020204" pitchFamily="34" charset="0"/>
-                <a:ea typeface="Calibri" panose="020F0502020204030204" pitchFamily="34" charset="0"/>
-                <a:cs typeface="Calibri" panose="020F0502020204030204" pitchFamily="34" charset="0"/>
+                <a:ea typeface="Lato" panose="020F0502020204030203" pitchFamily="34" charset="0"/>
+                <a:cs typeface="Lato" panose="020F0502020204030203" pitchFamily="34" charset="0"/>
               </a:rPr>
               <a:t>didapatkan</a:t>
             </a:r>
@@ -6960,8 +7020,8 @@
               <a:rPr lang="en-US" sz="2000" dirty="0">
                 <a:effectLst/>
                 <a:latin typeface="Louis George Café" panose="020B0600020202020204" pitchFamily="34" charset="0"/>
-                <a:ea typeface="Calibri" panose="020F0502020204030204" pitchFamily="34" charset="0"/>
-                <a:cs typeface="Calibri" panose="020F0502020204030204" pitchFamily="34" charset="0"/>
+                <a:ea typeface="Lato" panose="020F0502020204030203" pitchFamily="34" charset="0"/>
+                <a:cs typeface="Lato" panose="020F0502020204030203" pitchFamily="34" charset="0"/>
               </a:rPr>
               <a:t> </a:t>
             </a:r>
@@ -6969,8 +7029,8 @@
               <a:rPr lang="en-US" sz="2000" dirty="0" err="1">
                 <a:effectLst/>
                 <a:latin typeface="Louis George Café" panose="020B0600020202020204" pitchFamily="34" charset="0"/>
-                <a:ea typeface="Calibri" panose="020F0502020204030204" pitchFamily="34" charset="0"/>
-                <a:cs typeface="Calibri" panose="020F0502020204030204" pitchFamily="34" charset="0"/>
+                <a:ea typeface="Lato" panose="020F0502020204030203" pitchFamily="34" charset="0"/>
+                <a:cs typeface="Lato" panose="020F0502020204030203" pitchFamily="34" charset="0"/>
               </a:rPr>
               <a:t>pemain</a:t>
             </a:r>
@@ -6978,16 +7038,16 @@
               <a:rPr lang="en-US" sz="2000" dirty="0">
                 <a:effectLst/>
                 <a:latin typeface="Louis George Café" panose="020B0600020202020204" pitchFamily="34" charset="0"/>
-                <a:ea typeface="Calibri" panose="020F0502020204030204" pitchFamily="34" charset="0"/>
-                <a:cs typeface="Calibri" panose="020F0502020204030204" pitchFamily="34" charset="0"/>
+                <a:ea typeface="Lato" panose="020F0502020204030203" pitchFamily="34" charset="0"/>
+                <a:cs typeface="Lato" panose="020F0502020204030203" pitchFamily="34" charset="0"/>
               </a:rPr>
               <a:t>.</a:t>
             </a:r>
             <a:endParaRPr lang="en-ID" sz="2000" dirty="0">
               <a:effectLst/>
               <a:latin typeface="Louis George Café" panose="020B0600020202020204" pitchFamily="34" charset="0"/>
-              <a:ea typeface="Calibri" panose="020F0502020204030204" pitchFamily="34" charset="0"/>
-              <a:cs typeface="Calibri" panose="020F0502020204030204" pitchFamily="34" charset="0"/>
+              <a:ea typeface="Lato" panose="020F0502020204030203" pitchFamily="34" charset="0"/>
+              <a:cs typeface="Lato" panose="020F0502020204030203" pitchFamily="34" charset="0"/>
             </a:endParaRPr>
           </a:p>
           <a:p>
@@ -7002,8 +7062,8 @@
               <a:rPr lang="en-US" sz="2000" dirty="0" err="1">
                 <a:effectLst/>
                 <a:latin typeface="Louis George Café" panose="020B0600020202020204" pitchFamily="34" charset="0"/>
-                <a:ea typeface="Calibri" panose="020F0502020204030204" pitchFamily="34" charset="0"/>
-                <a:cs typeface="Calibri" panose="020F0502020204030204" pitchFamily="34" charset="0"/>
+                <a:ea typeface="Lato" panose="020F0502020204030203" pitchFamily="34" charset="0"/>
+                <a:cs typeface="Lato" panose="020F0502020204030203" pitchFamily="34" charset="0"/>
               </a:rPr>
               <a:t>Pemain</a:t>
             </a:r>
@@ -7011,8 +7071,8 @@
               <a:rPr lang="en-US" sz="2000" dirty="0">
                 <a:effectLst/>
                 <a:latin typeface="Louis George Café" panose="020B0600020202020204" pitchFamily="34" charset="0"/>
-                <a:ea typeface="Calibri" panose="020F0502020204030204" pitchFamily="34" charset="0"/>
-                <a:cs typeface="Calibri" panose="020F0502020204030204" pitchFamily="34" charset="0"/>
+                <a:ea typeface="Lato" panose="020F0502020204030203" pitchFamily="34" charset="0"/>
+                <a:cs typeface="Lato" panose="020F0502020204030203" pitchFamily="34" charset="0"/>
               </a:rPr>
               <a:t> </a:t>
             </a:r>
@@ -7020,8 +7080,8 @@
               <a:rPr lang="en-US" sz="2000" dirty="0" err="1">
                 <a:effectLst/>
                 <a:latin typeface="Louis George Café" panose="020B0600020202020204" pitchFamily="34" charset="0"/>
-                <a:ea typeface="Calibri" panose="020F0502020204030204" pitchFamily="34" charset="0"/>
-                <a:cs typeface="Calibri" panose="020F0502020204030204" pitchFamily="34" charset="0"/>
+                <a:ea typeface="Lato" panose="020F0502020204030203" pitchFamily="34" charset="0"/>
+                <a:cs typeface="Lato" panose="020F0502020204030203" pitchFamily="34" charset="0"/>
               </a:rPr>
               <a:t>tidak</a:t>
             </a:r>
@@ -7029,8 +7089,8 @@
               <a:rPr lang="en-US" sz="2000" dirty="0">
                 <a:effectLst/>
                 <a:latin typeface="Louis George Café" panose="020B0600020202020204" pitchFamily="34" charset="0"/>
-                <a:ea typeface="Calibri" panose="020F0502020204030204" pitchFamily="34" charset="0"/>
-                <a:cs typeface="Calibri" panose="020F0502020204030204" pitchFamily="34" charset="0"/>
+                <a:ea typeface="Lato" panose="020F0502020204030203" pitchFamily="34" charset="0"/>
+                <a:cs typeface="Lato" panose="020F0502020204030203" pitchFamily="34" charset="0"/>
               </a:rPr>
               <a:t> </a:t>
             </a:r>
@@ -7038,8 +7098,8 @@
               <a:rPr lang="en-US" sz="2000" dirty="0" err="1">
                 <a:effectLst/>
                 <a:latin typeface="Louis George Café" panose="020B0600020202020204" pitchFamily="34" charset="0"/>
-                <a:ea typeface="Calibri" panose="020F0502020204030204" pitchFamily="34" charset="0"/>
-                <a:cs typeface="Calibri" panose="020F0502020204030204" pitchFamily="34" charset="0"/>
+                <a:ea typeface="Lato" panose="020F0502020204030203" pitchFamily="34" charset="0"/>
+                <a:cs typeface="Lato" panose="020F0502020204030203" pitchFamily="34" charset="0"/>
               </a:rPr>
               <a:t>bisa</a:t>
             </a:r>
@@ -7047,8 +7107,8 @@
               <a:rPr lang="en-US" sz="2000" dirty="0">
                 <a:effectLst/>
                 <a:latin typeface="Louis George Café" panose="020B0600020202020204" pitchFamily="34" charset="0"/>
-                <a:ea typeface="Calibri" panose="020F0502020204030204" pitchFamily="34" charset="0"/>
-                <a:cs typeface="Calibri" panose="020F0502020204030204" pitchFamily="34" charset="0"/>
+                <a:ea typeface="Lato" panose="020F0502020204030203" pitchFamily="34" charset="0"/>
+                <a:cs typeface="Lato" panose="020F0502020204030203" pitchFamily="34" charset="0"/>
               </a:rPr>
               <a:t> </a:t>
             </a:r>
@@ -7056,8 +7116,8 @@
               <a:rPr lang="en-US" sz="2000" dirty="0" err="1">
                 <a:effectLst/>
                 <a:latin typeface="Louis George Café" panose="020B0600020202020204" pitchFamily="34" charset="0"/>
-                <a:ea typeface="Calibri" panose="020F0502020204030204" pitchFamily="34" charset="0"/>
-                <a:cs typeface="Calibri" panose="020F0502020204030204" pitchFamily="34" charset="0"/>
+                <a:ea typeface="Lato" panose="020F0502020204030203" pitchFamily="34" charset="0"/>
+                <a:cs typeface="Lato" panose="020F0502020204030203" pitchFamily="34" charset="0"/>
               </a:rPr>
               <a:t>menyerang</a:t>
             </a:r>
@@ -7065,8 +7125,8 @@
               <a:rPr lang="en-US" sz="2000" dirty="0">
                 <a:effectLst/>
                 <a:latin typeface="Louis George Café" panose="020B0600020202020204" pitchFamily="34" charset="0"/>
-                <a:ea typeface="Calibri" panose="020F0502020204030204" pitchFamily="34" charset="0"/>
-                <a:cs typeface="Calibri" panose="020F0502020204030204" pitchFamily="34" charset="0"/>
+                <a:ea typeface="Lato" panose="020F0502020204030203" pitchFamily="34" charset="0"/>
+                <a:cs typeface="Lato" panose="020F0502020204030203" pitchFamily="34" charset="0"/>
               </a:rPr>
               <a:t> </a:t>
             </a:r>
@@ -7074,8 +7134,8 @@
               <a:rPr lang="en-US" sz="2000" dirty="0" err="1">
                 <a:effectLst/>
                 <a:latin typeface="Louis George Café" panose="020B0600020202020204" pitchFamily="34" charset="0"/>
-                <a:ea typeface="Calibri" panose="020F0502020204030204" pitchFamily="34" charset="0"/>
-                <a:cs typeface="Calibri" panose="020F0502020204030204" pitchFamily="34" charset="0"/>
+                <a:ea typeface="Lato" panose="020F0502020204030203" pitchFamily="34" charset="0"/>
+                <a:cs typeface="Lato" panose="020F0502020204030203" pitchFamily="34" charset="0"/>
               </a:rPr>
               <a:t>secara</a:t>
             </a:r>
@@ -7083,8 +7143,8 @@
               <a:rPr lang="en-US" sz="2000" dirty="0">
                 <a:effectLst/>
                 <a:latin typeface="Louis George Café" panose="020B0600020202020204" pitchFamily="34" charset="0"/>
-                <a:ea typeface="Calibri" panose="020F0502020204030204" pitchFamily="34" charset="0"/>
-                <a:cs typeface="Calibri" panose="020F0502020204030204" pitchFamily="34" charset="0"/>
+                <a:ea typeface="Lato" panose="020F0502020204030203" pitchFamily="34" charset="0"/>
+                <a:cs typeface="Lato" panose="020F0502020204030203" pitchFamily="34" charset="0"/>
               </a:rPr>
               <a:t> </a:t>
             </a:r>
@@ -7092,8 +7152,8 @@
               <a:rPr lang="en-US" sz="2000" dirty="0" err="1">
                 <a:effectLst/>
                 <a:latin typeface="Louis George Café" panose="020B0600020202020204" pitchFamily="34" charset="0"/>
-                <a:ea typeface="Calibri" panose="020F0502020204030204" pitchFamily="34" charset="0"/>
-                <a:cs typeface="Calibri" panose="020F0502020204030204" pitchFamily="34" charset="0"/>
+                <a:ea typeface="Lato" panose="020F0502020204030203" pitchFamily="34" charset="0"/>
+                <a:cs typeface="Lato" panose="020F0502020204030203" pitchFamily="34" charset="0"/>
               </a:rPr>
               <a:t>terus</a:t>
             </a:r>
@@ -7101,8 +7161,8 @@
               <a:rPr lang="en-US" sz="2000" dirty="0">
                 <a:effectLst/>
                 <a:latin typeface="Louis George Café" panose="020B0600020202020204" pitchFamily="34" charset="0"/>
-                <a:ea typeface="Calibri" panose="020F0502020204030204" pitchFamily="34" charset="0"/>
-                <a:cs typeface="Calibri" panose="020F0502020204030204" pitchFamily="34" charset="0"/>
+                <a:ea typeface="Lato" panose="020F0502020204030203" pitchFamily="34" charset="0"/>
+                <a:cs typeface="Lato" panose="020F0502020204030203" pitchFamily="34" charset="0"/>
               </a:rPr>
               <a:t> </a:t>
             </a:r>
@@ -7110,8 +7170,8 @@
               <a:rPr lang="en-US" sz="2000" dirty="0" err="1">
                 <a:effectLst/>
                 <a:latin typeface="Louis George Café" panose="020B0600020202020204" pitchFamily="34" charset="0"/>
-                <a:ea typeface="Calibri" panose="020F0502020204030204" pitchFamily="34" charset="0"/>
-                <a:cs typeface="Calibri" panose="020F0502020204030204" pitchFamily="34" charset="0"/>
+                <a:ea typeface="Lato" panose="020F0502020204030203" pitchFamily="34" charset="0"/>
+                <a:cs typeface="Lato" panose="020F0502020204030203" pitchFamily="34" charset="0"/>
               </a:rPr>
               <a:t>menerus</a:t>
             </a:r>
@@ -7119,8 +7179,8 @@
               <a:rPr lang="en-US" sz="2000" dirty="0">
                 <a:effectLst/>
                 <a:latin typeface="Louis George Café" panose="020B0600020202020204" pitchFamily="34" charset="0"/>
-                <a:ea typeface="Calibri" panose="020F0502020204030204" pitchFamily="34" charset="0"/>
-                <a:cs typeface="Calibri" panose="020F0502020204030204" pitchFamily="34" charset="0"/>
+                <a:ea typeface="Lato" panose="020F0502020204030203" pitchFamily="34" charset="0"/>
+                <a:cs typeface="Lato" panose="020F0502020204030203" pitchFamily="34" charset="0"/>
               </a:rPr>
               <a:t> ( </a:t>
             </a:r>
@@ -7128,8 +7188,8 @@
               <a:rPr lang="en-US" sz="2000" dirty="0" err="1">
                 <a:effectLst/>
                 <a:latin typeface="Louis George Café" panose="020B0600020202020204" pitchFamily="34" charset="0"/>
-                <a:ea typeface="Calibri" panose="020F0502020204030204" pitchFamily="34" charset="0"/>
-                <a:cs typeface="Calibri" panose="020F0502020204030204" pitchFamily="34" charset="0"/>
+                <a:ea typeface="Lato" panose="020F0502020204030203" pitchFamily="34" charset="0"/>
+                <a:cs typeface="Lato" panose="020F0502020204030203" pitchFamily="34" charset="0"/>
               </a:rPr>
               <a:t>terdapat</a:t>
             </a:r>
@@ -7137,16 +7197,16 @@
               <a:rPr lang="en-US" sz="2000" dirty="0">
                 <a:effectLst/>
                 <a:latin typeface="Louis George Café" panose="020B0600020202020204" pitchFamily="34" charset="0"/>
-                <a:ea typeface="Calibri" panose="020F0502020204030204" pitchFamily="34" charset="0"/>
-                <a:cs typeface="Calibri" panose="020F0502020204030204" pitchFamily="34" charset="0"/>
+                <a:ea typeface="Lato" panose="020F0502020204030203" pitchFamily="34" charset="0"/>
+                <a:cs typeface="Lato" panose="020F0502020204030203" pitchFamily="34" charset="0"/>
               </a:rPr>
               <a:t> cooldown).</a:t>
             </a:r>
             <a:endParaRPr lang="en-ID" sz="2000" dirty="0">
               <a:effectLst/>
               <a:latin typeface="Louis George Café" panose="020B0600020202020204" pitchFamily="34" charset="0"/>
-              <a:ea typeface="Calibri" panose="020F0502020204030204" pitchFamily="34" charset="0"/>
-              <a:cs typeface="Calibri" panose="020F0502020204030204" pitchFamily="34" charset="0"/>
+              <a:ea typeface="Lato" panose="020F0502020204030203" pitchFamily="34" charset="0"/>
+              <a:cs typeface="Lato" panose="020F0502020204030203" pitchFamily="34" charset="0"/>
             </a:endParaRPr>
           </a:p>
           <a:p>
@@ -7154,6 +7214,9 @@
               <a:lnSpc>
                 <a:spcPct val="150000"/>
               </a:lnSpc>
+              <a:spcAft>
+                <a:spcPts val="1000"/>
+              </a:spcAft>
               <a:buFont typeface="+mj-lt"/>
               <a:buAutoNum type="alphaLcPeriod"/>
             </a:pPr>
@@ -7161,17 +7224,35 @@
               <a:rPr lang="en-US" sz="2000" dirty="0" err="1">
                 <a:effectLst/>
                 <a:latin typeface="Louis George Café" panose="020B0600020202020204" pitchFamily="34" charset="0"/>
-                <a:ea typeface="Calibri" panose="020F0502020204030204" pitchFamily="34" charset="0"/>
-                <a:cs typeface="Calibri" panose="020F0502020204030204" pitchFamily="34" charset="0"/>
-              </a:rPr>
-              <a:t>Semakin</a:t>
-            </a:r>
-            <a:r>
-              <a:rPr lang="en-US" sz="2000" dirty="0">
-                <a:effectLst/>
-                <a:latin typeface="Louis George Café" panose="020B0600020202020204" pitchFamily="34" charset="0"/>
-                <a:ea typeface="Calibri" panose="020F0502020204030204" pitchFamily="34" charset="0"/>
-                <a:cs typeface="Calibri" panose="020F0502020204030204" pitchFamily="34" charset="0"/>
+                <a:ea typeface="Lato" panose="020F0502020204030203" pitchFamily="34" charset="0"/>
+                <a:cs typeface="Lato" panose="020F0502020204030203" pitchFamily="34" charset="0"/>
+              </a:rPr>
+              <a:t>Ukuran</a:t>
+            </a:r>
+            <a:r>
+              <a:rPr lang="en-US" sz="2000" dirty="0">
+                <a:effectLst/>
+                <a:latin typeface="Louis George Café" panose="020B0600020202020204" pitchFamily="34" charset="0"/>
+                <a:ea typeface="Lato" panose="020F0502020204030203" pitchFamily="34" charset="0"/>
+                <a:cs typeface="Lato" panose="020F0502020204030203" pitchFamily="34" charset="0"/>
+              </a:rPr>
+              <a:t> ketupat yang </a:t>
+            </a:r>
+            <a:r>
+              <a:rPr lang="en-US" sz="2000" dirty="0" err="1">
+                <a:effectLst/>
+                <a:latin typeface="Louis George Café" panose="020B0600020202020204" pitchFamily="34" charset="0"/>
+                <a:ea typeface="Lato" panose="020F0502020204030203" pitchFamily="34" charset="0"/>
+                <a:cs typeface="Lato" panose="020F0502020204030203" pitchFamily="34" charset="0"/>
+              </a:rPr>
+              <a:t>dibawa</a:t>
+            </a:r>
+            <a:r>
+              <a:rPr lang="en-US" sz="2000" dirty="0">
+                <a:effectLst/>
+                <a:latin typeface="Louis George Café" panose="020B0600020202020204" pitchFamily="34" charset="0"/>
+                <a:ea typeface="Lato" panose="020F0502020204030203" pitchFamily="34" charset="0"/>
+                <a:cs typeface="Lato" panose="020F0502020204030203" pitchFamily="34" charset="0"/>
               </a:rPr>
               <a:t> </a:t>
             </a:r>
@@ -7179,17 +7260,17 @@
               <a:rPr lang="en-US" sz="2000" dirty="0" err="1">
                 <a:effectLst/>
                 <a:latin typeface="Louis George Café" panose="020B0600020202020204" pitchFamily="34" charset="0"/>
-                <a:ea typeface="Calibri" panose="020F0502020204030204" pitchFamily="34" charset="0"/>
-                <a:cs typeface="Calibri" panose="020F0502020204030204" pitchFamily="34" charset="0"/>
-              </a:rPr>
-              <a:t>banyak</a:t>
-            </a:r>
-            <a:r>
-              <a:rPr lang="en-US" sz="2000" dirty="0">
-                <a:effectLst/>
-                <a:latin typeface="Louis George Café" panose="020B0600020202020204" pitchFamily="34" charset="0"/>
-                <a:ea typeface="Calibri" panose="020F0502020204030204" pitchFamily="34" charset="0"/>
-                <a:cs typeface="Calibri" panose="020F0502020204030204" pitchFamily="34" charset="0"/>
+                <a:ea typeface="Lato" panose="020F0502020204030203" pitchFamily="34" charset="0"/>
+                <a:cs typeface="Lato" panose="020F0502020204030203" pitchFamily="34" charset="0"/>
+              </a:rPr>
+              <a:t>akan</a:t>
+            </a:r>
+            <a:r>
+              <a:rPr lang="en-US" sz="2000" dirty="0">
+                <a:effectLst/>
+                <a:latin typeface="Louis George Café" panose="020B0600020202020204" pitchFamily="34" charset="0"/>
+                <a:ea typeface="Lato" panose="020F0502020204030203" pitchFamily="34" charset="0"/>
+                <a:cs typeface="Lato" panose="020F0502020204030203" pitchFamily="34" charset="0"/>
               </a:rPr>
               <a:t> </a:t>
             </a:r>
@@ -7197,8 +7278,80 @@
               <a:rPr lang="en-US" sz="2000" dirty="0" err="1">
                 <a:effectLst/>
                 <a:latin typeface="Louis George Café" panose="020B0600020202020204" pitchFamily="34" charset="0"/>
-                <a:ea typeface="Calibri" panose="020F0502020204030204" pitchFamily="34" charset="0"/>
-                <a:cs typeface="Calibri" panose="020F0502020204030204" pitchFamily="34" charset="0"/>
+                <a:ea typeface="Lato" panose="020F0502020204030203" pitchFamily="34" charset="0"/>
+                <a:cs typeface="Lato" panose="020F0502020204030203" pitchFamily="34" charset="0"/>
+              </a:rPr>
+              <a:t>bertambah</a:t>
+            </a:r>
+            <a:r>
+              <a:rPr lang="en-US" sz="2000" dirty="0">
+                <a:effectLst/>
+                <a:latin typeface="Louis George Café" panose="020B0600020202020204" pitchFamily="34" charset="0"/>
+                <a:ea typeface="Lato" panose="020F0502020204030203" pitchFamily="34" charset="0"/>
+                <a:cs typeface="Lato" panose="020F0502020204030203" pitchFamily="34" charset="0"/>
+              </a:rPr>
+              <a:t> </a:t>
+            </a:r>
+            <a:r>
+              <a:rPr lang="en-US" sz="2000" dirty="0" err="1">
+                <a:effectLst/>
+                <a:latin typeface="Louis George Café" panose="020B0600020202020204" pitchFamily="34" charset="0"/>
+                <a:ea typeface="Lato" panose="020F0502020204030203" pitchFamily="34" charset="0"/>
+                <a:cs typeface="Lato" panose="020F0502020204030203" pitchFamily="34" charset="0"/>
+              </a:rPr>
+              <a:t>seiring</a:t>
+            </a:r>
+            <a:r>
+              <a:rPr lang="en-US" sz="2000" dirty="0">
+                <a:effectLst/>
+                <a:latin typeface="Louis George Café" panose="020B0600020202020204" pitchFamily="34" charset="0"/>
+                <a:ea typeface="Lato" panose="020F0502020204030203" pitchFamily="34" charset="0"/>
+                <a:cs typeface="Lato" panose="020F0502020204030203" pitchFamily="34" charset="0"/>
+              </a:rPr>
+              <a:t> </a:t>
+            </a:r>
+            <a:r>
+              <a:rPr lang="en-US" sz="2000" dirty="0" err="1">
+                <a:effectLst/>
+                <a:latin typeface="Louis George Café" panose="020B0600020202020204" pitchFamily="34" charset="0"/>
+                <a:ea typeface="Lato" panose="020F0502020204030203" pitchFamily="34" charset="0"/>
+                <a:cs typeface="Lato" panose="020F0502020204030203" pitchFamily="34" charset="0"/>
+              </a:rPr>
+              <a:t>dengan</a:t>
+            </a:r>
+            <a:r>
+              <a:rPr lang="en-US" sz="2000" dirty="0">
+                <a:effectLst/>
+                <a:latin typeface="Louis George Café" panose="020B0600020202020204" pitchFamily="34" charset="0"/>
+                <a:ea typeface="Lato" panose="020F0502020204030203" pitchFamily="34" charset="0"/>
+                <a:cs typeface="Lato" panose="020F0502020204030203" pitchFamily="34" charset="0"/>
+              </a:rPr>
+              <a:t> </a:t>
+            </a:r>
+            <a:r>
+              <a:rPr lang="en-US" sz="2000" dirty="0" err="1">
+                <a:effectLst/>
+                <a:latin typeface="Louis George Café" panose="020B0600020202020204" pitchFamily="34" charset="0"/>
+                <a:ea typeface="Lato" panose="020F0502020204030203" pitchFamily="34" charset="0"/>
+                <a:cs typeface="Lato" panose="020F0502020204030203" pitchFamily="34" charset="0"/>
+              </a:rPr>
+              <a:t>banyaknya</a:t>
+            </a:r>
+            <a:r>
+              <a:rPr lang="en-US" sz="2000" dirty="0">
+                <a:effectLst/>
+                <a:latin typeface="Louis George Café" panose="020B0600020202020204" pitchFamily="34" charset="0"/>
+                <a:ea typeface="Lato" panose="020F0502020204030203" pitchFamily="34" charset="0"/>
+                <a:cs typeface="Lato" panose="020F0502020204030203" pitchFamily="34" charset="0"/>
+              </a:rPr>
+              <a:t> </a:t>
+            </a:r>
+            <a:r>
+              <a:rPr lang="en-US" sz="2000" dirty="0" err="1">
+                <a:effectLst/>
+                <a:latin typeface="Louis George Café" panose="020B0600020202020204" pitchFamily="34" charset="0"/>
+                <a:ea typeface="Lato" panose="020F0502020204030203" pitchFamily="34" charset="0"/>
+                <a:cs typeface="Lato" panose="020F0502020204030203" pitchFamily="34" charset="0"/>
               </a:rPr>
               <a:t>skor</a:t>
             </a:r>
@@ -7206,8 +7359,8 @@
               <a:rPr lang="en-US" sz="2000" dirty="0">
                 <a:effectLst/>
                 <a:latin typeface="Louis George Café" panose="020B0600020202020204" pitchFamily="34" charset="0"/>
-                <a:ea typeface="Calibri" panose="020F0502020204030204" pitchFamily="34" charset="0"/>
-                <a:cs typeface="Calibri" panose="020F0502020204030204" pitchFamily="34" charset="0"/>
+                <a:ea typeface="Lato" panose="020F0502020204030203" pitchFamily="34" charset="0"/>
+                <a:cs typeface="Lato" panose="020F0502020204030203" pitchFamily="34" charset="0"/>
               </a:rPr>
               <a:t> yang </a:t>
             </a:r>
@@ -7215,26 +7368,8 @@
               <a:rPr lang="en-US" sz="2000" dirty="0" err="1">
                 <a:effectLst/>
                 <a:latin typeface="Louis George Café" panose="020B0600020202020204" pitchFamily="34" charset="0"/>
-                <a:ea typeface="Calibri" panose="020F0502020204030204" pitchFamily="34" charset="0"/>
-                <a:cs typeface="Calibri" panose="020F0502020204030204" pitchFamily="34" charset="0"/>
-              </a:rPr>
-              <a:t>telah</a:t>
-            </a:r>
-            <a:r>
-              <a:rPr lang="en-US" sz="2000" dirty="0">
-                <a:effectLst/>
-                <a:latin typeface="Louis George Café" panose="020B0600020202020204" pitchFamily="34" charset="0"/>
-                <a:ea typeface="Calibri" panose="020F0502020204030204" pitchFamily="34" charset="0"/>
-                <a:cs typeface="Calibri" panose="020F0502020204030204" pitchFamily="34" charset="0"/>
-              </a:rPr>
-              <a:t> </a:t>
-            </a:r>
-            <a:r>
-              <a:rPr lang="en-US" sz="2000" dirty="0" err="1">
-                <a:effectLst/>
-                <a:latin typeface="Louis George Café" panose="020B0600020202020204" pitchFamily="34" charset="0"/>
-                <a:ea typeface="Calibri" panose="020F0502020204030204" pitchFamily="34" charset="0"/>
-                <a:cs typeface="Calibri" panose="020F0502020204030204" pitchFamily="34" charset="0"/>
+                <a:ea typeface="Lato" panose="020F0502020204030203" pitchFamily="34" charset="0"/>
+                <a:cs typeface="Lato" panose="020F0502020204030203" pitchFamily="34" charset="0"/>
               </a:rPr>
               <a:t>didapatkan</a:t>
             </a:r>
@@ -7242,70 +7377,16 @@
               <a:rPr lang="en-US" sz="2000" dirty="0">
                 <a:effectLst/>
                 <a:latin typeface="Louis George Café" panose="020B0600020202020204" pitchFamily="34" charset="0"/>
-                <a:ea typeface="Calibri" panose="020F0502020204030204" pitchFamily="34" charset="0"/>
-                <a:cs typeface="Calibri" panose="020F0502020204030204" pitchFamily="34" charset="0"/>
-              </a:rPr>
-              <a:t> </a:t>
-            </a:r>
-            <a:r>
-              <a:rPr lang="en-US" sz="2000" dirty="0" err="1">
-                <a:effectLst/>
-                <a:latin typeface="Louis George Café" panose="020B0600020202020204" pitchFamily="34" charset="0"/>
-                <a:ea typeface="Calibri" panose="020F0502020204030204" pitchFamily="34" charset="0"/>
-                <a:cs typeface="Calibri" panose="020F0502020204030204" pitchFamily="34" charset="0"/>
-              </a:rPr>
-              <a:t>semakin</a:t>
-            </a:r>
-            <a:r>
-              <a:rPr lang="en-US" sz="2000" dirty="0">
-                <a:effectLst/>
-                <a:latin typeface="Louis George Café" panose="020B0600020202020204" pitchFamily="34" charset="0"/>
-                <a:ea typeface="Calibri" panose="020F0502020204030204" pitchFamily="34" charset="0"/>
-                <a:cs typeface="Calibri" panose="020F0502020204030204" pitchFamily="34" charset="0"/>
-              </a:rPr>
-              <a:t> </a:t>
-            </a:r>
-            <a:r>
-              <a:rPr lang="en-US" sz="2000" dirty="0" err="1">
-                <a:effectLst/>
-                <a:latin typeface="Louis George Café" panose="020B0600020202020204" pitchFamily="34" charset="0"/>
-                <a:ea typeface="Calibri" panose="020F0502020204030204" pitchFamily="34" charset="0"/>
-                <a:cs typeface="Calibri" panose="020F0502020204030204" pitchFamily="34" charset="0"/>
-              </a:rPr>
-              <a:t>membesar</a:t>
-            </a:r>
-            <a:r>
-              <a:rPr lang="en-US" sz="2000" dirty="0">
-                <a:effectLst/>
-                <a:latin typeface="Louis George Café" panose="020B0600020202020204" pitchFamily="34" charset="0"/>
-                <a:ea typeface="Calibri" panose="020F0502020204030204" pitchFamily="34" charset="0"/>
-                <a:cs typeface="Calibri" panose="020F0502020204030204" pitchFamily="34" charset="0"/>
-              </a:rPr>
-              <a:t> pula ketupat yang </a:t>
-            </a:r>
-            <a:r>
-              <a:rPr lang="en-US" sz="2000" dirty="0" err="1">
-                <a:effectLst/>
-                <a:latin typeface="Louis George Café" panose="020B0600020202020204" pitchFamily="34" charset="0"/>
-                <a:ea typeface="Calibri" panose="020F0502020204030204" pitchFamily="34" charset="0"/>
-                <a:cs typeface="Calibri" panose="020F0502020204030204" pitchFamily="34" charset="0"/>
-              </a:rPr>
-              <a:t>dibawa</a:t>
-            </a:r>
-            <a:r>
-              <a:rPr lang="en-US" sz="2000" dirty="0">
-                <a:effectLst/>
-                <a:latin typeface="Louis George Café" panose="020B0600020202020204" pitchFamily="34" charset="0"/>
-                <a:ea typeface="Calibri" panose="020F0502020204030204" pitchFamily="34" charset="0"/>
-                <a:cs typeface="Calibri" panose="020F0502020204030204" pitchFamily="34" charset="0"/>
+                <a:ea typeface="Lato" panose="020F0502020204030203" pitchFamily="34" charset="0"/>
+                <a:cs typeface="Lato" panose="020F0502020204030203" pitchFamily="34" charset="0"/>
               </a:rPr>
               <a:t>.</a:t>
             </a:r>
             <a:endParaRPr lang="en-ID" sz="2000" dirty="0">
               <a:effectLst/>
               <a:latin typeface="Louis George Café" panose="020B0600020202020204" pitchFamily="34" charset="0"/>
-              <a:ea typeface="Calibri" panose="020F0502020204030204" pitchFamily="34" charset="0"/>
-              <a:cs typeface="Calibri" panose="020F0502020204030204" pitchFamily="34" charset="0"/>
+              <a:ea typeface="Lato" panose="020F0502020204030203" pitchFamily="34" charset="0"/>
+              <a:cs typeface="Lato" panose="020F0502020204030203" pitchFamily="34" charset="0"/>
             </a:endParaRPr>
           </a:p>
           <a:p>
@@ -7323,17 +7404,17 @@
               <a:rPr lang="en-US" sz="2000" dirty="0" err="1">
                 <a:effectLst/>
                 <a:latin typeface="Louis George Café" panose="020B0600020202020204" pitchFamily="34" charset="0"/>
-                <a:ea typeface="Calibri" panose="020F0502020204030204" pitchFamily="34" charset="0"/>
-                <a:cs typeface="Calibri" panose="020F0502020204030204" pitchFamily="34" charset="0"/>
-              </a:rPr>
-              <a:t>Kecepatan</a:t>
-            </a:r>
-            <a:r>
-              <a:rPr lang="en-US" sz="2000" dirty="0">
-                <a:effectLst/>
-                <a:latin typeface="Louis George Café" panose="020B0600020202020204" pitchFamily="34" charset="0"/>
-                <a:ea typeface="Calibri" panose="020F0502020204030204" pitchFamily="34" charset="0"/>
-                <a:cs typeface="Calibri" panose="020F0502020204030204" pitchFamily="34" charset="0"/>
+                <a:ea typeface="Lato" panose="020F0502020204030203" pitchFamily="34" charset="0"/>
+                <a:cs typeface="Lato" panose="020F0502020204030203" pitchFamily="34" charset="0"/>
+              </a:rPr>
+              <a:t>Semakin</a:t>
+            </a:r>
+            <a:r>
+              <a:rPr lang="en-US" sz="2000" dirty="0">
+                <a:effectLst/>
+                <a:latin typeface="Louis George Café" panose="020B0600020202020204" pitchFamily="34" charset="0"/>
+                <a:ea typeface="Lato" panose="020F0502020204030203" pitchFamily="34" charset="0"/>
+                <a:cs typeface="Lato" panose="020F0502020204030203" pitchFamily="34" charset="0"/>
               </a:rPr>
               <a:t> </a:t>
             </a:r>
@@ -7341,8 +7422,152 @@
               <a:rPr lang="en-US" sz="2000" dirty="0" err="1">
                 <a:effectLst/>
                 <a:latin typeface="Louis George Café" panose="020B0600020202020204" pitchFamily="34" charset="0"/>
-                <a:ea typeface="Calibri" panose="020F0502020204030204" pitchFamily="34" charset="0"/>
-                <a:cs typeface="Calibri" panose="020F0502020204030204" pitchFamily="34" charset="0"/>
+                <a:ea typeface="Lato" panose="020F0502020204030203" pitchFamily="34" charset="0"/>
+                <a:cs typeface="Lato" panose="020F0502020204030203" pitchFamily="34" charset="0"/>
+              </a:rPr>
+              <a:t>besar</a:t>
+            </a:r>
+            <a:r>
+              <a:rPr lang="en-US" sz="2000" dirty="0">
+                <a:effectLst/>
+                <a:latin typeface="Louis George Café" panose="020B0600020202020204" pitchFamily="34" charset="0"/>
+                <a:ea typeface="Lato" panose="020F0502020204030203" pitchFamily="34" charset="0"/>
+                <a:cs typeface="Lato" panose="020F0502020204030203" pitchFamily="34" charset="0"/>
+              </a:rPr>
+              <a:t> ketupat yang </a:t>
+            </a:r>
+            <a:r>
+              <a:rPr lang="en-US" sz="2000" dirty="0" err="1">
+                <a:effectLst/>
+                <a:latin typeface="Louis George Café" panose="020B0600020202020204" pitchFamily="34" charset="0"/>
+                <a:ea typeface="Lato" panose="020F0502020204030203" pitchFamily="34" charset="0"/>
+                <a:cs typeface="Lato" panose="020F0502020204030203" pitchFamily="34" charset="0"/>
+              </a:rPr>
+              <a:t>dibawa</a:t>
+            </a:r>
+            <a:r>
+              <a:rPr lang="en-US" sz="2000" dirty="0">
+                <a:effectLst/>
+                <a:latin typeface="Louis George Café" panose="020B0600020202020204" pitchFamily="34" charset="0"/>
+                <a:ea typeface="Lato" panose="020F0502020204030203" pitchFamily="34" charset="0"/>
+                <a:cs typeface="Lato" panose="020F0502020204030203" pitchFamily="34" charset="0"/>
+              </a:rPr>
+              <a:t> </a:t>
+            </a:r>
+            <a:r>
+              <a:rPr lang="en-US" sz="2000" dirty="0" err="1">
+                <a:effectLst/>
+                <a:latin typeface="Louis George Café" panose="020B0600020202020204" pitchFamily="34" charset="0"/>
+                <a:ea typeface="Lato" panose="020F0502020204030203" pitchFamily="34" charset="0"/>
+                <a:cs typeface="Lato" panose="020F0502020204030203" pitchFamily="34" charset="0"/>
+              </a:rPr>
+              <a:t>semakin</a:t>
+            </a:r>
+            <a:r>
+              <a:rPr lang="en-US" sz="2000" dirty="0">
+                <a:effectLst/>
+                <a:latin typeface="Louis George Café" panose="020B0600020202020204" pitchFamily="34" charset="0"/>
+                <a:ea typeface="Lato" panose="020F0502020204030203" pitchFamily="34" charset="0"/>
+                <a:cs typeface="Lato" panose="020F0502020204030203" pitchFamily="34" charset="0"/>
+              </a:rPr>
+              <a:t> </a:t>
+            </a:r>
+            <a:r>
+              <a:rPr lang="en-US" sz="2000" dirty="0" err="1">
+                <a:effectLst/>
+                <a:latin typeface="Louis George Café" panose="020B0600020202020204" pitchFamily="34" charset="0"/>
+                <a:ea typeface="Lato" panose="020F0502020204030203" pitchFamily="34" charset="0"/>
+                <a:cs typeface="Lato" panose="020F0502020204030203" pitchFamily="34" charset="0"/>
+              </a:rPr>
+              <a:t>berkurang</a:t>
+            </a:r>
+            <a:r>
+              <a:rPr lang="en-US" sz="2000" dirty="0">
+                <a:effectLst/>
+                <a:latin typeface="Louis George Café" panose="020B0600020202020204" pitchFamily="34" charset="0"/>
+                <a:ea typeface="Lato" panose="020F0502020204030203" pitchFamily="34" charset="0"/>
+                <a:cs typeface="Lato" panose="020F0502020204030203" pitchFamily="34" charset="0"/>
+              </a:rPr>
+              <a:t> juga </a:t>
+            </a:r>
+            <a:r>
+              <a:rPr lang="en-US" sz="2000" dirty="0" err="1">
+                <a:effectLst/>
+                <a:latin typeface="Louis George Café" panose="020B0600020202020204" pitchFamily="34" charset="0"/>
+                <a:ea typeface="Lato" panose="020F0502020204030203" pitchFamily="34" charset="0"/>
+                <a:cs typeface="Lato" panose="020F0502020204030203" pitchFamily="34" charset="0"/>
+              </a:rPr>
+              <a:t>kecepatan</a:t>
+            </a:r>
+            <a:r>
+              <a:rPr lang="en-US" sz="2000" dirty="0">
+                <a:effectLst/>
+                <a:latin typeface="Louis George Café" panose="020B0600020202020204" pitchFamily="34" charset="0"/>
+                <a:ea typeface="Lato" panose="020F0502020204030203" pitchFamily="34" charset="0"/>
+                <a:cs typeface="Lato" panose="020F0502020204030203" pitchFamily="34" charset="0"/>
+              </a:rPr>
+              <a:t> dan </a:t>
+            </a:r>
+            <a:r>
+              <a:rPr lang="en-US" sz="2000" dirty="0" err="1">
+                <a:effectLst/>
+                <a:latin typeface="Louis George Café" panose="020B0600020202020204" pitchFamily="34" charset="0"/>
+                <a:ea typeface="Lato" panose="020F0502020204030203" pitchFamily="34" charset="0"/>
+                <a:cs typeface="Lato" panose="020F0502020204030203" pitchFamily="34" charset="0"/>
+              </a:rPr>
+              <a:t>jarak</a:t>
+            </a:r>
+            <a:r>
+              <a:rPr lang="en-US" sz="2000" dirty="0">
+                <a:effectLst/>
+                <a:latin typeface="Louis George Café" panose="020B0600020202020204" pitchFamily="34" charset="0"/>
+                <a:ea typeface="Lato" panose="020F0502020204030203" pitchFamily="34" charset="0"/>
+                <a:cs typeface="Lato" panose="020F0502020204030203" pitchFamily="34" charset="0"/>
+              </a:rPr>
+              <a:t> </a:t>
+            </a:r>
+            <a:r>
+              <a:rPr lang="en-US" sz="2000" dirty="0" err="1">
+                <a:effectLst/>
+                <a:latin typeface="Louis George Café" panose="020B0600020202020204" pitchFamily="34" charset="0"/>
+                <a:ea typeface="Lato" panose="020F0502020204030203" pitchFamily="34" charset="0"/>
+                <a:cs typeface="Lato" panose="020F0502020204030203" pitchFamily="34" charset="0"/>
+              </a:rPr>
+              <a:t>serangan</a:t>
+            </a:r>
+            <a:r>
+              <a:rPr lang="en-US" sz="2000" dirty="0">
+                <a:effectLst/>
+                <a:latin typeface="Louis George Café" panose="020B0600020202020204" pitchFamily="34" charset="0"/>
+                <a:ea typeface="Lato" panose="020F0502020204030203" pitchFamily="34" charset="0"/>
+                <a:cs typeface="Lato" panose="020F0502020204030203" pitchFamily="34" charset="0"/>
+              </a:rPr>
+              <a:t> </a:t>
+            </a:r>
+            <a:r>
+              <a:rPr lang="en-US" sz="2000" dirty="0" err="1">
+                <a:effectLst/>
+                <a:latin typeface="Louis George Café" panose="020B0600020202020204" pitchFamily="34" charset="0"/>
+                <a:ea typeface="Lato" panose="020F0502020204030203" pitchFamily="34" charset="0"/>
+                <a:cs typeface="Lato" panose="020F0502020204030203" pitchFamily="34" charset="0"/>
+              </a:rPr>
+              <a:t>dari</a:t>
+            </a:r>
+            <a:r>
+              <a:rPr lang="en-US" sz="2000" dirty="0">
+                <a:effectLst/>
+                <a:latin typeface="Louis George Café" panose="020B0600020202020204" pitchFamily="34" charset="0"/>
+                <a:ea typeface="Lato" panose="020F0502020204030203" pitchFamily="34" charset="0"/>
+                <a:cs typeface="Lato" panose="020F0502020204030203" pitchFamily="34" charset="0"/>
+              </a:rPr>
+              <a:t> </a:t>
+            </a:r>
+            <a:r>
+              <a:rPr lang="en-US" sz="2000" dirty="0" err="1">
+                <a:effectLst/>
+                <a:latin typeface="Louis George Café" panose="020B0600020202020204" pitchFamily="34" charset="0"/>
+                <a:ea typeface="Lato" panose="020F0502020204030203" pitchFamily="34" charset="0"/>
+                <a:cs typeface="Lato" panose="020F0502020204030203" pitchFamily="34" charset="0"/>
               </a:rPr>
               <a:t>karakter</a:t>
             </a:r>
@@ -7350,93 +7575,23 @@
               <a:rPr lang="en-US" sz="2000" dirty="0">
                 <a:effectLst/>
                 <a:latin typeface="Louis George Café" panose="020B0600020202020204" pitchFamily="34" charset="0"/>
-                <a:ea typeface="Calibri" panose="020F0502020204030204" pitchFamily="34" charset="0"/>
-                <a:cs typeface="Calibri" panose="020F0502020204030204" pitchFamily="34" charset="0"/>
-              </a:rPr>
-              <a:t> </a:t>
-            </a:r>
-            <a:r>
-              <a:rPr lang="en-US" sz="2000" dirty="0" err="1">
-                <a:effectLst/>
-                <a:latin typeface="Louis George Café" panose="020B0600020202020204" pitchFamily="34" charset="0"/>
-                <a:ea typeface="Calibri" panose="020F0502020204030204" pitchFamily="34" charset="0"/>
-                <a:cs typeface="Calibri" panose="020F0502020204030204" pitchFamily="34" charset="0"/>
-              </a:rPr>
-              <a:t>akan</a:t>
-            </a:r>
-            <a:r>
-              <a:rPr lang="en-US" sz="2000" dirty="0">
-                <a:effectLst/>
-                <a:latin typeface="Louis George Café" panose="020B0600020202020204" pitchFamily="34" charset="0"/>
-                <a:ea typeface="Calibri" panose="020F0502020204030204" pitchFamily="34" charset="0"/>
-                <a:cs typeface="Calibri" panose="020F0502020204030204" pitchFamily="34" charset="0"/>
-              </a:rPr>
-              <a:t> </a:t>
-            </a:r>
-            <a:r>
-              <a:rPr lang="en-US" sz="2000" dirty="0" err="1">
-                <a:effectLst/>
-                <a:latin typeface="Louis George Café" panose="020B0600020202020204" pitchFamily="34" charset="0"/>
-                <a:ea typeface="Calibri" panose="020F0502020204030204" pitchFamily="34" charset="0"/>
-                <a:cs typeface="Calibri" panose="020F0502020204030204" pitchFamily="34" charset="0"/>
-              </a:rPr>
-              <a:t>berpengaruh</a:t>
-            </a:r>
-            <a:r>
-              <a:rPr lang="en-US" sz="2000" dirty="0">
-                <a:effectLst/>
-                <a:latin typeface="Louis George Café" panose="020B0600020202020204" pitchFamily="34" charset="0"/>
-                <a:ea typeface="Calibri" panose="020F0502020204030204" pitchFamily="34" charset="0"/>
-                <a:cs typeface="Calibri" panose="020F0502020204030204" pitchFamily="34" charset="0"/>
-              </a:rPr>
-              <a:t> pada </a:t>
-            </a:r>
-            <a:r>
-              <a:rPr lang="en-US" sz="2000" dirty="0" err="1">
-                <a:effectLst/>
-                <a:latin typeface="Louis George Café" panose="020B0600020202020204" pitchFamily="34" charset="0"/>
-                <a:ea typeface="Calibri" panose="020F0502020204030204" pitchFamily="34" charset="0"/>
-                <a:cs typeface="Calibri" panose="020F0502020204030204" pitchFamily="34" charset="0"/>
-              </a:rPr>
-              <a:t>ukuran</a:t>
-            </a:r>
-            <a:r>
-              <a:rPr lang="en-US" sz="2000" dirty="0">
-                <a:effectLst/>
-                <a:latin typeface="Louis George Café" panose="020B0600020202020204" pitchFamily="34" charset="0"/>
-                <a:ea typeface="Calibri" panose="020F0502020204030204" pitchFamily="34" charset="0"/>
-                <a:cs typeface="Calibri" panose="020F0502020204030204" pitchFamily="34" charset="0"/>
-              </a:rPr>
-              <a:t> ketupat yang </a:t>
-            </a:r>
-            <a:r>
-              <a:rPr lang="en-US" sz="2000" dirty="0" err="1">
-                <a:effectLst/>
-                <a:latin typeface="Louis George Café" panose="020B0600020202020204" pitchFamily="34" charset="0"/>
-                <a:ea typeface="Calibri" panose="020F0502020204030204" pitchFamily="34" charset="0"/>
-                <a:cs typeface="Calibri" panose="020F0502020204030204" pitchFamily="34" charset="0"/>
-              </a:rPr>
-              <a:t>dibawa</a:t>
-            </a:r>
-            <a:r>
-              <a:rPr lang="en-US" sz="2000" dirty="0">
-                <a:effectLst/>
-                <a:latin typeface="Louis George Café" panose="020B0600020202020204" pitchFamily="34" charset="0"/>
-                <a:ea typeface="Calibri" panose="020F0502020204030204" pitchFamily="34" charset="0"/>
-                <a:cs typeface="Calibri" panose="020F0502020204030204" pitchFamily="34" charset="0"/>
+                <a:ea typeface="Lato" panose="020F0502020204030203" pitchFamily="34" charset="0"/>
+                <a:cs typeface="Lato" panose="020F0502020204030203" pitchFamily="34" charset="0"/>
               </a:rPr>
               <a:t>.</a:t>
             </a:r>
             <a:endParaRPr lang="en-ID" sz="2000" dirty="0">
               <a:effectLst/>
               <a:latin typeface="Louis George Café" panose="020B0600020202020204" pitchFamily="34" charset="0"/>
-              <a:ea typeface="Calibri" panose="020F0502020204030204" pitchFamily="34" charset="0"/>
-              <a:cs typeface="Calibri" panose="020F0502020204030204" pitchFamily="34" charset="0"/>
+              <a:ea typeface="Lato" panose="020F0502020204030203" pitchFamily="34" charset="0"/>
+              <a:cs typeface="Lato" panose="020F0502020204030203" pitchFamily="34" charset="0"/>
             </a:endParaRPr>
           </a:p>
           <a:p>
             <a:endParaRPr lang="en-ID" sz="2000" dirty="0">
               <a:latin typeface="Louis George Café" panose="020B0600020202020204" pitchFamily="34" charset="0"/>
+              <a:ea typeface="Lato" panose="020F0502020204030203" pitchFamily="34" charset="0"/>
+              <a:cs typeface="Lato" panose="020F0502020204030203" pitchFamily="34" charset="0"/>
             </a:endParaRPr>
           </a:p>
         </p:txBody>
@@ -9437,7 +9592,7 @@
                 <a:ea typeface="Calibri" panose="020F0502020204030204" pitchFamily="34" charset="0"/>
                 <a:cs typeface="Times New Roman" panose="02020603050405020304" pitchFamily="18" charset="0"/>
               </a:rPr>
-              <a:t>Refrensi yang kami ambil berasal dari game Brutal.IO, Hole.IO kami pilih berdasar ui yang minimalis hanya terdapat play dan pada menu utama memasukan nicname yang diinginkan, dan memiliki warna yang cerah.</a:t>
+              <a:t>Refrensi yang kami ambil berasal dari game Brutal.IO, Hole.IO kami pilih berdasar ui yang minimalis, dan memiliki warna yang cerah.</a:t>
             </a:r>
             <a:endParaRPr lang="en-ID" sz="2000" dirty="0">
               <a:solidFill>
@@ -10516,7 +10671,7 @@
         </p:blipFill>
         <p:spPr bwMode="auto">
           <a:xfrm>
-            <a:off x="1319884" y="3540266"/>
+            <a:off x="1319883" y="3542810"/>
             <a:ext cx="4463815" cy="2509864"/>
           </a:xfrm>
           <a:prstGeom prst="rect">
@@ -10555,7 +10710,7 @@
         </p:blipFill>
         <p:spPr bwMode="auto">
           <a:xfrm>
-            <a:off x="6408302" y="3540266"/>
+            <a:off x="6408303" y="3429000"/>
             <a:ext cx="4175760" cy="2737485"/>
           </a:xfrm>
           <a:prstGeom prst="rect">

--- a/File Share/Kelompok 1.pptx
+++ b/File Share/Kelompok 1.pptx
@@ -16,6 +16,7 @@
     <p:sldId id="262" r:id="rId10"/>
     <p:sldId id="270" r:id="rId11"/>
     <p:sldId id="269" r:id="rId12"/>
+    <p:sldId id="273" r:id="rId13"/>
   </p:sldIdLst>
   <p:sldSz cx="12192000" cy="6858000"/>
   <p:notesSz cx="6858000" cy="9144000"/>
@@ -818,7 +819,7 @@
           <a:p>
             <a:fld id="{38CE9ACD-6D9E-4D32-BBFF-59D9BD5A6602}" type="datetimeFigureOut">
               <a:rPr lang="en-ID" smtClean="0"/>
-              <a:t>03/03/2021</a:t>
+              <a:t>11/03/2021</a:t>
             </a:fld>
             <a:endParaRPr lang="en-ID"/>
           </a:p>
@@ -6458,7 +6459,7 @@
         </p:nvSpPr>
         <p:spPr>
           <a:xfrm>
-            <a:off x="1553967" y="1422432"/>
+            <a:off x="1553967" y="1333198"/>
             <a:ext cx="9144000" cy="4791937"/>
           </a:xfrm>
         </p:spPr>
@@ -6474,7 +6475,7 @@
               <a:buAutoNum type="alphaLcPeriod"/>
             </a:pPr>
             <a:r>
-              <a:rPr lang="en-US" sz="2000" dirty="0" err="1">
+              <a:rPr lang="en-US" sz="1500" dirty="0" err="1">
                 <a:effectLst/>
                 <a:latin typeface="Louis George Café" panose="020B0600020202020204" pitchFamily="34" charset="0"/>
                 <a:ea typeface="Lato" panose="020F0502020204030203" pitchFamily="34" charset="0"/>
@@ -6483,7 +6484,7 @@
               <a:t>Pemain</a:t>
             </a:r>
             <a:r>
-              <a:rPr lang="en-US" sz="2000" dirty="0">
+              <a:rPr lang="en-US" sz="1500" dirty="0">
                 <a:effectLst/>
                 <a:latin typeface="Louis George Café" panose="020B0600020202020204" pitchFamily="34" charset="0"/>
                 <a:ea typeface="Lato" panose="020F0502020204030203" pitchFamily="34" charset="0"/>
@@ -6492,7 +6493,7 @@
               <a:t> </a:t>
             </a:r>
             <a:r>
-              <a:rPr lang="en-US" sz="2000" dirty="0" err="1">
+              <a:rPr lang="en-US" sz="1500" dirty="0" err="1">
                 <a:effectLst/>
                 <a:latin typeface="Louis George Café" panose="020B0600020202020204" pitchFamily="34" charset="0"/>
                 <a:ea typeface="Lato" panose="020F0502020204030203" pitchFamily="34" charset="0"/>
@@ -6501,7 +6502,7 @@
               <a:t>akan</a:t>
             </a:r>
             <a:r>
-              <a:rPr lang="en-US" sz="2000" dirty="0">
+              <a:rPr lang="en-US" sz="1500" dirty="0">
                 <a:effectLst/>
                 <a:latin typeface="Louis George Café" panose="020B0600020202020204" pitchFamily="34" charset="0"/>
                 <a:ea typeface="Lato" panose="020F0502020204030203" pitchFamily="34" charset="0"/>
@@ -6510,7 +6511,7 @@
               <a:t> </a:t>
             </a:r>
             <a:r>
-              <a:rPr lang="en-US" sz="2000" dirty="0" err="1">
+              <a:rPr lang="en-US" sz="1500" dirty="0" err="1">
                 <a:effectLst/>
                 <a:latin typeface="Louis George Café" panose="020B0600020202020204" pitchFamily="34" charset="0"/>
                 <a:ea typeface="Lato" panose="020F0502020204030203" pitchFamily="34" charset="0"/>
@@ -6519,7 +6520,7 @@
               <a:t>kalah</a:t>
             </a:r>
             <a:r>
-              <a:rPr lang="en-US" sz="2000" dirty="0">
+              <a:rPr lang="en-US" sz="1500" dirty="0">
                 <a:effectLst/>
                 <a:latin typeface="Louis George Café" panose="020B0600020202020204" pitchFamily="34" charset="0"/>
                 <a:ea typeface="Lato" panose="020F0502020204030203" pitchFamily="34" charset="0"/>
@@ -6528,7 +6529,7 @@
               <a:t> </a:t>
             </a:r>
             <a:r>
-              <a:rPr lang="en-US" sz="2000" dirty="0" err="1">
+              <a:rPr lang="en-US" sz="1500" dirty="0" err="1">
                 <a:effectLst/>
                 <a:latin typeface="Louis George Café" panose="020B0600020202020204" pitchFamily="34" charset="0"/>
                 <a:ea typeface="Lato" panose="020F0502020204030203" pitchFamily="34" charset="0"/>
@@ -6537,7 +6538,7 @@
               <a:t>apabila</a:t>
             </a:r>
             <a:r>
-              <a:rPr lang="en-US" sz="2000" dirty="0">
+              <a:rPr lang="en-US" sz="1500" dirty="0">
                 <a:effectLst/>
                 <a:latin typeface="Louis George Café" panose="020B0600020202020204" pitchFamily="34" charset="0"/>
                 <a:ea typeface="Lato" panose="020F0502020204030203" pitchFamily="34" charset="0"/>
@@ -6546,7 +6547,7 @@
               <a:t> </a:t>
             </a:r>
             <a:r>
-              <a:rPr lang="en-US" sz="2000" dirty="0" err="1">
+              <a:rPr lang="en-US" sz="1500" dirty="0" err="1">
                 <a:effectLst/>
                 <a:latin typeface="Louis George Café" panose="020B0600020202020204" pitchFamily="34" charset="0"/>
                 <a:ea typeface="Lato" panose="020F0502020204030203" pitchFamily="34" charset="0"/>
@@ -6555,7 +6556,7 @@
               <a:t>terkena</a:t>
             </a:r>
             <a:r>
-              <a:rPr lang="en-US" sz="2000" dirty="0">
+              <a:rPr lang="en-US" sz="1500" dirty="0">
                 <a:effectLst/>
                 <a:latin typeface="Louis George Café" panose="020B0600020202020204" pitchFamily="34" charset="0"/>
                 <a:ea typeface="Lato" panose="020F0502020204030203" pitchFamily="34" charset="0"/>
@@ -6564,7 +6565,7 @@
               <a:t> </a:t>
             </a:r>
             <a:r>
-              <a:rPr lang="en-US" sz="2000" dirty="0" err="1">
+              <a:rPr lang="en-US" sz="1500" dirty="0" err="1">
                 <a:effectLst/>
                 <a:latin typeface="Louis George Café" panose="020B0600020202020204" pitchFamily="34" charset="0"/>
                 <a:ea typeface="Lato" panose="020F0502020204030203" pitchFamily="34" charset="0"/>
@@ -6573,7 +6574,7 @@
               <a:t>serangan</a:t>
             </a:r>
             <a:r>
-              <a:rPr lang="en-US" sz="2000" dirty="0">
+              <a:rPr lang="en-US" sz="1500" dirty="0">
                 <a:effectLst/>
                 <a:latin typeface="Louis George Café" panose="020B0600020202020204" pitchFamily="34" charset="0"/>
                 <a:ea typeface="Lato" panose="020F0502020204030203" pitchFamily="34" charset="0"/>
@@ -6582,7 +6583,7 @@
               <a:t> </a:t>
             </a:r>
             <a:r>
-              <a:rPr lang="en-US" sz="2000" dirty="0" err="1">
+              <a:rPr lang="en-US" sz="1500" dirty="0" err="1">
                 <a:effectLst/>
                 <a:latin typeface="Louis George Café" panose="020B0600020202020204" pitchFamily="34" charset="0"/>
                 <a:ea typeface="Lato" panose="020F0502020204030203" pitchFamily="34" charset="0"/>
@@ -6591,7 +6592,7 @@
               <a:t>dari</a:t>
             </a:r>
             <a:r>
-              <a:rPr lang="en-US" sz="2000" dirty="0">
+              <a:rPr lang="en-US" sz="1500" dirty="0">
                 <a:effectLst/>
                 <a:latin typeface="Louis George Café" panose="020B0600020202020204" pitchFamily="34" charset="0"/>
                 <a:ea typeface="Lato" panose="020F0502020204030203" pitchFamily="34" charset="0"/>
@@ -6600,7 +6601,7 @@
               <a:t> </a:t>
             </a:r>
             <a:r>
-              <a:rPr lang="en-US" sz="2000" dirty="0" err="1">
+              <a:rPr lang="en-US" sz="1500" dirty="0" err="1">
                 <a:effectLst/>
                 <a:latin typeface="Louis George Café" panose="020B0600020202020204" pitchFamily="34" charset="0"/>
                 <a:ea typeface="Lato" panose="020F0502020204030203" pitchFamily="34" charset="0"/>
@@ -6609,7 +6610,7 @@
               <a:t>pemain</a:t>
             </a:r>
             <a:r>
-              <a:rPr lang="en-US" sz="2000" dirty="0">
+              <a:rPr lang="en-US" sz="1500" dirty="0">
                 <a:effectLst/>
                 <a:latin typeface="Louis George Café" panose="020B0600020202020204" pitchFamily="34" charset="0"/>
                 <a:ea typeface="Lato" panose="020F0502020204030203" pitchFamily="34" charset="0"/>
@@ -6617,7 +6618,7 @@
               </a:rPr>
               <a:t> lain.</a:t>
             </a:r>
-            <a:endParaRPr lang="en-ID" sz="2000" dirty="0">
+            <a:endParaRPr lang="en-ID" sz="1500" dirty="0">
               <a:effectLst/>
               <a:latin typeface="Louis George Café" panose="020B0600020202020204" pitchFamily="34" charset="0"/>
               <a:ea typeface="Lato" panose="020F0502020204030203" pitchFamily="34" charset="0"/>
@@ -6633,7 +6634,7 @@
               <a:buAutoNum type="alphaLcPeriod"/>
             </a:pPr>
             <a:r>
-              <a:rPr lang="en-US" sz="2000" dirty="0" err="1">
+              <a:rPr lang="en-US" sz="1500" dirty="0" err="1">
                 <a:effectLst/>
                 <a:latin typeface="Louis George Café" panose="020B0600020202020204" pitchFamily="34" charset="0"/>
                 <a:ea typeface="Lato" panose="020F0502020204030203" pitchFamily="34" charset="0"/>
@@ -6642,7 +6643,7 @@
               <a:t>Pemain</a:t>
             </a:r>
             <a:r>
-              <a:rPr lang="en-US" sz="2000" dirty="0">
+              <a:rPr lang="en-US" sz="1500" dirty="0">
                 <a:effectLst/>
                 <a:latin typeface="Louis George Café" panose="020B0600020202020204" pitchFamily="34" charset="0"/>
                 <a:ea typeface="Lato" panose="020F0502020204030203" pitchFamily="34" charset="0"/>
@@ -6651,7 +6652,7 @@
               <a:t> yang </a:t>
             </a:r>
             <a:r>
-              <a:rPr lang="en-US" sz="2000" dirty="0" err="1">
+              <a:rPr lang="en-US" sz="1500" dirty="0" err="1">
                 <a:effectLst/>
                 <a:latin typeface="Louis George Café" panose="020B0600020202020204" pitchFamily="34" charset="0"/>
                 <a:ea typeface="Lato" panose="020F0502020204030203" pitchFamily="34" charset="0"/>
@@ -6660,7 +6661,7 @@
               <a:t>bertahan</a:t>
             </a:r>
             <a:r>
-              <a:rPr lang="en-US" sz="2000" dirty="0">
+              <a:rPr lang="en-US" sz="1500" dirty="0">
                 <a:effectLst/>
                 <a:latin typeface="Louis George Café" panose="020B0600020202020204" pitchFamily="34" charset="0"/>
                 <a:ea typeface="Lato" panose="020F0502020204030203" pitchFamily="34" charset="0"/>
@@ -6669,7 +6670,7 @@
               <a:t> </a:t>
             </a:r>
             <a:r>
-              <a:rPr lang="en-US" sz="2000" dirty="0" err="1">
+              <a:rPr lang="en-US" sz="1500" dirty="0" err="1">
                 <a:effectLst/>
                 <a:latin typeface="Louis George Café" panose="020B0600020202020204" pitchFamily="34" charset="0"/>
                 <a:ea typeface="Lato" panose="020F0502020204030203" pitchFamily="34" charset="0"/>
@@ -6678,7 +6679,7 @@
               <a:t>sampai</a:t>
             </a:r>
             <a:r>
-              <a:rPr lang="en-US" sz="2000" dirty="0">
+              <a:rPr lang="en-US" sz="1500" dirty="0">
                 <a:effectLst/>
                 <a:latin typeface="Louis George Café" panose="020B0600020202020204" pitchFamily="34" charset="0"/>
                 <a:ea typeface="Lato" panose="020F0502020204030203" pitchFamily="34" charset="0"/>
@@ -6687,16 +6688,16 @@
               <a:t> </a:t>
             </a:r>
             <a:r>
-              <a:rPr lang="en-US" sz="2000" dirty="0" err="1">
-                <a:effectLst/>
-                <a:latin typeface="Louis George Café" panose="020B0600020202020204" pitchFamily="34" charset="0"/>
-                <a:ea typeface="Lato" panose="020F0502020204030203" pitchFamily="34" charset="0"/>
-                <a:cs typeface="Lato" panose="020F0502020204030203" pitchFamily="34" charset="0"/>
-              </a:rPr>
-              <a:t>batasan</a:t>
-            </a:r>
-            <a:r>
-              <a:rPr lang="en-US" sz="2000" dirty="0">
+              <a:rPr lang="en-US" sz="1500" dirty="0" err="1">
+                <a:effectLst/>
+                <a:latin typeface="Louis George Café" panose="020B0600020202020204" pitchFamily="34" charset="0"/>
+                <a:ea typeface="Lato" panose="020F0502020204030203" pitchFamily="34" charset="0"/>
+                <a:cs typeface="Lato" panose="020F0502020204030203" pitchFamily="34" charset="0"/>
+              </a:rPr>
+              <a:t>batas</a:t>
+            </a:r>
+            <a:r>
+              <a:rPr lang="en-US" sz="1500" dirty="0">
                 <a:effectLst/>
                 <a:latin typeface="Louis George Café" panose="020B0600020202020204" pitchFamily="34" charset="0"/>
                 <a:ea typeface="Lato" panose="020F0502020204030203" pitchFamily="34" charset="0"/>
@@ -6705,7 +6706,7 @@
               <a:t> </a:t>
             </a:r>
             <a:r>
-              <a:rPr lang="en-US" sz="2000" dirty="0" err="1">
+              <a:rPr lang="en-US" sz="1500" dirty="0" err="1">
                 <a:effectLst/>
                 <a:latin typeface="Louis George Café" panose="020B0600020202020204" pitchFamily="34" charset="0"/>
                 <a:ea typeface="Lato" panose="020F0502020204030203" pitchFamily="34" charset="0"/>
@@ -6714,25 +6715,7 @@
               <a:t>waktu</a:t>
             </a:r>
             <a:r>
-              <a:rPr lang="en-US" sz="2000" dirty="0">
-                <a:effectLst/>
-                <a:latin typeface="Louis George Café" panose="020B0600020202020204" pitchFamily="34" charset="0"/>
-                <a:ea typeface="Lato" panose="020F0502020204030203" pitchFamily="34" charset="0"/>
-                <a:cs typeface="Lato" panose="020F0502020204030203" pitchFamily="34" charset="0"/>
-              </a:rPr>
-              <a:t> yang </a:t>
-            </a:r>
-            <a:r>
-              <a:rPr lang="en-US" sz="2000" dirty="0" err="1">
-                <a:effectLst/>
-                <a:latin typeface="Louis George Café" panose="020B0600020202020204" pitchFamily="34" charset="0"/>
-                <a:ea typeface="Lato" panose="020F0502020204030203" pitchFamily="34" charset="0"/>
-                <a:cs typeface="Lato" panose="020F0502020204030203" pitchFamily="34" charset="0"/>
-              </a:rPr>
-              <a:t>telah</a:t>
-            </a:r>
-            <a:r>
-              <a:rPr lang="en-US" sz="2000" dirty="0">
+              <a:rPr lang="en-US" sz="1500" dirty="0">
                 <a:effectLst/>
                 <a:latin typeface="Louis George Café" panose="020B0600020202020204" pitchFamily="34" charset="0"/>
                 <a:ea typeface="Lato" panose="020F0502020204030203" pitchFamily="34" charset="0"/>
@@ -6741,16 +6724,16 @@
               <a:t> </a:t>
             </a:r>
             <a:r>
-              <a:rPr lang="en-US" sz="2000" dirty="0" err="1">
-                <a:effectLst/>
-                <a:latin typeface="Louis George Café" panose="020B0600020202020204" pitchFamily="34" charset="0"/>
-                <a:ea typeface="Lato" panose="020F0502020204030203" pitchFamily="34" charset="0"/>
-                <a:cs typeface="Lato" panose="020F0502020204030203" pitchFamily="34" charset="0"/>
-              </a:rPr>
-              <a:t>ditentukan</a:t>
-            </a:r>
-            <a:r>
-              <a:rPr lang="en-US" sz="2000" dirty="0">
+              <a:rPr lang="en-US" sz="1500" dirty="0" err="1">
+                <a:effectLst/>
+                <a:latin typeface="Louis George Café" panose="020B0600020202020204" pitchFamily="34" charset="0"/>
+                <a:ea typeface="Lato" panose="020F0502020204030203" pitchFamily="34" charset="0"/>
+                <a:cs typeface="Lato" panose="020F0502020204030203" pitchFamily="34" charset="0"/>
+              </a:rPr>
+              <a:t>permainan</a:t>
+            </a:r>
+            <a:r>
+              <a:rPr lang="en-US" sz="1500" dirty="0">
                 <a:effectLst/>
                 <a:latin typeface="Louis George Café" panose="020B0600020202020204" pitchFamily="34" charset="0"/>
                 <a:ea typeface="Lato" panose="020F0502020204030203" pitchFamily="34" charset="0"/>
@@ -6759,7 +6742,7 @@
               <a:t> </a:t>
             </a:r>
             <a:r>
-              <a:rPr lang="en-US" sz="2000" dirty="0" err="1">
+              <a:rPr lang="en-US" sz="1500" dirty="0" err="1">
                 <a:effectLst/>
                 <a:latin typeface="Louis George Café" panose="020B0600020202020204" pitchFamily="34" charset="0"/>
                 <a:ea typeface="Lato" panose="020F0502020204030203" pitchFamily="34" charset="0"/>
@@ -6768,7 +6751,7 @@
               <a:t>dengan</a:t>
             </a:r>
             <a:r>
-              <a:rPr lang="en-US" sz="2000" dirty="0">
+              <a:rPr lang="en-US" sz="1500" dirty="0">
                 <a:effectLst/>
                 <a:latin typeface="Louis George Café" panose="020B0600020202020204" pitchFamily="34" charset="0"/>
                 <a:ea typeface="Lato" panose="020F0502020204030203" pitchFamily="34" charset="0"/>
@@ -6777,7 +6760,7 @@
               <a:t> </a:t>
             </a:r>
             <a:r>
-              <a:rPr lang="en-US" sz="2000" dirty="0" err="1">
+              <a:rPr lang="en-US" sz="1500" dirty="0" err="1">
                 <a:effectLst/>
                 <a:latin typeface="Louis George Café" panose="020B0600020202020204" pitchFamily="34" charset="0"/>
                 <a:ea typeface="Lato" panose="020F0502020204030203" pitchFamily="34" charset="0"/>
@@ -6786,7 +6769,7 @@
               <a:t>skor</a:t>
             </a:r>
             <a:r>
-              <a:rPr lang="en-US" sz="2000" dirty="0">
+              <a:rPr lang="en-US" sz="1500" dirty="0">
                 <a:effectLst/>
                 <a:latin typeface="Louis George Café" panose="020B0600020202020204" pitchFamily="34" charset="0"/>
                 <a:ea typeface="Lato" panose="020F0502020204030203" pitchFamily="34" charset="0"/>
@@ -6795,7 +6778,7 @@
               <a:t> </a:t>
             </a:r>
             <a:r>
-              <a:rPr lang="en-US" sz="2000" dirty="0" err="1">
+              <a:rPr lang="en-US" sz="1500" dirty="0" err="1">
                 <a:effectLst/>
                 <a:latin typeface="Louis George Café" panose="020B0600020202020204" pitchFamily="34" charset="0"/>
                 <a:ea typeface="Lato" panose="020F0502020204030203" pitchFamily="34" charset="0"/>
@@ -6804,7 +6787,7 @@
               <a:t>tertinggi</a:t>
             </a:r>
             <a:r>
-              <a:rPr lang="en-US" sz="2000" dirty="0">
+              <a:rPr lang="en-US" sz="1500" dirty="0">
                 <a:effectLst/>
                 <a:latin typeface="Louis George Café" panose="020B0600020202020204" pitchFamily="34" charset="0"/>
                 <a:ea typeface="Lato" panose="020F0502020204030203" pitchFamily="34" charset="0"/>
@@ -6813,7 +6796,7 @@
               <a:t> </a:t>
             </a:r>
             <a:r>
-              <a:rPr lang="en-US" sz="2000" dirty="0" err="1">
+              <a:rPr lang="en-US" sz="1500" dirty="0" err="1">
                 <a:effectLst/>
                 <a:latin typeface="Louis George Café" panose="020B0600020202020204" pitchFamily="34" charset="0"/>
                 <a:ea typeface="Lato" panose="020F0502020204030203" pitchFamily="34" charset="0"/>
@@ -6822,7 +6805,7 @@
               <a:t>adalah</a:t>
             </a:r>
             <a:r>
-              <a:rPr lang="en-US" sz="2000" dirty="0">
+              <a:rPr lang="en-US" sz="1500" dirty="0">
                 <a:effectLst/>
                 <a:latin typeface="Louis George Café" panose="020B0600020202020204" pitchFamily="34" charset="0"/>
                 <a:ea typeface="Lato" panose="020F0502020204030203" pitchFamily="34" charset="0"/>
@@ -6831,7 +6814,7 @@
               <a:t> </a:t>
             </a:r>
             <a:r>
-              <a:rPr lang="en-US" sz="2000" dirty="0" err="1">
+              <a:rPr lang="en-US" sz="1500" dirty="0" err="1">
                 <a:effectLst/>
                 <a:latin typeface="Louis George Café" panose="020B0600020202020204" pitchFamily="34" charset="0"/>
                 <a:ea typeface="Lato" panose="020F0502020204030203" pitchFamily="34" charset="0"/>
@@ -6840,7 +6823,7 @@
               <a:t>pemenangnya</a:t>
             </a:r>
             <a:r>
-              <a:rPr lang="en-US" sz="2000" dirty="0">
+              <a:rPr lang="en-US" sz="1500" dirty="0">
                 <a:effectLst/>
                 <a:latin typeface="Louis George Café" panose="020B0600020202020204" pitchFamily="34" charset="0"/>
                 <a:ea typeface="Lato" panose="020F0502020204030203" pitchFamily="34" charset="0"/>
@@ -6848,7 +6831,7 @@
               </a:rPr>
               <a:t>.</a:t>
             </a:r>
-            <a:endParaRPr lang="en-ID" sz="2000" dirty="0">
+            <a:endParaRPr lang="en-ID" sz="1500" dirty="0">
               <a:effectLst/>
               <a:latin typeface="Louis George Café" panose="020B0600020202020204" pitchFamily="34" charset="0"/>
               <a:ea typeface="Lato" panose="020F0502020204030203" pitchFamily="34" charset="0"/>
@@ -6864,7 +6847,7 @@
               <a:buAutoNum type="alphaLcPeriod"/>
             </a:pPr>
             <a:r>
-              <a:rPr lang="en-US" sz="2000" dirty="0" err="1">
+              <a:rPr lang="en-US" sz="1500" dirty="0" err="1">
                 <a:effectLst/>
                 <a:latin typeface="Louis George Café" panose="020B0600020202020204" pitchFamily="34" charset="0"/>
                 <a:ea typeface="Lato" panose="020F0502020204030203" pitchFamily="34" charset="0"/>
@@ -6873,7 +6856,7 @@
               <a:t>Terdapat</a:t>
             </a:r>
             <a:r>
-              <a:rPr lang="en-US" sz="2000" dirty="0">
+              <a:rPr lang="en-US" sz="1500" dirty="0">
                 <a:effectLst/>
                 <a:latin typeface="Louis George Café" panose="020B0600020202020204" pitchFamily="34" charset="0"/>
                 <a:ea typeface="Lato" panose="020F0502020204030203" pitchFamily="34" charset="0"/>
@@ -6882,7 +6865,7 @@
               <a:t> </a:t>
             </a:r>
             <a:r>
-              <a:rPr lang="en-US" sz="2000" dirty="0" err="1">
+              <a:rPr lang="en-US" sz="1500" dirty="0" err="1">
                 <a:effectLst/>
                 <a:latin typeface="Louis George Café" panose="020B0600020202020204" pitchFamily="34" charset="0"/>
                 <a:ea typeface="Lato" panose="020F0502020204030203" pitchFamily="34" charset="0"/>
@@ -6891,7 +6874,7 @@
               <a:t>papan</a:t>
             </a:r>
             <a:r>
-              <a:rPr lang="en-US" sz="2000" dirty="0">
+              <a:rPr lang="en-US" sz="1500" dirty="0">
                 <a:effectLst/>
                 <a:latin typeface="Louis George Café" panose="020B0600020202020204" pitchFamily="34" charset="0"/>
                 <a:ea typeface="Lato" panose="020F0502020204030203" pitchFamily="34" charset="0"/>
@@ -6900,7 +6883,7 @@
               <a:t> </a:t>
             </a:r>
             <a:r>
-              <a:rPr lang="en-US" sz="2000" dirty="0" err="1">
+              <a:rPr lang="en-US" sz="1500" dirty="0" err="1">
                 <a:effectLst/>
                 <a:latin typeface="Louis George Café" panose="020B0600020202020204" pitchFamily="34" charset="0"/>
                 <a:ea typeface="Lato" panose="020F0502020204030203" pitchFamily="34" charset="0"/>
@@ -6909,7 +6892,7 @@
               <a:t>skor</a:t>
             </a:r>
             <a:r>
-              <a:rPr lang="en-US" sz="2000" dirty="0">
+              <a:rPr lang="en-US" sz="1500" dirty="0">
                 <a:effectLst/>
                 <a:latin typeface="Louis George Café" panose="020B0600020202020204" pitchFamily="34" charset="0"/>
                 <a:ea typeface="Lato" panose="020F0502020204030203" pitchFamily="34" charset="0"/>
@@ -6918,7 +6901,7 @@
               <a:t> yang </a:t>
             </a:r>
             <a:r>
-              <a:rPr lang="en-US" sz="2000" dirty="0" err="1">
+              <a:rPr lang="en-US" sz="1500" dirty="0" err="1">
                 <a:effectLst/>
                 <a:latin typeface="Louis George Café" panose="020B0600020202020204" pitchFamily="34" charset="0"/>
                 <a:ea typeface="Lato" panose="020F0502020204030203" pitchFamily="34" charset="0"/>
@@ -6927,7 +6910,7 @@
               <a:t>memperlihatkan</a:t>
             </a:r>
             <a:r>
-              <a:rPr lang="en-US" sz="2000" dirty="0">
+              <a:rPr lang="en-US" sz="1500" dirty="0">
                 <a:effectLst/>
                 <a:latin typeface="Louis George Café" panose="020B0600020202020204" pitchFamily="34" charset="0"/>
                 <a:ea typeface="Lato" panose="020F0502020204030203" pitchFamily="34" charset="0"/>
@@ -6936,7 +6919,7 @@
               <a:t> </a:t>
             </a:r>
             <a:r>
-              <a:rPr lang="en-US" sz="2000" dirty="0" err="1">
+              <a:rPr lang="en-US" sz="1500" dirty="0" err="1">
                 <a:effectLst/>
                 <a:latin typeface="Louis George Café" panose="020B0600020202020204" pitchFamily="34" charset="0"/>
                 <a:ea typeface="Lato" panose="020F0502020204030203" pitchFamily="34" charset="0"/>
@@ -6945,7 +6928,7 @@
               <a:t>seberapa</a:t>
             </a:r>
             <a:r>
-              <a:rPr lang="en-US" sz="2000" dirty="0">
+              <a:rPr lang="en-US" sz="1500" dirty="0">
                 <a:effectLst/>
                 <a:latin typeface="Louis George Café" panose="020B0600020202020204" pitchFamily="34" charset="0"/>
                 <a:ea typeface="Lato" panose="020F0502020204030203" pitchFamily="34" charset="0"/>
@@ -6954,7 +6937,7 @@
               <a:t> </a:t>
             </a:r>
             <a:r>
-              <a:rPr lang="en-US" sz="2000" dirty="0" err="1">
+              <a:rPr lang="en-US" sz="1500" dirty="0" err="1">
                 <a:effectLst/>
                 <a:latin typeface="Louis George Café" panose="020B0600020202020204" pitchFamily="34" charset="0"/>
                 <a:ea typeface="Lato" panose="020F0502020204030203" pitchFamily="34" charset="0"/>
@@ -6963,7 +6946,7 @@
               <a:t>banyak</a:t>
             </a:r>
             <a:r>
-              <a:rPr lang="en-US" sz="2000" dirty="0">
+              <a:rPr lang="en-US" sz="1500" dirty="0">
                 <a:effectLst/>
                 <a:latin typeface="Louis George Café" panose="020B0600020202020204" pitchFamily="34" charset="0"/>
                 <a:ea typeface="Lato" panose="020F0502020204030203" pitchFamily="34" charset="0"/>
@@ -6972,7 +6955,7 @@
               <a:t> </a:t>
             </a:r>
             <a:r>
-              <a:rPr lang="en-US" sz="2000" dirty="0" err="1">
+              <a:rPr lang="en-US" sz="1500" dirty="0" err="1">
                 <a:effectLst/>
                 <a:latin typeface="Louis George Café" panose="020B0600020202020204" pitchFamily="34" charset="0"/>
                 <a:ea typeface="Lato" panose="020F0502020204030203" pitchFamily="34" charset="0"/>
@@ -6981,7 +6964,7 @@
               <a:t>poin</a:t>
             </a:r>
             <a:r>
-              <a:rPr lang="en-US" sz="2000" dirty="0">
+              <a:rPr lang="en-US" sz="1500" dirty="0">
                 <a:effectLst/>
                 <a:latin typeface="Louis George Café" panose="020B0600020202020204" pitchFamily="34" charset="0"/>
                 <a:ea typeface="Lato" panose="020F0502020204030203" pitchFamily="34" charset="0"/>
@@ -6990,7 +6973,7 @@
               <a:t> yang </a:t>
             </a:r>
             <a:r>
-              <a:rPr lang="en-US" sz="2000" dirty="0" err="1">
+              <a:rPr lang="en-US" sz="1500" dirty="0" err="1">
                 <a:effectLst/>
                 <a:latin typeface="Louis George Café" panose="020B0600020202020204" pitchFamily="34" charset="0"/>
                 <a:ea typeface="Lato" panose="020F0502020204030203" pitchFamily="34" charset="0"/>
@@ -6999,7 +6982,7 @@
               <a:t>telah</a:t>
             </a:r>
             <a:r>
-              <a:rPr lang="en-US" sz="2000" dirty="0">
+              <a:rPr lang="en-US" sz="1500" dirty="0">
                 <a:effectLst/>
                 <a:latin typeface="Louis George Café" panose="020B0600020202020204" pitchFamily="34" charset="0"/>
                 <a:ea typeface="Lato" panose="020F0502020204030203" pitchFamily="34" charset="0"/>
@@ -7008,7 +6991,7 @@
               <a:t> </a:t>
             </a:r>
             <a:r>
-              <a:rPr lang="en-US" sz="2000" dirty="0" err="1">
+              <a:rPr lang="en-US" sz="1500" dirty="0" err="1">
                 <a:effectLst/>
                 <a:latin typeface="Louis George Café" panose="020B0600020202020204" pitchFamily="34" charset="0"/>
                 <a:ea typeface="Lato" panose="020F0502020204030203" pitchFamily="34" charset="0"/>
@@ -7017,7 +7000,7 @@
               <a:t>didapatkan</a:t>
             </a:r>
             <a:r>
-              <a:rPr lang="en-US" sz="2000" dirty="0">
+              <a:rPr lang="en-US" sz="1500" dirty="0">
                 <a:effectLst/>
                 <a:latin typeface="Louis George Café" panose="020B0600020202020204" pitchFamily="34" charset="0"/>
                 <a:ea typeface="Lato" panose="020F0502020204030203" pitchFamily="34" charset="0"/>
@@ -7026,7 +7009,7 @@
               <a:t> </a:t>
             </a:r>
             <a:r>
-              <a:rPr lang="en-US" sz="2000" dirty="0" err="1">
+              <a:rPr lang="en-US" sz="1500" dirty="0" err="1">
                 <a:effectLst/>
                 <a:latin typeface="Louis George Café" panose="020B0600020202020204" pitchFamily="34" charset="0"/>
                 <a:ea typeface="Lato" panose="020F0502020204030203" pitchFamily="34" charset="0"/>
@@ -7035,7 +7018,7 @@
               <a:t>pemain</a:t>
             </a:r>
             <a:r>
-              <a:rPr lang="en-US" sz="2000" dirty="0">
+              <a:rPr lang="en-US" sz="1500" dirty="0">
                 <a:effectLst/>
                 <a:latin typeface="Louis George Café" panose="020B0600020202020204" pitchFamily="34" charset="0"/>
                 <a:ea typeface="Lato" panose="020F0502020204030203" pitchFamily="34" charset="0"/>
@@ -7043,7 +7026,7 @@
               </a:rPr>
               <a:t>.</a:t>
             </a:r>
-            <a:endParaRPr lang="en-ID" sz="2000" dirty="0">
+            <a:endParaRPr lang="en-ID" sz="1500" dirty="0">
               <a:effectLst/>
               <a:latin typeface="Louis George Café" panose="020B0600020202020204" pitchFamily="34" charset="0"/>
               <a:ea typeface="Lato" panose="020F0502020204030203" pitchFamily="34" charset="0"/>
@@ -7059,7 +7042,7 @@
               <a:buAutoNum type="alphaLcPeriod"/>
             </a:pPr>
             <a:r>
-              <a:rPr lang="en-US" sz="2000" dirty="0" err="1">
+              <a:rPr lang="en-US" sz="1500" dirty="0" err="1">
                 <a:effectLst/>
                 <a:latin typeface="Louis George Café" panose="020B0600020202020204" pitchFamily="34" charset="0"/>
                 <a:ea typeface="Lato" panose="020F0502020204030203" pitchFamily="34" charset="0"/>
@@ -7068,7 +7051,7 @@
               <a:t>Pemain</a:t>
             </a:r>
             <a:r>
-              <a:rPr lang="en-US" sz="2000" dirty="0">
+              <a:rPr lang="en-US" sz="1500" dirty="0">
                 <a:effectLst/>
                 <a:latin typeface="Louis George Café" panose="020B0600020202020204" pitchFamily="34" charset="0"/>
                 <a:ea typeface="Lato" panose="020F0502020204030203" pitchFamily="34" charset="0"/>
@@ -7077,7 +7060,7 @@
               <a:t> </a:t>
             </a:r>
             <a:r>
-              <a:rPr lang="en-US" sz="2000" dirty="0" err="1">
+              <a:rPr lang="en-US" sz="1500" dirty="0" err="1">
                 <a:effectLst/>
                 <a:latin typeface="Louis George Café" panose="020B0600020202020204" pitchFamily="34" charset="0"/>
                 <a:ea typeface="Lato" panose="020F0502020204030203" pitchFamily="34" charset="0"/>
@@ -7086,7 +7069,7 @@
               <a:t>tidak</a:t>
             </a:r>
             <a:r>
-              <a:rPr lang="en-US" sz="2000" dirty="0">
+              <a:rPr lang="en-US" sz="1500" dirty="0">
                 <a:effectLst/>
                 <a:latin typeface="Louis George Café" panose="020B0600020202020204" pitchFamily="34" charset="0"/>
                 <a:ea typeface="Lato" panose="020F0502020204030203" pitchFamily="34" charset="0"/>
@@ -7095,7 +7078,7 @@
               <a:t> </a:t>
             </a:r>
             <a:r>
-              <a:rPr lang="en-US" sz="2000" dirty="0" err="1">
+              <a:rPr lang="en-US" sz="1500" dirty="0" err="1">
                 <a:effectLst/>
                 <a:latin typeface="Louis George Café" panose="020B0600020202020204" pitchFamily="34" charset="0"/>
                 <a:ea typeface="Lato" panose="020F0502020204030203" pitchFamily="34" charset="0"/>
@@ -7104,7 +7087,7 @@
               <a:t>bisa</a:t>
             </a:r>
             <a:r>
-              <a:rPr lang="en-US" sz="2000" dirty="0">
+              <a:rPr lang="en-US" sz="1500" dirty="0">
                 <a:effectLst/>
                 <a:latin typeface="Louis George Café" panose="020B0600020202020204" pitchFamily="34" charset="0"/>
                 <a:ea typeface="Lato" panose="020F0502020204030203" pitchFamily="34" charset="0"/>
@@ -7113,7 +7096,7 @@
               <a:t> </a:t>
             </a:r>
             <a:r>
-              <a:rPr lang="en-US" sz="2000" dirty="0" err="1">
+              <a:rPr lang="en-US" sz="1500" dirty="0" err="1">
                 <a:effectLst/>
                 <a:latin typeface="Louis George Café" panose="020B0600020202020204" pitchFamily="34" charset="0"/>
                 <a:ea typeface="Lato" panose="020F0502020204030203" pitchFamily="34" charset="0"/>
@@ -7122,7 +7105,7 @@
               <a:t>menyerang</a:t>
             </a:r>
             <a:r>
-              <a:rPr lang="en-US" sz="2000" dirty="0">
+              <a:rPr lang="en-US" sz="1500" dirty="0">
                 <a:effectLst/>
                 <a:latin typeface="Louis George Café" panose="020B0600020202020204" pitchFamily="34" charset="0"/>
                 <a:ea typeface="Lato" panose="020F0502020204030203" pitchFamily="34" charset="0"/>
@@ -7131,7 +7114,7 @@
               <a:t> </a:t>
             </a:r>
             <a:r>
-              <a:rPr lang="en-US" sz="2000" dirty="0" err="1">
+              <a:rPr lang="en-US" sz="1500" dirty="0" err="1">
                 <a:effectLst/>
                 <a:latin typeface="Louis George Café" panose="020B0600020202020204" pitchFamily="34" charset="0"/>
                 <a:ea typeface="Lato" panose="020F0502020204030203" pitchFamily="34" charset="0"/>
@@ -7140,7 +7123,7 @@
               <a:t>secara</a:t>
             </a:r>
             <a:r>
-              <a:rPr lang="en-US" sz="2000" dirty="0">
+              <a:rPr lang="en-US" sz="1500" dirty="0">
                 <a:effectLst/>
                 <a:latin typeface="Louis George Café" panose="020B0600020202020204" pitchFamily="34" charset="0"/>
                 <a:ea typeface="Lato" panose="020F0502020204030203" pitchFamily="34" charset="0"/>
@@ -7149,7 +7132,7 @@
               <a:t> </a:t>
             </a:r>
             <a:r>
-              <a:rPr lang="en-US" sz="2000" dirty="0" err="1">
+              <a:rPr lang="en-US" sz="1500" dirty="0" err="1">
                 <a:effectLst/>
                 <a:latin typeface="Louis George Café" panose="020B0600020202020204" pitchFamily="34" charset="0"/>
                 <a:ea typeface="Lato" panose="020F0502020204030203" pitchFamily="34" charset="0"/>
@@ -7158,7 +7141,7 @@
               <a:t>terus</a:t>
             </a:r>
             <a:r>
-              <a:rPr lang="en-US" sz="2000" dirty="0">
+              <a:rPr lang="en-US" sz="1500" dirty="0">
                 <a:effectLst/>
                 <a:latin typeface="Louis George Café" panose="020B0600020202020204" pitchFamily="34" charset="0"/>
                 <a:ea typeface="Lato" panose="020F0502020204030203" pitchFamily="34" charset="0"/>
@@ -7167,7 +7150,7 @@
               <a:t> </a:t>
             </a:r>
             <a:r>
-              <a:rPr lang="en-US" sz="2000" dirty="0" err="1">
+              <a:rPr lang="en-US" sz="1500" dirty="0" err="1">
                 <a:effectLst/>
                 <a:latin typeface="Louis George Café" panose="020B0600020202020204" pitchFamily="34" charset="0"/>
                 <a:ea typeface="Lato" panose="020F0502020204030203" pitchFamily="34" charset="0"/>
@@ -7176,7 +7159,7 @@
               <a:t>menerus</a:t>
             </a:r>
             <a:r>
-              <a:rPr lang="en-US" sz="2000" dirty="0">
+              <a:rPr lang="en-US" sz="1500" dirty="0">
                 <a:effectLst/>
                 <a:latin typeface="Louis George Café" panose="020B0600020202020204" pitchFamily="34" charset="0"/>
                 <a:ea typeface="Lato" panose="020F0502020204030203" pitchFamily="34" charset="0"/>
@@ -7185,7 +7168,7 @@
               <a:t> ( </a:t>
             </a:r>
             <a:r>
-              <a:rPr lang="en-US" sz="2000" dirty="0" err="1">
+              <a:rPr lang="en-US" sz="1500" dirty="0" err="1">
                 <a:effectLst/>
                 <a:latin typeface="Louis George Café" panose="020B0600020202020204" pitchFamily="34" charset="0"/>
                 <a:ea typeface="Lato" panose="020F0502020204030203" pitchFamily="34" charset="0"/>
@@ -7194,7 +7177,7 @@
               <a:t>terdapat</a:t>
             </a:r>
             <a:r>
-              <a:rPr lang="en-US" sz="2000" dirty="0">
+              <a:rPr lang="en-US" sz="1500" dirty="0">
                 <a:effectLst/>
                 <a:latin typeface="Louis George Café" panose="020B0600020202020204" pitchFamily="34" charset="0"/>
                 <a:ea typeface="Lato" panose="020F0502020204030203" pitchFamily="34" charset="0"/>
@@ -7202,7 +7185,7 @@
               </a:rPr>
               <a:t> cooldown).</a:t>
             </a:r>
-            <a:endParaRPr lang="en-ID" sz="2000" dirty="0">
+            <a:endParaRPr lang="en-ID" sz="1500" dirty="0">
               <a:effectLst/>
               <a:latin typeface="Louis George Café" panose="020B0600020202020204" pitchFamily="34" charset="0"/>
               <a:ea typeface="Lato" panose="020F0502020204030203" pitchFamily="34" charset="0"/>
@@ -7221,7 +7204,7 @@
               <a:buAutoNum type="alphaLcPeriod"/>
             </a:pPr>
             <a:r>
-              <a:rPr lang="en-US" sz="2000" dirty="0" err="1">
+              <a:rPr lang="en-US" sz="1500" dirty="0" err="1">
                 <a:effectLst/>
                 <a:latin typeface="Louis George Café" panose="020B0600020202020204" pitchFamily="34" charset="0"/>
                 <a:ea typeface="Lato" panose="020F0502020204030203" pitchFamily="34" charset="0"/>
@@ -7230,7 +7213,7 @@
               <a:t>Ukuran</a:t>
             </a:r>
             <a:r>
-              <a:rPr lang="en-US" sz="2000" dirty="0">
+              <a:rPr lang="en-US" sz="1500" dirty="0">
                 <a:effectLst/>
                 <a:latin typeface="Louis George Café" panose="020B0600020202020204" pitchFamily="34" charset="0"/>
                 <a:ea typeface="Lato" panose="020F0502020204030203" pitchFamily="34" charset="0"/>
@@ -7239,7 +7222,7 @@
               <a:t> ketupat yang </a:t>
             </a:r>
             <a:r>
-              <a:rPr lang="en-US" sz="2000" dirty="0" err="1">
+              <a:rPr lang="en-US" sz="1500" dirty="0" err="1">
                 <a:effectLst/>
                 <a:latin typeface="Louis George Café" panose="020B0600020202020204" pitchFamily="34" charset="0"/>
                 <a:ea typeface="Lato" panose="020F0502020204030203" pitchFamily="34" charset="0"/>
@@ -7248,7 +7231,7 @@
               <a:t>dibawa</a:t>
             </a:r>
             <a:r>
-              <a:rPr lang="en-US" sz="2000" dirty="0">
+              <a:rPr lang="en-US" sz="1500" dirty="0">
                 <a:effectLst/>
                 <a:latin typeface="Louis George Café" panose="020B0600020202020204" pitchFamily="34" charset="0"/>
                 <a:ea typeface="Lato" panose="020F0502020204030203" pitchFamily="34" charset="0"/>
@@ -7257,7 +7240,7 @@
               <a:t> </a:t>
             </a:r>
             <a:r>
-              <a:rPr lang="en-US" sz="2000" dirty="0" err="1">
+              <a:rPr lang="en-US" sz="1500" dirty="0" err="1">
                 <a:effectLst/>
                 <a:latin typeface="Louis George Café" panose="020B0600020202020204" pitchFamily="34" charset="0"/>
                 <a:ea typeface="Lato" panose="020F0502020204030203" pitchFamily="34" charset="0"/>
@@ -7266,7 +7249,7 @@
               <a:t>akan</a:t>
             </a:r>
             <a:r>
-              <a:rPr lang="en-US" sz="2000" dirty="0">
+              <a:rPr lang="en-US" sz="1500" dirty="0">
                 <a:effectLst/>
                 <a:latin typeface="Louis George Café" panose="020B0600020202020204" pitchFamily="34" charset="0"/>
                 <a:ea typeface="Lato" panose="020F0502020204030203" pitchFamily="34" charset="0"/>
@@ -7275,7 +7258,7 @@
               <a:t> </a:t>
             </a:r>
             <a:r>
-              <a:rPr lang="en-US" sz="2000" dirty="0" err="1">
+              <a:rPr lang="en-US" sz="1500" dirty="0" err="1">
                 <a:effectLst/>
                 <a:latin typeface="Louis George Café" panose="020B0600020202020204" pitchFamily="34" charset="0"/>
                 <a:ea typeface="Lato" panose="020F0502020204030203" pitchFamily="34" charset="0"/>
@@ -7284,7 +7267,7 @@
               <a:t>bertambah</a:t>
             </a:r>
             <a:r>
-              <a:rPr lang="en-US" sz="2000" dirty="0">
+              <a:rPr lang="en-US" sz="1500" dirty="0">
                 <a:effectLst/>
                 <a:latin typeface="Louis George Café" panose="020B0600020202020204" pitchFamily="34" charset="0"/>
                 <a:ea typeface="Lato" panose="020F0502020204030203" pitchFamily="34" charset="0"/>
@@ -7293,7 +7276,7 @@
               <a:t> </a:t>
             </a:r>
             <a:r>
-              <a:rPr lang="en-US" sz="2000" dirty="0" err="1">
+              <a:rPr lang="en-US" sz="1500" dirty="0" err="1">
                 <a:effectLst/>
                 <a:latin typeface="Louis George Café" panose="020B0600020202020204" pitchFamily="34" charset="0"/>
                 <a:ea typeface="Lato" panose="020F0502020204030203" pitchFamily="34" charset="0"/>
@@ -7302,7 +7285,7 @@
               <a:t>seiring</a:t>
             </a:r>
             <a:r>
-              <a:rPr lang="en-US" sz="2000" dirty="0">
+              <a:rPr lang="en-US" sz="1500" dirty="0">
                 <a:effectLst/>
                 <a:latin typeface="Louis George Café" panose="020B0600020202020204" pitchFamily="34" charset="0"/>
                 <a:ea typeface="Lato" panose="020F0502020204030203" pitchFamily="34" charset="0"/>
@@ -7311,7 +7294,7 @@
               <a:t> </a:t>
             </a:r>
             <a:r>
-              <a:rPr lang="en-US" sz="2000" dirty="0" err="1">
+              <a:rPr lang="en-US" sz="1500" dirty="0" err="1">
                 <a:effectLst/>
                 <a:latin typeface="Louis George Café" panose="020B0600020202020204" pitchFamily="34" charset="0"/>
                 <a:ea typeface="Lato" panose="020F0502020204030203" pitchFamily="34" charset="0"/>
@@ -7320,7 +7303,7 @@
               <a:t>dengan</a:t>
             </a:r>
             <a:r>
-              <a:rPr lang="en-US" sz="2000" dirty="0">
+              <a:rPr lang="en-US" sz="1500" dirty="0">
                 <a:effectLst/>
                 <a:latin typeface="Louis George Café" panose="020B0600020202020204" pitchFamily="34" charset="0"/>
                 <a:ea typeface="Lato" panose="020F0502020204030203" pitchFamily="34" charset="0"/>
@@ -7329,7 +7312,7 @@
               <a:t> </a:t>
             </a:r>
             <a:r>
-              <a:rPr lang="en-US" sz="2000" dirty="0" err="1">
+              <a:rPr lang="en-US" sz="1500" dirty="0" err="1">
                 <a:effectLst/>
                 <a:latin typeface="Louis George Café" panose="020B0600020202020204" pitchFamily="34" charset="0"/>
                 <a:ea typeface="Lato" panose="020F0502020204030203" pitchFamily="34" charset="0"/>
@@ -7338,7 +7321,7 @@
               <a:t>banyaknya</a:t>
             </a:r>
             <a:r>
-              <a:rPr lang="en-US" sz="2000" dirty="0">
+              <a:rPr lang="en-US" sz="1500" dirty="0">
                 <a:effectLst/>
                 <a:latin typeface="Louis George Café" panose="020B0600020202020204" pitchFamily="34" charset="0"/>
                 <a:ea typeface="Lato" panose="020F0502020204030203" pitchFamily="34" charset="0"/>
@@ -7347,7 +7330,7 @@
               <a:t> </a:t>
             </a:r>
             <a:r>
-              <a:rPr lang="en-US" sz="2000" dirty="0" err="1">
+              <a:rPr lang="en-US" sz="1500" dirty="0" err="1">
                 <a:effectLst/>
                 <a:latin typeface="Louis George Café" panose="020B0600020202020204" pitchFamily="34" charset="0"/>
                 <a:ea typeface="Lato" panose="020F0502020204030203" pitchFamily="34" charset="0"/>
@@ -7356,7 +7339,7 @@
               <a:t>skor</a:t>
             </a:r>
             <a:r>
-              <a:rPr lang="en-US" sz="2000" dirty="0">
+              <a:rPr lang="en-US" sz="1500" dirty="0">
                 <a:effectLst/>
                 <a:latin typeface="Louis George Café" panose="020B0600020202020204" pitchFamily="34" charset="0"/>
                 <a:ea typeface="Lato" panose="020F0502020204030203" pitchFamily="34" charset="0"/>
@@ -7365,7 +7348,7 @@
               <a:t> yang </a:t>
             </a:r>
             <a:r>
-              <a:rPr lang="en-US" sz="2000" dirty="0" err="1">
+              <a:rPr lang="en-US" sz="1500" dirty="0" err="1">
                 <a:effectLst/>
                 <a:latin typeface="Louis George Café" panose="020B0600020202020204" pitchFamily="34" charset="0"/>
                 <a:ea typeface="Lato" panose="020F0502020204030203" pitchFamily="34" charset="0"/>
@@ -7374,15 +7357,475 @@
               <a:t>didapatkan</a:t>
             </a:r>
             <a:r>
-              <a:rPr lang="en-US" sz="2000" dirty="0">
-                <a:effectLst/>
-                <a:latin typeface="Louis George Café" panose="020B0600020202020204" pitchFamily="34" charset="0"/>
-                <a:ea typeface="Lato" panose="020F0502020204030203" pitchFamily="34" charset="0"/>
-                <a:cs typeface="Lato" panose="020F0502020204030203" pitchFamily="34" charset="0"/>
-              </a:rPr>
-              <a:t>.</a:t>
-            </a:r>
-            <a:endParaRPr lang="en-ID" sz="2000" dirty="0">
+              <a:rPr lang="en-US" sz="1500" dirty="0">
+                <a:latin typeface="Louis George Café" panose="020B0600020202020204" pitchFamily="34" charset="0"/>
+                <a:ea typeface="Lato" panose="020F0502020204030203" pitchFamily="34" charset="0"/>
+                <a:cs typeface="Lato" panose="020F0502020204030203" pitchFamily="34" charset="0"/>
+              </a:rPr>
+              <a:t> dan </a:t>
+            </a:r>
+            <a:r>
+              <a:rPr lang="en-US" sz="1500" dirty="0" err="1">
+                <a:latin typeface="Louis George Café" panose="020B0600020202020204" pitchFamily="34" charset="0"/>
+                <a:ea typeface="Lato" panose="020F0502020204030203" pitchFamily="34" charset="0"/>
+                <a:cs typeface="Lato" panose="020F0502020204030203" pitchFamily="34" charset="0"/>
+              </a:rPr>
+              <a:t>tidak</a:t>
+            </a:r>
+            <a:r>
+              <a:rPr lang="en-US" sz="1500" dirty="0">
+                <a:latin typeface="Louis George Café" panose="020B0600020202020204" pitchFamily="34" charset="0"/>
+                <a:ea typeface="Lato" panose="020F0502020204030203" pitchFamily="34" charset="0"/>
+                <a:cs typeface="Lato" panose="020F0502020204030203" pitchFamily="34" charset="0"/>
+              </a:rPr>
+              <a:t> </a:t>
+            </a:r>
+            <a:r>
+              <a:rPr lang="en-US" sz="1500" dirty="0" err="1">
+                <a:latin typeface="Louis George Café" panose="020B0600020202020204" pitchFamily="34" charset="0"/>
+                <a:ea typeface="Lato" panose="020F0502020204030203" pitchFamily="34" charset="0"/>
+                <a:cs typeface="Lato" panose="020F0502020204030203" pitchFamily="34" charset="0"/>
+              </a:rPr>
+              <a:t>akan</a:t>
+            </a:r>
+            <a:r>
+              <a:rPr lang="en-US" sz="1500" dirty="0">
+                <a:latin typeface="Louis George Café" panose="020B0600020202020204" pitchFamily="34" charset="0"/>
+                <a:ea typeface="Lato" panose="020F0502020204030203" pitchFamily="34" charset="0"/>
+                <a:cs typeface="Lato" panose="020F0502020204030203" pitchFamily="34" charset="0"/>
+              </a:rPr>
+              <a:t> </a:t>
+            </a:r>
+            <a:r>
+              <a:rPr lang="en-US" sz="1500" dirty="0" err="1">
+                <a:latin typeface="Louis George Café" panose="020B0600020202020204" pitchFamily="34" charset="0"/>
+                <a:ea typeface="Lato" panose="020F0502020204030203" pitchFamily="34" charset="0"/>
+                <a:cs typeface="Lato" panose="020F0502020204030203" pitchFamily="34" charset="0"/>
+              </a:rPr>
+              <a:t>berkurang</a:t>
+            </a:r>
+            <a:r>
+              <a:rPr lang="en-US" sz="1500" dirty="0">
+                <a:latin typeface="Louis George Café" panose="020B0600020202020204" pitchFamily="34" charset="0"/>
+                <a:ea typeface="Lato" panose="020F0502020204030203" pitchFamily="34" charset="0"/>
+                <a:cs typeface="Lato" panose="020F0502020204030203" pitchFamily="34" charset="0"/>
+              </a:rPr>
+              <a:t> Ketika </a:t>
+            </a:r>
+            <a:r>
+              <a:rPr lang="en-US" sz="1500" dirty="0" err="1">
+                <a:latin typeface="Louis George Café" panose="020B0600020202020204" pitchFamily="34" charset="0"/>
+                <a:ea typeface="Lato" panose="020F0502020204030203" pitchFamily="34" charset="0"/>
+                <a:cs typeface="Lato" panose="020F0502020204030203" pitchFamily="34" charset="0"/>
+              </a:rPr>
+              <a:t>menyerang</a:t>
+            </a:r>
+            <a:r>
+              <a:rPr lang="en-US" sz="1500" dirty="0">
+                <a:latin typeface="Louis George Café" panose="020B0600020202020204" pitchFamily="34" charset="0"/>
+                <a:ea typeface="Lato" panose="020F0502020204030203" pitchFamily="34" charset="0"/>
+                <a:cs typeface="Lato" panose="020F0502020204030203" pitchFamily="34" charset="0"/>
+              </a:rPr>
+              <a:t> </a:t>
+            </a:r>
+            <a:r>
+              <a:rPr lang="en-US" sz="1500" dirty="0" err="1">
+                <a:latin typeface="Louis George Café" panose="020B0600020202020204" pitchFamily="34" charset="0"/>
+                <a:ea typeface="Lato" panose="020F0502020204030203" pitchFamily="34" charset="0"/>
+                <a:cs typeface="Lato" panose="020F0502020204030203" pitchFamily="34" charset="0"/>
+              </a:rPr>
+              <a:t>pemain</a:t>
+            </a:r>
+            <a:r>
+              <a:rPr lang="en-US" sz="1500" dirty="0">
+                <a:latin typeface="Louis George Café" panose="020B0600020202020204" pitchFamily="34" charset="0"/>
+                <a:ea typeface="Lato" panose="020F0502020204030203" pitchFamily="34" charset="0"/>
+                <a:cs typeface="Lato" panose="020F0502020204030203" pitchFamily="34" charset="0"/>
+              </a:rPr>
+              <a:t> lain.</a:t>
+            </a:r>
+          </a:p>
+          <a:p>
+            <a:pPr marL="742950" lvl="1" indent="-285750">
+              <a:lnSpc>
+                <a:spcPct val="150000"/>
+              </a:lnSpc>
+              <a:spcAft>
+                <a:spcPts val="1000"/>
+              </a:spcAft>
+              <a:buFont typeface="+mj-lt"/>
+              <a:buAutoNum type="alphaLcPeriod"/>
+            </a:pPr>
+            <a:r>
+              <a:rPr lang="en-US" sz="1500" dirty="0">
+                <a:effectLst/>
+                <a:latin typeface="Louis George Café" panose="020B0600020202020204" pitchFamily="34" charset="0"/>
+                <a:ea typeface="Lato" panose="020F0502020204030203" pitchFamily="34" charset="0"/>
+                <a:cs typeface="Lato" panose="020F0502020204030203" pitchFamily="34" charset="0"/>
+              </a:rPr>
+              <a:t>Ketupat </a:t>
+            </a:r>
+            <a:r>
+              <a:rPr lang="en-US" sz="1500" dirty="0" err="1">
+                <a:effectLst/>
+                <a:latin typeface="Louis George Café" panose="020B0600020202020204" pitchFamily="34" charset="0"/>
+                <a:ea typeface="Lato" panose="020F0502020204030203" pitchFamily="34" charset="0"/>
+                <a:cs typeface="Lato" panose="020F0502020204030203" pitchFamily="34" charset="0"/>
+              </a:rPr>
+              <a:t>hanya</a:t>
+            </a:r>
+            <a:r>
+              <a:rPr lang="en-US" sz="1500" dirty="0">
+                <a:effectLst/>
+                <a:latin typeface="Louis George Café" panose="020B0600020202020204" pitchFamily="34" charset="0"/>
+                <a:ea typeface="Lato" panose="020F0502020204030203" pitchFamily="34" charset="0"/>
+                <a:cs typeface="Lato" panose="020F0502020204030203" pitchFamily="34" charset="0"/>
+              </a:rPr>
+              <a:t> </a:t>
+            </a:r>
+            <a:r>
+              <a:rPr lang="en-US" sz="1500" dirty="0" err="1">
+                <a:effectLst/>
+                <a:latin typeface="Louis George Café" panose="020B0600020202020204" pitchFamily="34" charset="0"/>
+                <a:ea typeface="Lato" panose="020F0502020204030203" pitchFamily="34" charset="0"/>
+                <a:cs typeface="Lato" panose="020F0502020204030203" pitchFamily="34" charset="0"/>
+              </a:rPr>
+              <a:t>akan</a:t>
+            </a:r>
+            <a:r>
+              <a:rPr lang="en-US" sz="1500" dirty="0">
+                <a:effectLst/>
+                <a:latin typeface="Louis George Café" panose="020B0600020202020204" pitchFamily="34" charset="0"/>
+                <a:ea typeface="Lato" panose="020F0502020204030203" pitchFamily="34" charset="0"/>
+                <a:cs typeface="Lato" panose="020F0502020204030203" pitchFamily="34" charset="0"/>
+              </a:rPr>
+              <a:t> </a:t>
+            </a:r>
+            <a:r>
+              <a:rPr lang="en-US" sz="1500" dirty="0" err="1">
+                <a:effectLst/>
+                <a:latin typeface="Louis George Café" panose="020B0600020202020204" pitchFamily="34" charset="0"/>
+                <a:ea typeface="Lato" panose="020F0502020204030203" pitchFamily="34" charset="0"/>
+                <a:cs typeface="Lato" panose="020F0502020204030203" pitchFamily="34" charset="0"/>
+              </a:rPr>
+              <a:t>menghilang</a:t>
+            </a:r>
+            <a:r>
+              <a:rPr lang="en-US" sz="1500" dirty="0">
+                <a:effectLst/>
+                <a:latin typeface="Louis George Café" panose="020B0600020202020204" pitchFamily="34" charset="0"/>
+                <a:ea typeface="Lato" panose="020F0502020204030203" pitchFamily="34" charset="0"/>
+                <a:cs typeface="Lato" panose="020F0502020204030203" pitchFamily="34" charset="0"/>
+              </a:rPr>
+              <a:t> </a:t>
+            </a:r>
+            <a:r>
+              <a:rPr lang="en-US" sz="1500" dirty="0" err="1">
+                <a:effectLst/>
+                <a:latin typeface="Louis George Café" panose="020B0600020202020204" pitchFamily="34" charset="0"/>
+                <a:ea typeface="Lato" panose="020F0502020204030203" pitchFamily="34" charset="0"/>
+                <a:cs typeface="Lato" panose="020F0502020204030203" pitchFamily="34" charset="0"/>
+              </a:rPr>
+              <a:t>jika</a:t>
+            </a:r>
+            <a:r>
+              <a:rPr lang="en-US" sz="1500" dirty="0">
+                <a:effectLst/>
+                <a:latin typeface="Louis George Café" panose="020B0600020202020204" pitchFamily="34" charset="0"/>
+                <a:ea typeface="Lato" panose="020F0502020204030203" pitchFamily="34" charset="0"/>
+                <a:cs typeface="Lato" panose="020F0502020204030203" pitchFamily="34" charset="0"/>
+              </a:rPr>
+              <a:t> </a:t>
+            </a:r>
+            <a:r>
+              <a:rPr lang="en-US" sz="1500" dirty="0" err="1">
+                <a:effectLst/>
+                <a:latin typeface="Louis George Café" panose="020B0600020202020204" pitchFamily="34" charset="0"/>
+                <a:ea typeface="Lato" panose="020F0502020204030203" pitchFamily="34" charset="0"/>
+                <a:cs typeface="Lato" panose="020F0502020204030203" pitchFamily="34" charset="0"/>
+              </a:rPr>
+              <a:t>pemain</a:t>
+            </a:r>
+            <a:r>
+              <a:rPr lang="en-US" sz="1500" dirty="0">
+                <a:effectLst/>
+                <a:latin typeface="Louis George Café" panose="020B0600020202020204" pitchFamily="34" charset="0"/>
+                <a:ea typeface="Lato" panose="020F0502020204030203" pitchFamily="34" charset="0"/>
+                <a:cs typeface="Lato" panose="020F0502020204030203" pitchFamily="34" charset="0"/>
+              </a:rPr>
+              <a:t> </a:t>
+            </a:r>
+            <a:r>
+              <a:rPr lang="en-US" sz="1500" dirty="0" err="1">
+                <a:effectLst/>
+                <a:latin typeface="Louis George Café" panose="020B0600020202020204" pitchFamily="34" charset="0"/>
+                <a:ea typeface="Lato" panose="020F0502020204030203" pitchFamily="34" charset="0"/>
+                <a:cs typeface="Lato" panose="020F0502020204030203" pitchFamily="34" charset="0"/>
+              </a:rPr>
+              <a:t>terkena</a:t>
+            </a:r>
+            <a:r>
+              <a:rPr lang="en-US" sz="1500" dirty="0">
+                <a:effectLst/>
+                <a:latin typeface="Louis George Café" panose="020B0600020202020204" pitchFamily="34" charset="0"/>
+                <a:ea typeface="Lato" panose="020F0502020204030203" pitchFamily="34" charset="0"/>
+                <a:cs typeface="Lato" panose="020F0502020204030203" pitchFamily="34" charset="0"/>
+              </a:rPr>
+              <a:t> </a:t>
+            </a:r>
+            <a:r>
+              <a:rPr lang="en-US" sz="1500" dirty="0" err="1">
+                <a:effectLst/>
+                <a:latin typeface="Louis George Café" panose="020B0600020202020204" pitchFamily="34" charset="0"/>
+                <a:ea typeface="Lato" panose="020F0502020204030203" pitchFamily="34" charset="0"/>
+                <a:cs typeface="Lato" panose="020F0502020204030203" pitchFamily="34" charset="0"/>
+              </a:rPr>
+              <a:t>serangan</a:t>
+            </a:r>
+            <a:r>
+              <a:rPr lang="en-US" sz="1500" dirty="0">
+                <a:effectLst/>
+                <a:latin typeface="Louis George Café" panose="020B0600020202020204" pitchFamily="34" charset="0"/>
+                <a:ea typeface="Lato" panose="020F0502020204030203" pitchFamily="34" charset="0"/>
+                <a:cs typeface="Lato" panose="020F0502020204030203" pitchFamily="34" charset="0"/>
+              </a:rPr>
+              <a:t> </a:t>
+            </a:r>
+            <a:r>
+              <a:rPr lang="en-US" sz="1500" dirty="0" err="1">
+                <a:effectLst/>
+                <a:latin typeface="Louis George Café" panose="020B0600020202020204" pitchFamily="34" charset="0"/>
+                <a:ea typeface="Lato" panose="020F0502020204030203" pitchFamily="34" charset="0"/>
+                <a:cs typeface="Lato" panose="020F0502020204030203" pitchFamily="34" charset="0"/>
+              </a:rPr>
+              <a:t>dari</a:t>
+            </a:r>
+            <a:r>
+              <a:rPr lang="en-US" sz="1500" dirty="0">
+                <a:effectLst/>
+                <a:latin typeface="Louis George Café" panose="020B0600020202020204" pitchFamily="34" charset="0"/>
+                <a:ea typeface="Lato" panose="020F0502020204030203" pitchFamily="34" charset="0"/>
+                <a:cs typeface="Lato" panose="020F0502020204030203" pitchFamily="34" charset="0"/>
+              </a:rPr>
+              <a:t> </a:t>
+            </a:r>
+            <a:r>
+              <a:rPr lang="en-US" sz="1500" dirty="0" err="1">
+                <a:effectLst/>
+                <a:latin typeface="Louis George Café" panose="020B0600020202020204" pitchFamily="34" charset="0"/>
+                <a:ea typeface="Lato" panose="020F0502020204030203" pitchFamily="34" charset="0"/>
+                <a:cs typeface="Lato" panose="020F0502020204030203" pitchFamily="34" charset="0"/>
+              </a:rPr>
+              <a:t>pemain</a:t>
+            </a:r>
+            <a:r>
+              <a:rPr lang="en-US" sz="1500" dirty="0">
+                <a:effectLst/>
+                <a:latin typeface="Louis George Café" panose="020B0600020202020204" pitchFamily="34" charset="0"/>
+                <a:ea typeface="Lato" panose="020F0502020204030203" pitchFamily="34" charset="0"/>
+                <a:cs typeface="Lato" panose="020F0502020204030203" pitchFamily="34" charset="0"/>
+              </a:rPr>
+              <a:t> lain </a:t>
+            </a:r>
+            <a:r>
+              <a:rPr lang="en-US" sz="1500" dirty="0">
+                <a:latin typeface="Louis George Café" panose="020B0600020202020204" pitchFamily="34" charset="0"/>
+                <a:ea typeface="Lato" panose="020F0502020204030203" pitchFamily="34" charset="0"/>
+                <a:cs typeface="Lato" panose="020F0502020204030203" pitchFamily="34" charset="0"/>
+              </a:rPr>
+              <a:t>(</a:t>
+            </a:r>
+            <a:r>
+              <a:rPr lang="en-US" sz="1500" dirty="0" err="1">
+                <a:latin typeface="Louis George Café" panose="020B0600020202020204" pitchFamily="34" charset="0"/>
+                <a:ea typeface="Lato" panose="020F0502020204030203" pitchFamily="34" charset="0"/>
+                <a:cs typeface="Lato" panose="020F0502020204030203" pitchFamily="34" charset="0"/>
+              </a:rPr>
+              <a:t>mati</a:t>
+            </a:r>
+            <a:r>
+              <a:rPr lang="en-US" sz="1500" dirty="0">
+                <a:latin typeface="Louis George Café" panose="020B0600020202020204" pitchFamily="34" charset="0"/>
+                <a:ea typeface="Lato" panose="020F0502020204030203" pitchFamily="34" charset="0"/>
+                <a:cs typeface="Lato" panose="020F0502020204030203" pitchFamily="34" charset="0"/>
+              </a:rPr>
+              <a:t>)</a:t>
+            </a:r>
+          </a:p>
+          <a:p>
+            <a:pPr marL="742950" lvl="1" indent="-285750">
+              <a:lnSpc>
+                <a:spcPct val="150000"/>
+              </a:lnSpc>
+              <a:spcAft>
+                <a:spcPts val="1000"/>
+              </a:spcAft>
+              <a:buFont typeface="+mj-lt"/>
+              <a:buAutoNum type="alphaLcPeriod"/>
+            </a:pPr>
+            <a:r>
+              <a:rPr lang="en-US" sz="1500" dirty="0" err="1">
+                <a:effectLst/>
+                <a:latin typeface="Louis George Café" panose="020B0600020202020204" pitchFamily="34" charset="0"/>
+                <a:ea typeface="Lato" panose="020F0502020204030203" pitchFamily="34" charset="0"/>
+                <a:cs typeface="Lato" panose="020F0502020204030203" pitchFamily="34" charset="0"/>
+              </a:rPr>
+              <a:t>Pemain</a:t>
+            </a:r>
+            <a:r>
+              <a:rPr lang="en-US" sz="1500" dirty="0">
+                <a:effectLst/>
+                <a:latin typeface="Louis George Café" panose="020B0600020202020204" pitchFamily="34" charset="0"/>
+                <a:ea typeface="Lato" panose="020F0502020204030203" pitchFamily="34" charset="0"/>
+                <a:cs typeface="Lato" panose="020F0502020204030203" pitchFamily="34" charset="0"/>
+              </a:rPr>
+              <a:t> yang </a:t>
+            </a:r>
+            <a:r>
+              <a:rPr lang="en-US" sz="1500" dirty="0" err="1">
+                <a:latin typeface="Louis George Café" panose="020B0600020202020204" pitchFamily="34" charset="0"/>
+                <a:ea typeface="Lato" panose="020F0502020204030203" pitchFamily="34" charset="0"/>
+                <a:cs typeface="Lato" panose="020F0502020204030203" pitchFamily="34" charset="0"/>
+              </a:rPr>
+              <a:t>mati</a:t>
+            </a:r>
+            <a:r>
+              <a:rPr lang="en-US" sz="1500" dirty="0">
+                <a:latin typeface="Louis George Café" panose="020B0600020202020204" pitchFamily="34" charset="0"/>
+                <a:ea typeface="Lato" panose="020F0502020204030203" pitchFamily="34" charset="0"/>
+                <a:cs typeface="Lato" panose="020F0502020204030203" pitchFamily="34" charset="0"/>
+              </a:rPr>
+              <a:t> </a:t>
+            </a:r>
+            <a:r>
+              <a:rPr lang="en-US" sz="1500" dirty="0" err="1">
+                <a:latin typeface="Louis George Café" panose="020B0600020202020204" pitchFamily="34" charset="0"/>
+                <a:ea typeface="Lato" panose="020F0502020204030203" pitchFamily="34" charset="0"/>
+                <a:cs typeface="Lato" panose="020F0502020204030203" pitchFamily="34" charset="0"/>
+              </a:rPr>
+              <a:t>akan</a:t>
+            </a:r>
+            <a:r>
+              <a:rPr lang="en-US" sz="1500" dirty="0">
+                <a:latin typeface="Louis George Café" panose="020B0600020202020204" pitchFamily="34" charset="0"/>
+                <a:ea typeface="Lato" panose="020F0502020204030203" pitchFamily="34" charset="0"/>
+                <a:cs typeface="Lato" panose="020F0502020204030203" pitchFamily="34" charset="0"/>
+              </a:rPr>
+              <a:t> </a:t>
+            </a:r>
+            <a:r>
+              <a:rPr lang="en-US" sz="1500" dirty="0" err="1">
+                <a:latin typeface="Louis George Café" panose="020B0600020202020204" pitchFamily="34" charset="0"/>
+                <a:ea typeface="Lato" panose="020F0502020204030203" pitchFamily="34" charset="0"/>
+                <a:cs typeface="Lato" panose="020F0502020204030203" pitchFamily="34" charset="0"/>
+              </a:rPr>
+              <a:t>meninggalkan</a:t>
+            </a:r>
+            <a:r>
+              <a:rPr lang="en-US" sz="1500" dirty="0">
+                <a:latin typeface="Louis George Café" panose="020B0600020202020204" pitchFamily="34" charset="0"/>
+                <a:ea typeface="Lato" panose="020F0502020204030203" pitchFamily="34" charset="0"/>
+                <a:cs typeface="Lato" panose="020F0502020204030203" pitchFamily="34" charset="0"/>
+              </a:rPr>
+              <a:t> </a:t>
+            </a:r>
+            <a:r>
+              <a:rPr lang="en-US" sz="1500" dirty="0" err="1">
+                <a:latin typeface="Louis George Café" panose="020B0600020202020204" pitchFamily="34" charset="0"/>
+                <a:ea typeface="Lato" panose="020F0502020204030203" pitchFamily="34" charset="0"/>
+                <a:cs typeface="Lato" panose="020F0502020204030203" pitchFamily="34" charset="0"/>
+              </a:rPr>
+              <a:t>sisa</a:t>
+            </a:r>
+            <a:r>
+              <a:rPr lang="en-US" sz="1500" dirty="0">
+                <a:latin typeface="Louis George Café" panose="020B0600020202020204" pitchFamily="34" charset="0"/>
+                <a:ea typeface="Lato" panose="020F0502020204030203" pitchFamily="34" charset="0"/>
+                <a:cs typeface="Lato" panose="020F0502020204030203" pitchFamily="34" charset="0"/>
+              </a:rPr>
+              <a:t> point yang </a:t>
+            </a:r>
+            <a:r>
+              <a:rPr lang="en-US" sz="1500" dirty="0" err="1">
+                <a:latin typeface="Louis George Café" panose="020B0600020202020204" pitchFamily="34" charset="0"/>
+                <a:ea typeface="Lato" panose="020F0502020204030203" pitchFamily="34" charset="0"/>
+                <a:cs typeface="Lato" panose="020F0502020204030203" pitchFamily="34" charset="0"/>
+              </a:rPr>
+              <a:t>dimiliki</a:t>
+            </a:r>
+            <a:r>
+              <a:rPr lang="en-US" sz="1500" dirty="0">
+                <a:latin typeface="Louis George Café" panose="020B0600020202020204" pitchFamily="34" charset="0"/>
+                <a:ea typeface="Lato" panose="020F0502020204030203" pitchFamily="34" charset="0"/>
+                <a:cs typeface="Lato" panose="020F0502020204030203" pitchFamily="34" charset="0"/>
+              </a:rPr>
+              <a:t> dan </a:t>
+            </a:r>
+            <a:r>
+              <a:rPr lang="en-US" sz="1500" dirty="0" err="1">
+                <a:latin typeface="Louis George Café" panose="020B0600020202020204" pitchFamily="34" charset="0"/>
+                <a:ea typeface="Lato" panose="020F0502020204030203" pitchFamily="34" charset="0"/>
+                <a:cs typeface="Lato" panose="020F0502020204030203" pitchFamily="34" charset="0"/>
+              </a:rPr>
+              <a:t>kemudian</a:t>
+            </a:r>
+            <a:r>
+              <a:rPr lang="en-US" sz="1500" dirty="0">
+                <a:latin typeface="Louis George Café" panose="020B0600020202020204" pitchFamily="34" charset="0"/>
+                <a:ea typeface="Lato" panose="020F0502020204030203" pitchFamily="34" charset="0"/>
+                <a:cs typeface="Lato" panose="020F0502020204030203" pitchFamily="34" charset="0"/>
+              </a:rPr>
+              <a:t> </a:t>
+            </a:r>
+            <a:r>
+              <a:rPr lang="en-US" sz="1500" dirty="0" err="1">
+                <a:latin typeface="Louis George Café" panose="020B0600020202020204" pitchFamily="34" charset="0"/>
+                <a:ea typeface="Lato" panose="020F0502020204030203" pitchFamily="34" charset="0"/>
+                <a:cs typeface="Lato" panose="020F0502020204030203" pitchFamily="34" charset="0"/>
+              </a:rPr>
+              <a:t>bisa</a:t>
+            </a:r>
+            <a:r>
+              <a:rPr lang="en-US" sz="1500" dirty="0">
+                <a:latin typeface="Louis George Café" panose="020B0600020202020204" pitchFamily="34" charset="0"/>
+                <a:ea typeface="Lato" panose="020F0502020204030203" pitchFamily="34" charset="0"/>
+                <a:cs typeface="Lato" panose="020F0502020204030203" pitchFamily="34" charset="0"/>
+              </a:rPr>
+              <a:t> </a:t>
+            </a:r>
+            <a:r>
+              <a:rPr lang="en-US" sz="1500" dirty="0" err="1">
+                <a:latin typeface="Louis George Café" panose="020B0600020202020204" pitchFamily="34" charset="0"/>
+                <a:ea typeface="Lato" panose="020F0502020204030203" pitchFamily="34" charset="0"/>
+                <a:cs typeface="Lato" panose="020F0502020204030203" pitchFamily="34" charset="0"/>
+              </a:rPr>
+              <a:t>diambil</a:t>
+            </a:r>
+            <a:r>
+              <a:rPr lang="en-US" sz="1500" dirty="0">
+                <a:latin typeface="Louis George Café" panose="020B0600020202020204" pitchFamily="34" charset="0"/>
+                <a:ea typeface="Lato" panose="020F0502020204030203" pitchFamily="34" charset="0"/>
+                <a:cs typeface="Lato" panose="020F0502020204030203" pitchFamily="34" charset="0"/>
+              </a:rPr>
+              <a:t> oleh </a:t>
+            </a:r>
+            <a:r>
+              <a:rPr lang="en-US" sz="1500" dirty="0" err="1">
+                <a:latin typeface="Louis George Café" panose="020B0600020202020204" pitchFamily="34" charset="0"/>
+                <a:ea typeface="Lato" panose="020F0502020204030203" pitchFamily="34" charset="0"/>
+                <a:cs typeface="Lato" panose="020F0502020204030203" pitchFamily="34" charset="0"/>
+              </a:rPr>
+              <a:t>pemain</a:t>
+            </a:r>
+            <a:r>
+              <a:rPr lang="en-US" sz="1500" dirty="0">
+                <a:latin typeface="Louis George Café" panose="020B0600020202020204" pitchFamily="34" charset="0"/>
+                <a:ea typeface="Lato" panose="020F0502020204030203" pitchFamily="34" charset="0"/>
+                <a:cs typeface="Lato" panose="020F0502020204030203" pitchFamily="34" charset="0"/>
+              </a:rPr>
+              <a:t> lain.</a:t>
+            </a:r>
+            <a:endParaRPr lang="en-ID" sz="1500" dirty="0">
               <a:effectLst/>
               <a:latin typeface="Louis George Café" panose="020B0600020202020204" pitchFamily="34" charset="0"/>
               <a:ea typeface="Lato" panose="020F0502020204030203" pitchFamily="34" charset="0"/>
@@ -7401,194 +7844,422 @@
               <a:buAutoNum type="alphaLcPeriod"/>
             </a:pPr>
             <a:r>
-              <a:rPr lang="en-US" sz="2000" dirty="0" err="1">
-                <a:effectLst/>
-                <a:latin typeface="Louis George Café" panose="020B0600020202020204" pitchFamily="34" charset="0"/>
-                <a:ea typeface="Lato" panose="020F0502020204030203" pitchFamily="34" charset="0"/>
-                <a:cs typeface="Lato" panose="020F0502020204030203" pitchFamily="34" charset="0"/>
-              </a:rPr>
-              <a:t>Semakin</a:t>
-            </a:r>
-            <a:r>
-              <a:rPr lang="en-US" sz="2000" dirty="0">
-                <a:effectLst/>
-                <a:latin typeface="Louis George Café" panose="020B0600020202020204" pitchFamily="34" charset="0"/>
-                <a:ea typeface="Lato" panose="020F0502020204030203" pitchFamily="34" charset="0"/>
-                <a:cs typeface="Lato" panose="020F0502020204030203" pitchFamily="34" charset="0"/>
+              <a:rPr lang="en-US" sz="1500" dirty="0" err="1">
+                <a:effectLst/>
+                <a:latin typeface="Louis George Café" panose="020B0600020202020204" pitchFamily="34" charset="0"/>
+                <a:ea typeface="Calibri" panose="020F0502020204030204" pitchFamily="34" charset="0"/>
+                <a:cs typeface="Calibri" panose="020F0502020204030204" pitchFamily="34" charset="0"/>
+              </a:rPr>
+              <a:t>Kecepatan</a:t>
+            </a:r>
+            <a:r>
+              <a:rPr lang="en-US" sz="1500" dirty="0">
+                <a:effectLst/>
+                <a:latin typeface="Louis George Café" panose="020B0600020202020204" pitchFamily="34" charset="0"/>
+                <a:ea typeface="Calibri" panose="020F0502020204030204" pitchFamily="34" charset="0"/>
+                <a:cs typeface="Calibri" panose="020F0502020204030204" pitchFamily="34" charset="0"/>
               </a:rPr>
               <a:t> </a:t>
             </a:r>
             <a:r>
-              <a:rPr lang="en-US" sz="2000" dirty="0" err="1">
-                <a:effectLst/>
-                <a:latin typeface="Louis George Café" panose="020B0600020202020204" pitchFamily="34" charset="0"/>
-                <a:ea typeface="Lato" panose="020F0502020204030203" pitchFamily="34" charset="0"/>
-                <a:cs typeface="Lato" panose="020F0502020204030203" pitchFamily="34" charset="0"/>
-              </a:rPr>
-              <a:t>besar</a:t>
-            </a:r>
-            <a:r>
-              <a:rPr lang="en-US" sz="2000" dirty="0">
-                <a:effectLst/>
-                <a:latin typeface="Louis George Café" panose="020B0600020202020204" pitchFamily="34" charset="0"/>
-                <a:ea typeface="Lato" panose="020F0502020204030203" pitchFamily="34" charset="0"/>
-                <a:cs typeface="Lato" panose="020F0502020204030203" pitchFamily="34" charset="0"/>
+              <a:rPr lang="en-US" sz="1500" dirty="0" err="1">
+                <a:effectLst/>
+                <a:latin typeface="Louis George Café" panose="020B0600020202020204" pitchFamily="34" charset="0"/>
+                <a:ea typeface="Calibri" panose="020F0502020204030204" pitchFamily="34" charset="0"/>
+                <a:cs typeface="Calibri" panose="020F0502020204030204" pitchFamily="34" charset="0"/>
+              </a:rPr>
+              <a:t>karakter</a:t>
+            </a:r>
+            <a:r>
+              <a:rPr lang="en-US" sz="1500" dirty="0">
+                <a:effectLst/>
+                <a:latin typeface="Louis George Café" panose="020B0600020202020204" pitchFamily="34" charset="0"/>
+                <a:ea typeface="Calibri" panose="020F0502020204030204" pitchFamily="34" charset="0"/>
+                <a:cs typeface="Calibri" panose="020F0502020204030204" pitchFamily="34" charset="0"/>
+              </a:rPr>
+              <a:t> dan range </a:t>
+            </a:r>
+            <a:r>
+              <a:rPr lang="en-US" sz="1500" dirty="0" err="1">
+                <a:effectLst/>
+                <a:latin typeface="Louis George Café" panose="020B0600020202020204" pitchFamily="34" charset="0"/>
+                <a:ea typeface="Calibri" panose="020F0502020204030204" pitchFamily="34" charset="0"/>
+                <a:cs typeface="Calibri" panose="020F0502020204030204" pitchFamily="34" charset="0"/>
+              </a:rPr>
+              <a:t>serangan</a:t>
+            </a:r>
+            <a:r>
+              <a:rPr lang="en-US" sz="1500" dirty="0">
+                <a:effectLst/>
+                <a:latin typeface="Louis George Café" panose="020B0600020202020204" pitchFamily="34" charset="0"/>
+                <a:ea typeface="Calibri" panose="020F0502020204030204" pitchFamily="34" charset="0"/>
+                <a:cs typeface="Calibri" panose="020F0502020204030204" pitchFamily="34" charset="0"/>
+              </a:rPr>
+              <a:t> </a:t>
+            </a:r>
+            <a:r>
+              <a:rPr lang="en-US" sz="1500" dirty="0" err="1">
+                <a:effectLst/>
+                <a:latin typeface="Louis George Café" panose="020B0600020202020204" pitchFamily="34" charset="0"/>
+                <a:ea typeface="Calibri" panose="020F0502020204030204" pitchFamily="34" charset="0"/>
+                <a:cs typeface="Calibri" panose="020F0502020204030204" pitchFamily="34" charset="0"/>
+              </a:rPr>
+              <a:t>akan</a:t>
+            </a:r>
+            <a:r>
+              <a:rPr lang="en-US" sz="1500" dirty="0">
+                <a:effectLst/>
+                <a:latin typeface="Louis George Café" panose="020B0600020202020204" pitchFamily="34" charset="0"/>
+                <a:ea typeface="Calibri" panose="020F0502020204030204" pitchFamily="34" charset="0"/>
+                <a:cs typeface="Calibri" panose="020F0502020204030204" pitchFamily="34" charset="0"/>
+              </a:rPr>
+              <a:t> </a:t>
+            </a:r>
+            <a:r>
+              <a:rPr lang="en-US" sz="1500" dirty="0" err="1">
+                <a:effectLst/>
+                <a:latin typeface="Louis George Café" panose="020B0600020202020204" pitchFamily="34" charset="0"/>
+                <a:ea typeface="Calibri" panose="020F0502020204030204" pitchFamily="34" charset="0"/>
+                <a:cs typeface="Calibri" panose="020F0502020204030204" pitchFamily="34" charset="0"/>
+              </a:rPr>
+              <a:t>berpengaruh</a:t>
+            </a:r>
+            <a:r>
+              <a:rPr lang="en-US" sz="1500" dirty="0">
+                <a:effectLst/>
+                <a:latin typeface="Louis George Café" panose="020B0600020202020204" pitchFamily="34" charset="0"/>
+                <a:ea typeface="Calibri" panose="020F0502020204030204" pitchFamily="34" charset="0"/>
+                <a:cs typeface="Calibri" panose="020F0502020204030204" pitchFamily="34" charset="0"/>
+              </a:rPr>
+              <a:t> pada </a:t>
+            </a:r>
+            <a:r>
+              <a:rPr lang="en-US" sz="1500" dirty="0" err="1">
+                <a:effectLst/>
+                <a:latin typeface="Louis George Café" panose="020B0600020202020204" pitchFamily="34" charset="0"/>
+                <a:ea typeface="Calibri" panose="020F0502020204030204" pitchFamily="34" charset="0"/>
+                <a:cs typeface="Calibri" panose="020F0502020204030204" pitchFamily="34" charset="0"/>
+              </a:rPr>
+              <a:t>ukuran</a:t>
+            </a:r>
+            <a:r>
+              <a:rPr lang="en-US" sz="1500" dirty="0">
+                <a:effectLst/>
+                <a:latin typeface="Louis George Café" panose="020B0600020202020204" pitchFamily="34" charset="0"/>
+                <a:ea typeface="Calibri" panose="020F0502020204030204" pitchFamily="34" charset="0"/>
+                <a:cs typeface="Calibri" panose="020F0502020204030204" pitchFamily="34" charset="0"/>
               </a:rPr>
               <a:t> ketupat yang </a:t>
             </a:r>
             <a:r>
-              <a:rPr lang="en-US" sz="2000" dirty="0" err="1">
-                <a:effectLst/>
-                <a:latin typeface="Louis George Café" panose="020B0600020202020204" pitchFamily="34" charset="0"/>
-                <a:ea typeface="Lato" panose="020F0502020204030203" pitchFamily="34" charset="0"/>
-                <a:cs typeface="Lato" panose="020F0502020204030203" pitchFamily="34" charset="0"/>
+              <a:rPr lang="en-US" sz="1500" dirty="0" err="1">
+                <a:effectLst/>
+                <a:latin typeface="Louis George Café" panose="020B0600020202020204" pitchFamily="34" charset="0"/>
+                <a:ea typeface="Calibri" panose="020F0502020204030204" pitchFamily="34" charset="0"/>
+                <a:cs typeface="Calibri" panose="020F0502020204030204" pitchFamily="34" charset="0"/>
               </a:rPr>
               <a:t>dibawa</a:t>
             </a:r>
             <a:r>
-              <a:rPr lang="en-US" sz="2000" dirty="0">
-                <a:effectLst/>
-                <a:latin typeface="Louis George Café" panose="020B0600020202020204" pitchFamily="34" charset="0"/>
-                <a:ea typeface="Lato" panose="020F0502020204030203" pitchFamily="34" charset="0"/>
-                <a:cs typeface="Lato" panose="020F0502020204030203" pitchFamily="34" charset="0"/>
+              <a:rPr lang="en-US" sz="1500" dirty="0">
+                <a:effectLst/>
+                <a:latin typeface="Louis George Café" panose="020B0600020202020204" pitchFamily="34" charset="0"/>
+                <a:ea typeface="Calibri" panose="020F0502020204030204" pitchFamily="34" charset="0"/>
+                <a:cs typeface="Calibri" panose="020F0502020204030204" pitchFamily="34" charset="0"/>
+              </a:rPr>
+              <a:t>, </a:t>
+            </a:r>
+            <a:r>
+              <a:rPr lang="en-US" sz="1500" dirty="0" err="1">
+                <a:effectLst/>
+                <a:latin typeface="Louis George Café" panose="020B0600020202020204" pitchFamily="34" charset="0"/>
+                <a:ea typeface="Calibri" panose="020F0502020204030204" pitchFamily="34" charset="0"/>
+                <a:cs typeface="Calibri" panose="020F0502020204030204" pitchFamily="34" charset="0"/>
+              </a:rPr>
+              <a:t>kecepatan</a:t>
+            </a:r>
+            <a:r>
+              <a:rPr lang="en-US" sz="1500" dirty="0">
+                <a:effectLst/>
+                <a:latin typeface="Louis George Café" panose="020B0600020202020204" pitchFamily="34" charset="0"/>
+                <a:ea typeface="Calibri" panose="020F0502020204030204" pitchFamily="34" charset="0"/>
+                <a:cs typeface="Calibri" panose="020F0502020204030204" pitchFamily="34" charset="0"/>
               </a:rPr>
               <a:t> </a:t>
             </a:r>
             <a:r>
-              <a:rPr lang="en-US" sz="2000" dirty="0" err="1">
-                <a:effectLst/>
-                <a:latin typeface="Louis George Café" panose="020B0600020202020204" pitchFamily="34" charset="0"/>
-                <a:ea typeface="Lato" panose="020F0502020204030203" pitchFamily="34" charset="0"/>
-                <a:cs typeface="Lato" panose="020F0502020204030203" pitchFamily="34" charset="0"/>
-              </a:rPr>
-              <a:t>semakin</a:t>
-            </a:r>
-            <a:r>
-              <a:rPr lang="en-US" sz="2000" dirty="0">
-                <a:effectLst/>
-                <a:latin typeface="Louis George Café" panose="020B0600020202020204" pitchFamily="34" charset="0"/>
-                <a:ea typeface="Lato" panose="020F0502020204030203" pitchFamily="34" charset="0"/>
-                <a:cs typeface="Lato" panose="020F0502020204030203" pitchFamily="34" charset="0"/>
+              <a:rPr lang="en-US" sz="1500" dirty="0" err="1">
+                <a:effectLst/>
+                <a:latin typeface="Louis George Café" panose="020B0600020202020204" pitchFamily="34" charset="0"/>
+                <a:ea typeface="Calibri" panose="020F0502020204030204" pitchFamily="34" charset="0"/>
+                <a:cs typeface="Calibri" panose="020F0502020204030204" pitchFamily="34" charset="0"/>
+              </a:rPr>
+              <a:t>karakter</a:t>
+            </a:r>
+            <a:r>
+              <a:rPr lang="en-US" sz="1500" dirty="0">
+                <a:effectLst/>
+                <a:latin typeface="Louis George Café" panose="020B0600020202020204" pitchFamily="34" charset="0"/>
+                <a:ea typeface="Calibri" panose="020F0502020204030204" pitchFamily="34" charset="0"/>
+                <a:cs typeface="Calibri" panose="020F0502020204030204" pitchFamily="34" charset="0"/>
               </a:rPr>
               <a:t> </a:t>
             </a:r>
             <a:r>
-              <a:rPr lang="en-US" sz="2000" dirty="0" err="1">
-                <a:effectLst/>
-                <a:latin typeface="Louis George Café" panose="020B0600020202020204" pitchFamily="34" charset="0"/>
-                <a:ea typeface="Lato" panose="020F0502020204030203" pitchFamily="34" charset="0"/>
-                <a:cs typeface="Lato" panose="020F0502020204030203" pitchFamily="34" charset="0"/>
+              <a:rPr lang="en-US" sz="1500" dirty="0" err="1">
+                <a:effectLst/>
+                <a:latin typeface="Louis George Café" panose="020B0600020202020204" pitchFamily="34" charset="0"/>
+                <a:ea typeface="Calibri" panose="020F0502020204030204" pitchFamily="34" charset="0"/>
+                <a:cs typeface="Calibri" panose="020F0502020204030204" pitchFamily="34" charset="0"/>
+              </a:rPr>
+              <a:t>akan</a:t>
+            </a:r>
+            <a:r>
+              <a:rPr lang="en-US" sz="1500" dirty="0">
+                <a:effectLst/>
+                <a:latin typeface="Louis George Café" panose="020B0600020202020204" pitchFamily="34" charset="0"/>
+                <a:ea typeface="Calibri" panose="020F0502020204030204" pitchFamily="34" charset="0"/>
+                <a:cs typeface="Calibri" panose="020F0502020204030204" pitchFamily="34" charset="0"/>
+              </a:rPr>
+              <a:t> </a:t>
+            </a:r>
+            <a:r>
+              <a:rPr lang="en-US" sz="1500" dirty="0" err="1">
+                <a:effectLst/>
+                <a:latin typeface="Louis George Café" panose="020B0600020202020204" pitchFamily="34" charset="0"/>
+                <a:ea typeface="Calibri" panose="020F0502020204030204" pitchFamily="34" charset="0"/>
+                <a:cs typeface="Calibri" panose="020F0502020204030204" pitchFamily="34" charset="0"/>
               </a:rPr>
               <a:t>berkurang</a:t>
             </a:r>
             <a:r>
-              <a:rPr lang="en-US" sz="2000" dirty="0">
-                <a:effectLst/>
-                <a:latin typeface="Louis George Café" panose="020B0600020202020204" pitchFamily="34" charset="0"/>
-                <a:ea typeface="Lato" panose="020F0502020204030203" pitchFamily="34" charset="0"/>
-                <a:cs typeface="Lato" panose="020F0502020204030203" pitchFamily="34" charset="0"/>
-              </a:rPr>
-              <a:t> juga </a:t>
-            </a:r>
-            <a:r>
-              <a:rPr lang="en-US" sz="2000" dirty="0" err="1">
-                <a:effectLst/>
-                <a:latin typeface="Louis George Café" panose="020B0600020202020204" pitchFamily="34" charset="0"/>
-                <a:ea typeface="Lato" panose="020F0502020204030203" pitchFamily="34" charset="0"/>
-                <a:cs typeface="Lato" panose="020F0502020204030203" pitchFamily="34" charset="0"/>
-              </a:rPr>
-              <a:t>kecepatan</a:t>
-            </a:r>
-            <a:r>
-              <a:rPr lang="en-US" sz="2000" dirty="0">
-                <a:effectLst/>
-                <a:latin typeface="Louis George Café" panose="020B0600020202020204" pitchFamily="34" charset="0"/>
-                <a:ea typeface="Lato" panose="020F0502020204030203" pitchFamily="34" charset="0"/>
-                <a:cs typeface="Lato" panose="020F0502020204030203" pitchFamily="34" charset="0"/>
-              </a:rPr>
-              <a:t> dan </a:t>
-            </a:r>
-            <a:r>
-              <a:rPr lang="en-US" sz="2000" dirty="0" err="1">
-                <a:effectLst/>
-                <a:latin typeface="Louis George Café" panose="020B0600020202020204" pitchFamily="34" charset="0"/>
-                <a:ea typeface="Lato" panose="020F0502020204030203" pitchFamily="34" charset="0"/>
-                <a:cs typeface="Lato" panose="020F0502020204030203" pitchFamily="34" charset="0"/>
-              </a:rPr>
-              <a:t>jarak</a:t>
-            </a:r>
-            <a:r>
-              <a:rPr lang="en-US" sz="2000" dirty="0">
-                <a:effectLst/>
-                <a:latin typeface="Louis George Café" panose="020B0600020202020204" pitchFamily="34" charset="0"/>
-                <a:ea typeface="Lato" panose="020F0502020204030203" pitchFamily="34" charset="0"/>
-                <a:cs typeface="Lato" panose="020F0502020204030203" pitchFamily="34" charset="0"/>
+              <a:rPr lang="en-US" sz="1500" dirty="0">
+                <a:effectLst/>
+                <a:latin typeface="Louis George Café" panose="020B0600020202020204" pitchFamily="34" charset="0"/>
+                <a:ea typeface="Calibri" panose="020F0502020204030204" pitchFamily="34" charset="0"/>
+                <a:cs typeface="Calibri" panose="020F0502020204030204" pitchFamily="34" charset="0"/>
               </a:rPr>
               <a:t> </a:t>
             </a:r>
             <a:r>
-              <a:rPr lang="en-US" sz="2000" dirty="0" err="1">
-                <a:effectLst/>
-                <a:latin typeface="Louis George Café" panose="020B0600020202020204" pitchFamily="34" charset="0"/>
-                <a:ea typeface="Lato" panose="020F0502020204030203" pitchFamily="34" charset="0"/>
-                <a:cs typeface="Lato" panose="020F0502020204030203" pitchFamily="34" charset="0"/>
+              <a:rPr lang="en-US" sz="1500" dirty="0" err="1">
+                <a:effectLst/>
+                <a:latin typeface="Louis George Café" panose="020B0600020202020204" pitchFamily="34" charset="0"/>
+                <a:ea typeface="Calibri" panose="020F0502020204030204" pitchFamily="34" charset="0"/>
+                <a:cs typeface="Calibri" panose="020F0502020204030204" pitchFamily="34" charset="0"/>
+              </a:rPr>
+              <a:t>seiring</a:t>
+            </a:r>
+            <a:r>
+              <a:rPr lang="en-US" sz="1500" dirty="0">
+                <a:effectLst/>
+                <a:latin typeface="Louis George Café" panose="020B0600020202020204" pitchFamily="34" charset="0"/>
+                <a:ea typeface="Calibri" panose="020F0502020204030204" pitchFamily="34" charset="0"/>
+                <a:cs typeface="Calibri" panose="020F0502020204030204" pitchFamily="34" charset="0"/>
+              </a:rPr>
+              <a:t> </a:t>
+            </a:r>
+            <a:r>
+              <a:rPr lang="en-US" sz="1500" dirty="0" err="1">
+                <a:effectLst/>
+                <a:latin typeface="Louis George Café" panose="020B0600020202020204" pitchFamily="34" charset="0"/>
+                <a:ea typeface="Calibri" panose="020F0502020204030204" pitchFamily="34" charset="0"/>
+                <a:cs typeface="Calibri" panose="020F0502020204030204" pitchFamily="34" charset="0"/>
+              </a:rPr>
+              <a:t>dengan</a:t>
+            </a:r>
+            <a:r>
+              <a:rPr lang="en-US" sz="1500" dirty="0">
+                <a:effectLst/>
+                <a:latin typeface="Louis George Café" panose="020B0600020202020204" pitchFamily="34" charset="0"/>
+                <a:ea typeface="Calibri" panose="020F0502020204030204" pitchFamily="34" charset="0"/>
+                <a:cs typeface="Calibri" panose="020F0502020204030204" pitchFamily="34" charset="0"/>
+              </a:rPr>
+              <a:t> </a:t>
+            </a:r>
+            <a:r>
+              <a:rPr lang="en-US" sz="1500" dirty="0" err="1">
+                <a:effectLst/>
+                <a:latin typeface="Louis George Café" panose="020B0600020202020204" pitchFamily="34" charset="0"/>
+                <a:ea typeface="Calibri" panose="020F0502020204030204" pitchFamily="34" charset="0"/>
+                <a:cs typeface="Calibri" panose="020F0502020204030204" pitchFamily="34" charset="0"/>
+              </a:rPr>
+              <a:t>ukuran</a:t>
+            </a:r>
+            <a:r>
+              <a:rPr lang="en-US" sz="1500" dirty="0">
+                <a:effectLst/>
+                <a:latin typeface="Louis George Café" panose="020B0600020202020204" pitchFamily="34" charset="0"/>
+                <a:ea typeface="Calibri" panose="020F0502020204030204" pitchFamily="34" charset="0"/>
+                <a:cs typeface="Calibri" panose="020F0502020204030204" pitchFamily="34" charset="0"/>
+              </a:rPr>
+              <a:t> ketupat yang </a:t>
+            </a:r>
+            <a:r>
+              <a:rPr lang="en-US" sz="1500" dirty="0" err="1">
+                <a:effectLst/>
+                <a:latin typeface="Louis George Café" panose="020B0600020202020204" pitchFamily="34" charset="0"/>
+                <a:ea typeface="Calibri" panose="020F0502020204030204" pitchFamily="34" charset="0"/>
+                <a:cs typeface="Calibri" panose="020F0502020204030204" pitchFamily="34" charset="0"/>
+              </a:rPr>
+              <a:t>membesar</a:t>
+            </a:r>
+            <a:r>
+              <a:rPr lang="en-US" sz="1500" dirty="0">
+                <a:effectLst/>
+                <a:latin typeface="Louis George Café" panose="020B0600020202020204" pitchFamily="34" charset="0"/>
+                <a:ea typeface="Calibri" panose="020F0502020204030204" pitchFamily="34" charset="0"/>
+                <a:cs typeface="Calibri" panose="020F0502020204030204" pitchFamily="34" charset="0"/>
+              </a:rPr>
+              <a:t> dan range </a:t>
+            </a:r>
+            <a:r>
+              <a:rPr lang="en-US" sz="1500" dirty="0" err="1">
+                <a:effectLst/>
+                <a:latin typeface="Louis George Café" panose="020B0600020202020204" pitchFamily="34" charset="0"/>
+                <a:ea typeface="Calibri" panose="020F0502020204030204" pitchFamily="34" charset="0"/>
+                <a:cs typeface="Calibri" panose="020F0502020204030204" pitchFamily="34" charset="0"/>
               </a:rPr>
               <a:t>serangan</a:t>
             </a:r>
             <a:r>
-              <a:rPr lang="en-US" sz="2000" dirty="0">
-                <a:effectLst/>
-                <a:latin typeface="Louis George Café" panose="020B0600020202020204" pitchFamily="34" charset="0"/>
-                <a:ea typeface="Lato" panose="020F0502020204030203" pitchFamily="34" charset="0"/>
-                <a:cs typeface="Lato" panose="020F0502020204030203" pitchFamily="34" charset="0"/>
+              <a:rPr lang="en-US" sz="1500" dirty="0">
+                <a:effectLst/>
+                <a:latin typeface="Louis George Café" panose="020B0600020202020204" pitchFamily="34" charset="0"/>
+                <a:ea typeface="Calibri" panose="020F0502020204030204" pitchFamily="34" charset="0"/>
+                <a:cs typeface="Calibri" panose="020F0502020204030204" pitchFamily="34" charset="0"/>
               </a:rPr>
               <a:t> </a:t>
             </a:r>
             <a:r>
-              <a:rPr lang="en-US" sz="2000" dirty="0" err="1">
-                <a:effectLst/>
-                <a:latin typeface="Louis George Café" panose="020B0600020202020204" pitchFamily="34" charset="0"/>
-                <a:ea typeface="Lato" panose="020F0502020204030203" pitchFamily="34" charset="0"/>
-                <a:cs typeface="Lato" panose="020F0502020204030203" pitchFamily="34" charset="0"/>
-              </a:rPr>
-              <a:t>dari</a:t>
-            </a:r>
-            <a:r>
-              <a:rPr lang="en-US" sz="2000" dirty="0">
-                <a:effectLst/>
-                <a:latin typeface="Louis George Café" panose="020B0600020202020204" pitchFamily="34" charset="0"/>
-                <a:ea typeface="Lato" panose="020F0502020204030203" pitchFamily="34" charset="0"/>
-                <a:cs typeface="Lato" panose="020F0502020204030203" pitchFamily="34" charset="0"/>
+              <a:rPr lang="en-US" sz="1500" dirty="0" err="1">
+                <a:effectLst/>
+                <a:latin typeface="Louis George Café" panose="020B0600020202020204" pitchFamily="34" charset="0"/>
+                <a:ea typeface="Calibri" panose="020F0502020204030204" pitchFamily="34" charset="0"/>
+                <a:cs typeface="Calibri" panose="020F0502020204030204" pitchFamily="34" charset="0"/>
+              </a:rPr>
+              <a:t>akan</a:t>
+            </a:r>
+            <a:r>
+              <a:rPr lang="en-US" sz="1500" dirty="0">
+                <a:effectLst/>
+                <a:latin typeface="Louis George Café" panose="020B0600020202020204" pitchFamily="34" charset="0"/>
+                <a:ea typeface="Calibri" panose="020F0502020204030204" pitchFamily="34" charset="0"/>
+                <a:cs typeface="Calibri" panose="020F0502020204030204" pitchFamily="34" charset="0"/>
               </a:rPr>
               <a:t> </a:t>
             </a:r>
             <a:r>
-              <a:rPr lang="en-US" sz="2000" dirty="0" err="1">
-                <a:effectLst/>
-                <a:latin typeface="Louis George Café" panose="020B0600020202020204" pitchFamily="34" charset="0"/>
-                <a:ea typeface="Lato" panose="020F0502020204030203" pitchFamily="34" charset="0"/>
-                <a:cs typeface="Lato" panose="020F0502020204030203" pitchFamily="34" charset="0"/>
-              </a:rPr>
-              <a:t>karakter</a:t>
-            </a:r>
-            <a:r>
-              <a:rPr lang="en-US" sz="2000" dirty="0">
-                <a:effectLst/>
-                <a:latin typeface="Louis George Café" panose="020B0600020202020204" pitchFamily="34" charset="0"/>
-                <a:ea typeface="Lato" panose="020F0502020204030203" pitchFamily="34" charset="0"/>
-                <a:cs typeface="Lato" panose="020F0502020204030203" pitchFamily="34" charset="0"/>
+              <a:rPr lang="en-US" sz="1500" dirty="0" err="1">
+                <a:effectLst/>
+                <a:latin typeface="Louis George Café" panose="020B0600020202020204" pitchFamily="34" charset="0"/>
+                <a:ea typeface="Calibri" panose="020F0502020204030204" pitchFamily="34" charset="0"/>
+                <a:cs typeface="Calibri" panose="020F0502020204030204" pitchFamily="34" charset="0"/>
+              </a:rPr>
+              <a:t>bertambah</a:t>
+            </a:r>
+            <a:r>
+              <a:rPr lang="en-US" sz="1500" dirty="0">
+                <a:effectLst/>
+                <a:latin typeface="Louis George Café" panose="020B0600020202020204" pitchFamily="34" charset="0"/>
+                <a:ea typeface="Calibri" panose="020F0502020204030204" pitchFamily="34" charset="0"/>
+                <a:cs typeface="Calibri" panose="020F0502020204030204" pitchFamily="34" charset="0"/>
+              </a:rPr>
+              <a:t> </a:t>
+            </a:r>
+            <a:r>
+              <a:rPr lang="en-US" sz="1500" dirty="0" err="1">
+                <a:effectLst/>
+                <a:latin typeface="Louis George Café" panose="020B0600020202020204" pitchFamily="34" charset="0"/>
+                <a:ea typeface="Calibri" panose="020F0502020204030204" pitchFamily="34" charset="0"/>
+                <a:cs typeface="Calibri" panose="020F0502020204030204" pitchFamily="34" charset="0"/>
+              </a:rPr>
+              <a:t>seiring</a:t>
+            </a:r>
+            <a:r>
+              <a:rPr lang="en-US" sz="1500" dirty="0">
+                <a:effectLst/>
+                <a:latin typeface="Louis George Café" panose="020B0600020202020204" pitchFamily="34" charset="0"/>
+                <a:ea typeface="Calibri" panose="020F0502020204030204" pitchFamily="34" charset="0"/>
+                <a:cs typeface="Calibri" panose="020F0502020204030204" pitchFamily="34" charset="0"/>
+              </a:rPr>
+              <a:t> </a:t>
+            </a:r>
+            <a:r>
+              <a:rPr lang="en-US" sz="1500" dirty="0" err="1">
+                <a:effectLst/>
+                <a:latin typeface="Louis George Café" panose="020B0600020202020204" pitchFamily="34" charset="0"/>
+                <a:ea typeface="Calibri" panose="020F0502020204030204" pitchFamily="34" charset="0"/>
+                <a:cs typeface="Calibri" panose="020F0502020204030204" pitchFamily="34" charset="0"/>
+              </a:rPr>
+              <a:t>dengan</a:t>
+            </a:r>
+            <a:r>
+              <a:rPr lang="en-US" sz="1500" dirty="0">
+                <a:effectLst/>
+                <a:latin typeface="Louis George Café" panose="020B0600020202020204" pitchFamily="34" charset="0"/>
+                <a:ea typeface="Calibri" panose="020F0502020204030204" pitchFamily="34" charset="0"/>
+                <a:cs typeface="Calibri" panose="020F0502020204030204" pitchFamily="34" charset="0"/>
+              </a:rPr>
+              <a:t> </a:t>
+            </a:r>
+            <a:r>
+              <a:rPr lang="en-US" sz="1500" dirty="0" err="1">
+                <a:effectLst/>
+                <a:latin typeface="Louis George Café" panose="020B0600020202020204" pitchFamily="34" charset="0"/>
+                <a:ea typeface="Calibri" panose="020F0502020204030204" pitchFamily="34" charset="0"/>
+                <a:cs typeface="Calibri" panose="020F0502020204030204" pitchFamily="34" charset="0"/>
+              </a:rPr>
+              <a:t>ukuran</a:t>
+            </a:r>
+            <a:r>
+              <a:rPr lang="en-US" sz="1500" dirty="0">
+                <a:effectLst/>
+                <a:latin typeface="Louis George Café" panose="020B0600020202020204" pitchFamily="34" charset="0"/>
+                <a:ea typeface="Calibri" panose="020F0502020204030204" pitchFamily="34" charset="0"/>
+                <a:cs typeface="Calibri" panose="020F0502020204030204" pitchFamily="34" charset="0"/>
+              </a:rPr>
+              <a:t> ketupat yang </a:t>
+            </a:r>
+            <a:r>
+              <a:rPr lang="en-US" sz="1500" dirty="0" err="1">
+                <a:effectLst/>
+                <a:latin typeface="Louis George Café" panose="020B0600020202020204" pitchFamily="34" charset="0"/>
+                <a:ea typeface="Calibri" panose="020F0502020204030204" pitchFamily="34" charset="0"/>
+                <a:cs typeface="Calibri" panose="020F0502020204030204" pitchFamily="34" charset="0"/>
+              </a:rPr>
+              <a:t>membesar</a:t>
+            </a:r>
+            <a:r>
+              <a:rPr lang="en-US" sz="1500" dirty="0">
+                <a:effectLst/>
+                <a:latin typeface="Louis George Café" panose="020B0600020202020204" pitchFamily="34" charset="0"/>
+                <a:ea typeface="Calibri" panose="020F0502020204030204" pitchFamily="34" charset="0"/>
+                <a:cs typeface="Calibri" panose="020F0502020204030204" pitchFamily="34" charset="0"/>
               </a:rPr>
               <a:t>.</a:t>
             </a:r>
-            <a:endParaRPr lang="en-ID" sz="2000" dirty="0">
+          </a:p>
+          <a:p>
+            <a:pPr marL="742950" lvl="1" indent="-285750">
+              <a:lnSpc>
+                <a:spcPct val="150000"/>
+              </a:lnSpc>
+              <a:spcAft>
+                <a:spcPts val="1000"/>
+              </a:spcAft>
+              <a:buFont typeface="+mj-lt"/>
+              <a:buAutoNum type="alphaLcPeriod"/>
+            </a:pPr>
+            <a:endParaRPr lang="en-ID" sz="1500" dirty="0">
               <a:effectLst/>
               <a:latin typeface="Louis George Café" panose="020B0600020202020204" pitchFamily="34" charset="0"/>
-              <a:ea typeface="Lato" panose="020F0502020204030203" pitchFamily="34" charset="0"/>
-              <a:cs typeface="Lato" panose="020F0502020204030203" pitchFamily="34" charset="0"/>
+              <a:ea typeface="Calibri" panose="020F0502020204030204" pitchFamily="34" charset="0"/>
+              <a:cs typeface="Calibri" panose="020F0502020204030204" pitchFamily="34" charset="0"/>
             </a:endParaRPr>
           </a:p>
           <a:p>
-            <a:endParaRPr lang="en-ID" sz="2000" dirty="0">
+            <a:endParaRPr lang="en-ID" sz="1500" dirty="0">
               <a:latin typeface="Louis George Café" panose="020B0600020202020204" pitchFamily="34" charset="0"/>
               <a:ea typeface="Lato" panose="020F0502020204030203" pitchFamily="34" charset="0"/>
               <a:cs typeface="Lato" panose="020F0502020204030203" pitchFamily="34" charset="0"/>
@@ -7600,6 +8271,570 @@
     <p:extLst>
       <p:ext uri="{BB962C8B-B14F-4D97-AF65-F5344CB8AC3E}">
         <p14:creationId xmlns:p14="http://schemas.microsoft.com/office/powerpoint/2010/main" val="2772387492"/>
+      </p:ext>
+    </p:extLst>
+  </p:cSld>
+  <p:clrMapOvr>
+    <a:masterClrMapping/>
+  </p:clrMapOvr>
+</p:sld>
+</file>
+
+<file path=ppt/slides/slide12.xml><?xml version="1.0" encoding="utf-8"?>
+<p:sld xmlns:a="http://schemas.openxmlformats.org/drawingml/2006/main" xmlns:r="http://schemas.openxmlformats.org/officeDocument/2006/relationships" xmlns:p="http://schemas.openxmlformats.org/presentationml/2006/main">
+  <p:cSld>
+    <p:spTree>
+      <p:nvGrpSpPr>
+        <p:cNvPr id="1" name=""/>
+        <p:cNvGrpSpPr/>
+        <p:nvPr/>
+      </p:nvGrpSpPr>
+      <p:grpSpPr>
+        <a:xfrm>
+          <a:off x="0" y="0"/>
+          <a:ext cx="0" cy="0"/>
+          <a:chOff x="0" y="0"/>
+          <a:chExt cx="0" cy="0"/>
+        </a:xfrm>
+      </p:grpSpPr>
+      <p:sp>
+        <p:nvSpPr>
+          <p:cNvPr id="2" name="Title 1">
+            <a:extLst>
+              <a:ext uri="{FF2B5EF4-FFF2-40B4-BE49-F238E27FC236}">
+                <a16:creationId xmlns:a16="http://schemas.microsoft.com/office/drawing/2014/main" id="{23EF5378-39B6-4A41-BC22-7136FF83EC88}"/>
+              </a:ext>
+            </a:extLst>
+          </p:cNvPr>
+          <p:cNvSpPr>
+            <a:spLocks noGrp="1"/>
+          </p:cNvSpPr>
+          <p:nvPr>
+            <p:ph type="title"/>
+          </p:nvPr>
+        </p:nvSpPr>
+        <p:spPr/>
+        <p:txBody>
+          <a:bodyPr/>
+          <a:lstStyle/>
+          <a:p>
+            <a:r>
+              <a:rPr lang="en-US" dirty="0"/>
+              <a:t>Table </a:t>
+            </a:r>
+            <a:r>
+              <a:rPr lang="en-US" dirty="0" err="1"/>
+              <a:t>perhitungan</a:t>
+            </a:r>
+            <a:r>
+              <a:rPr lang="en-US" dirty="0"/>
+              <a:t> </a:t>
+            </a:r>
+            <a:r>
+              <a:rPr lang="en-US" dirty="0" err="1"/>
+              <a:t>mekanik</a:t>
+            </a:r>
+            <a:endParaRPr lang="en-ID" dirty="0"/>
+          </a:p>
+        </p:txBody>
+      </p:sp>
+      <p:pic>
+        <p:nvPicPr>
+          <p:cNvPr id="10" name="Picture 9">
+            <a:extLst>
+              <a:ext uri="{FF2B5EF4-FFF2-40B4-BE49-F238E27FC236}">
+                <a16:creationId xmlns:a16="http://schemas.microsoft.com/office/drawing/2014/main" id="{BA551B97-5D10-41DF-84AB-32480BD094C6}"/>
+              </a:ext>
+            </a:extLst>
+          </p:cNvPr>
+          <p:cNvPicPr>
+            <a:picLocks noChangeAspect="1"/>
+          </p:cNvPicPr>
+          <p:nvPr/>
+        </p:nvPicPr>
+        <p:blipFill>
+          <a:blip r:embed="rId2"/>
+          <a:stretch>
+            <a:fillRect/>
+          </a:stretch>
+        </p:blipFill>
+        <p:spPr>
+          <a:xfrm>
+            <a:off x="1012055" y="2688870"/>
+            <a:ext cx="10591060" cy="1200011"/>
+          </a:xfrm>
+          <a:prstGeom prst="rect">
+            <a:avLst/>
+          </a:prstGeom>
+        </p:spPr>
+      </p:pic>
+      <p:graphicFrame>
+        <p:nvGraphicFramePr>
+          <p:cNvPr id="11" name="Table 10">
+            <a:extLst>
+              <a:ext uri="{FF2B5EF4-FFF2-40B4-BE49-F238E27FC236}">
+                <a16:creationId xmlns:a16="http://schemas.microsoft.com/office/drawing/2014/main" id="{1CCDD42F-1E01-47CA-9E49-BDCFF0A11F0C}"/>
+              </a:ext>
+            </a:extLst>
+          </p:cNvPr>
+          <p:cNvGraphicFramePr>
+            <a:graphicFrameLocks noGrp="1"/>
+          </p:cNvGraphicFramePr>
+          <p:nvPr>
+            <p:extLst>
+              <p:ext uri="{D42A27DB-BD31-4B8C-83A1-F6EECF244321}">
+                <p14:modId xmlns:p14="http://schemas.microsoft.com/office/powerpoint/2010/main" val="2543744532"/>
+              </p:ext>
+            </p:extLst>
+          </p:nvPr>
+        </p:nvGraphicFramePr>
+        <p:xfrm>
+          <a:off x="5107804" y="4419184"/>
+          <a:ext cx="2171700" cy="1821180"/>
+        </p:xfrm>
+        <a:graphic>
+          <a:graphicData uri="http://schemas.openxmlformats.org/drawingml/2006/table">
+            <a:tbl>
+              <a:tblPr>
+                <a:tableStyleId>{5C22544A-7EE6-4342-B048-85BDC9FD1C3A}</a:tableStyleId>
+              </a:tblPr>
+              <a:tblGrid>
+                <a:gridCol w="1004531">
+                  <a:extLst>
+                    <a:ext uri="{9D8B030D-6E8A-4147-A177-3AD203B41FA5}">
+                      <a16:colId xmlns:a16="http://schemas.microsoft.com/office/drawing/2014/main" val="3749765401"/>
+                    </a:ext>
+                  </a:extLst>
+                </a:gridCol>
+                <a:gridCol w="1167169">
+                  <a:extLst>
+                    <a:ext uri="{9D8B030D-6E8A-4147-A177-3AD203B41FA5}">
+                      <a16:colId xmlns:a16="http://schemas.microsoft.com/office/drawing/2014/main" val="3144765495"/>
+                    </a:ext>
+                  </a:extLst>
+                </a:gridCol>
+              </a:tblGrid>
+              <a:tr h="198120">
+                <a:tc gridSpan="2">
+                  <a:txBody>
+                    <a:bodyPr/>
+                    <a:lstStyle/>
+                    <a:p>
+                      <a:pPr algn="ctr" fontAlgn="ctr"/>
+                      <a:r>
+                        <a:rPr lang="en-ID" sz="1100" u="none" strike="noStrike" dirty="0">
+                          <a:effectLst/>
+                        </a:rPr>
+                        <a:t>Point</a:t>
+                      </a:r>
+                      <a:endParaRPr lang="en-ID" sz="1100" b="1" i="0" u="none" strike="noStrike" dirty="0">
+                        <a:solidFill>
+                          <a:srgbClr val="000000"/>
+                        </a:solidFill>
+                        <a:effectLst/>
+                        <a:latin typeface="Calibri" panose="020F0502020204030204" pitchFamily="34" charset="0"/>
+                      </a:endParaRPr>
+                    </a:p>
+                  </a:txBody>
+                  <a:tcPr marL="7620" marR="7620" marT="7620" marB="0" anchor="ctr"/>
+                </a:tc>
+                <a:tc hMerge="1">
+                  <a:txBody>
+                    <a:bodyPr/>
+                    <a:lstStyle/>
+                    <a:p>
+                      <a:endParaRPr lang="en-ID"/>
+                    </a:p>
+                  </a:txBody>
+                  <a:tcPr/>
+                </a:tc>
+                <a:extLst>
+                  <a:ext uri="{0D108BD9-81ED-4DB2-BD59-A6C34878D82A}">
+                    <a16:rowId xmlns:a16="http://schemas.microsoft.com/office/drawing/2014/main" val="613136884"/>
+                  </a:ext>
+                </a:extLst>
+              </a:tr>
+              <a:tr h="182880">
+                <a:tc>
+                  <a:txBody>
+                    <a:bodyPr/>
+                    <a:lstStyle/>
+                    <a:p>
+                      <a:pPr algn="ctr" fontAlgn="ctr"/>
+                      <a:r>
+                        <a:rPr lang="en-ID" sz="1100" u="none" strike="noStrike">
+                          <a:effectLst/>
+                        </a:rPr>
+                        <a:t>Jenis Point</a:t>
+                      </a:r>
+                      <a:endParaRPr lang="en-ID" sz="1100" b="1" i="0" u="none" strike="noStrike">
+                        <a:solidFill>
+                          <a:srgbClr val="000000"/>
+                        </a:solidFill>
+                        <a:effectLst/>
+                        <a:latin typeface="Calibri" panose="020F0502020204030204" pitchFamily="34" charset="0"/>
+                      </a:endParaRPr>
+                    </a:p>
+                  </a:txBody>
+                  <a:tcPr marL="7620" marR="7620" marT="7620" marB="0" anchor="ctr"/>
+                </a:tc>
+                <a:tc>
+                  <a:txBody>
+                    <a:bodyPr/>
+                    <a:lstStyle/>
+                    <a:p>
+                      <a:pPr algn="ctr" fontAlgn="ctr"/>
+                      <a:r>
+                        <a:rPr lang="en-ID" sz="1100" u="none" strike="noStrike">
+                          <a:effectLst/>
+                        </a:rPr>
+                        <a:t>Nilai Point</a:t>
+                      </a:r>
+                      <a:endParaRPr lang="en-ID" sz="1100" b="1" i="0" u="none" strike="noStrike">
+                        <a:solidFill>
+                          <a:srgbClr val="000000"/>
+                        </a:solidFill>
+                        <a:effectLst/>
+                        <a:latin typeface="Calibri" panose="020F0502020204030204" pitchFamily="34" charset="0"/>
+                      </a:endParaRPr>
+                    </a:p>
+                  </a:txBody>
+                  <a:tcPr marL="7620" marR="7620" marT="7620" marB="0" anchor="ctr"/>
+                </a:tc>
+                <a:extLst>
+                  <a:ext uri="{0D108BD9-81ED-4DB2-BD59-A6C34878D82A}">
+                    <a16:rowId xmlns:a16="http://schemas.microsoft.com/office/drawing/2014/main" val="3519295535"/>
+                  </a:ext>
+                </a:extLst>
+              </a:tr>
+              <a:tr h="182880">
+                <a:tc>
+                  <a:txBody>
+                    <a:bodyPr/>
+                    <a:lstStyle/>
+                    <a:p>
+                      <a:pPr algn="ctr" fontAlgn="ctr"/>
+                      <a:r>
+                        <a:rPr lang="en-ID" sz="1100" u="none" strike="noStrike">
+                          <a:effectLst/>
+                        </a:rPr>
+                        <a:t>Beras emas</a:t>
+                      </a:r>
+                      <a:endParaRPr lang="en-ID" sz="1100" b="0" i="0" u="none" strike="noStrike">
+                        <a:solidFill>
+                          <a:srgbClr val="000000"/>
+                        </a:solidFill>
+                        <a:effectLst/>
+                        <a:latin typeface="Calibri" panose="020F0502020204030204" pitchFamily="34" charset="0"/>
+                      </a:endParaRPr>
+                    </a:p>
+                  </a:txBody>
+                  <a:tcPr marL="7620" marR="7620" marT="7620" marB="0" anchor="ctr"/>
+                </a:tc>
+                <a:tc>
+                  <a:txBody>
+                    <a:bodyPr/>
+                    <a:lstStyle/>
+                    <a:p>
+                      <a:pPr algn="ctr" fontAlgn="ctr"/>
+                      <a:r>
+                        <a:rPr lang="en-ID" sz="1100" u="none" strike="noStrike">
+                          <a:effectLst/>
+                        </a:rPr>
+                        <a:t>4</a:t>
+                      </a:r>
+                      <a:endParaRPr lang="en-ID" sz="1100" b="0" i="0" u="none" strike="noStrike">
+                        <a:solidFill>
+                          <a:srgbClr val="000000"/>
+                        </a:solidFill>
+                        <a:effectLst/>
+                        <a:latin typeface="Calibri" panose="020F0502020204030204" pitchFamily="34" charset="0"/>
+                      </a:endParaRPr>
+                    </a:p>
+                  </a:txBody>
+                  <a:tcPr marL="7620" marR="7620" marT="7620" marB="0" anchor="ctr"/>
+                </a:tc>
+                <a:extLst>
+                  <a:ext uri="{0D108BD9-81ED-4DB2-BD59-A6C34878D82A}">
+                    <a16:rowId xmlns:a16="http://schemas.microsoft.com/office/drawing/2014/main" val="2600856230"/>
+                  </a:ext>
+                </a:extLst>
+              </a:tr>
+              <a:tr h="182880">
+                <a:tc>
+                  <a:txBody>
+                    <a:bodyPr/>
+                    <a:lstStyle/>
+                    <a:p>
+                      <a:pPr algn="ctr" fontAlgn="ctr"/>
+                      <a:r>
+                        <a:rPr lang="en-ID" sz="1100" u="none" strike="noStrike">
+                          <a:effectLst/>
+                        </a:rPr>
+                        <a:t>Beras silver</a:t>
+                      </a:r>
+                      <a:endParaRPr lang="en-ID" sz="1100" b="0" i="0" u="none" strike="noStrike">
+                        <a:solidFill>
+                          <a:srgbClr val="000000"/>
+                        </a:solidFill>
+                        <a:effectLst/>
+                        <a:latin typeface="Calibri" panose="020F0502020204030204" pitchFamily="34" charset="0"/>
+                      </a:endParaRPr>
+                    </a:p>
+                  </a:txBody>
+                  <a:tcPr marL="7620" marR="7620" marT="7620" marB="0" anchor="ctr"/>
+                </a:tc>
+                <a:tc>
+                  <a:txBody>
+                    <a:bodyPr/>
+                    <a:lstStyle/>
+                    <a:p>
+                      <a:pPr algn="ctr" fontAlgn="ctr"/>
+                      <a:r>
+                        <a:rPr lang="en-ID" sz="1100" u="none" strike="noStrike">
+                          <a:effectLst/>
+                        </a:rPr>
+                        <a:t>3</a:t>
+                      </a:r>
+                      <a:endParaRPr lang="en-ID" sz="1100" b="0" i="0" u="none" strike="noStrike">
+                        <a:solidFill>
+                          <a:srgbClr val="000000"/>
+                        </a:solidFill>
+                        <a:effectLst/>
+                        <a:latin typeface="Calibri" panose="020F0502020204030204" pitchFamily="34" charset="0"/>
+                      </a:endParaRPr>
+                    </a:p>
+                  </a:txBody>
+                  <a:tcPr marL="7620" marR="7620" marT="7620" marB="0" anchor="ctr"/>
+                </a:tc>
+                <a:extLst>
+                  <a:ext uri="{0D108BD9-81ED-4DB2-BD59-A6C34878D82A}">
+                    <a16:rowId xmlns:a16="http://schemas.microsoft.com/office/drawing/2014/main" val="484133585"/>
+                  </a:ext>
+                </a:extLst>
+              </a:tr>
+              <a:tr h="182880">
+                <a:tc>
+                  <a:txBody>
+                    <a:bodyPr/>
+                    <a:lstStyle/>
+                    <a:p>
+                      <a:pPr algn="ctr" fontAlgn="ctr"/>
+                      <a:r>
+                        <a:rPr lang="en-ID" sz="1100" u="none" strike="noStrike">
+                          <a:effectLst/>
+                        </a:rPr>
+                        <a:t>Beras Perunggu</a:t>
+                      </a:r>
+                      <a:endParaRPr lang="en-ID" sz="1100" b="0" i="0" u="none" strike="noStrike">
+                        <a:solidFill>
+                          <a:srgbClr val="000000"/>
+                        </a:solidFill>
+                        <a:effectLst/>
+                        <a:latin typeface="Calibri" panose="020F0502020204030204" pitchFamily="34" charset="0"/>
+                      </a:endParaRPr>
+                    </a:p>
+                  </a:txBody>
+                  <a:tcPr marL="7620" marR="7620" marT="7620" marB="0" anchor="ctr"/>
+                </a:tc>
+                <a:tc>
+                  <a:txBody>
+                    <a:bodyPr/>
+                    <a:lstStyle/>
+                    <a:p>
+                      <a:pPr algn="ctr" fontAlgn="ctr"/>
+                      <a:r>
+                        <a:rPr lang="en-ID" sz="1100" u="none" strike="noStrike" dirty="0">
+                          <a:effectLst/>
+                        </a:rPr>
+                        <a:t>1</a:t>
+                      </a:r>
+                      <a:endParaRPr lang="en-ID" sz="1100" b="0" i="0" u="none" strike="noStrike" dirty="0">
+                        <a:solidFill>
+                          <a:srgbClr val="000000"/>
+                        </a:solidFill>
+                        <a:effectLst/>
+                        <a:latin typeface="Calibri" panose="020F0502020204030204" pitchFamily="34" charset="0"/>
+                      </a:endParaRPr>
+                    </a:p>
+                  </a:txBody>
+                  <a:tcPr marL="7620" marR="7620" marT="7620" marB="0" anchor="ctr"/>
+                </a:tc>
+                <a:extLst>
+                  <a:ext uri="{0D108BD9-81ED-4DB2-BD59-A6C34878D82A}">
+                    <a16:rowId xmlns:a16="http://schemas.microsoft.com/office/drawing/2014/main" val="3902300328"/>
+                  </a:ext>
+                </a:extLst>
+              </a:tr>
+              <a:tr h="182880">
+                <a:tc>
+                  <a:txBody>
+                    <a:bodyPr/>
+                    <a:lstStyle/>
+                    <a:p>
+                      <a:pPr algn="l" fontAlgn="b"/>
+                      <a:endParaRPr lang="en-ID" sz="1100" b="0" i="0" u="none" strike="noStrike">
+                        <a:solidFill>
+                          <a:srgbClr val="000000"/>
+                        </a:solidFill>
+                        <a:effectLst/>
+                        <a:latin typeface="Calibri" panose="020F0502020204030204" pitchFamily="34" charset="0"/>
+                      </a:endParaRPr>
+                    </a:p>
+                  </a:txBody>
+                  <a:tcPr marL="7620" marR="7620" marT="7620" marB="0" anchor="b"/>
+                </a:tc>
+                <a:tc>
+                  <a:txBody>
+                    <a:bodyPr/>
+                    <a:lstStyle/>
+                    <a:p>
+                      <a:pPr algn="l" fontAlgn="b"/>
+                      <a:endParaRPr lang="en-ID" sz="1100" b="0" i="0" u="none" strike="noStrike">
+                        <a:solidFill>
+                          <a:srgbClr val="000000"/>
+                        </a:solidFill>
+                        <a:effectLst/>
+                        <a:latin typeface="Calibri" panose="020F0502020204030204" pitchFamily="34" charset="0"/>
+                      </a:endParaRPr>
+                    </a:p>
+                  </a:txBody>
+                  <a:tcPr marL="7620" marR="7620" marT="7620" marB="0" anchor="b"/>
+                </a:tc>
+                <a:extLst>
+                  <a:ext uri="{0D108BD9-81ED-4DB2-BD59-A6C34878D82A}">
+                    <a16:rowId xmlns:a16="http://schemas.microsoft.com/office/drawing/2014/main" val="3356604236"/>
+                  </a:ext>
+                </a:extLst>
+              </a:tr>
+              <a:tr h="182880">
+                <a:tc gridSpan="2">
+                  <a:txBody>
+                    <a:bodyPr/>
+                    <a:lstStyle/>
+                    <a:p>
+                      <a:pPr algn="ctr" fontAlgn="ctr"/>
+                      <a:r>
+                        <a:rPr lang="en-ID" sz="1100" u="none" strike="noStrike">
+                          <a:effectLst/>
+                        </a:rPr>
+                        <a:t>Jumlah persentasi muncul Point</a:t>
+                      </a:r>
+                      <a:endParaRPr lang="en-ID" sz="1100" b="0" i="0" u="none" strike="noStrike">
+                        <a:solidFill>
+                          <a:srgbClr val="000000"/>
+                        </a:solidFill>
+                        <a:effectLst/>
+                        <a:latin typeface="Calibri" panose="020F0502020204030204" pitchFamily="34" charset="0"/>
+                      </a:endParaRPr>
+                    </a:p>
+                  </a:txBody>
+                  <a:tcPr marL="7620" marR="7620" marT="7620" marB="0" anchor="ctr"/>
+                </a:tc>
+                <a:tc hMerge="1">
+                  <a:txBody>
+                    <a:bodyPr/>
+                    <a:lstStyle/>
+                    <a:p>
+                      <a:endParaRPr lang="en-ID"/>
+                    </a:p>
+                  </a:txBody>
+                  <a:tcPr/>
+                </a:tc>
+                <a:extLst>
+                  <a:ext uri="{0D108BD9-81ED-4DB2-BD59-A6C34878D82A}">
+                    <a16:rowId xmlns:a16="http://schemas.microsoft.com/office/drawing/2014/main" val="3838210935"/>
+                  </a:ext>
+                </a:extLst>
+              </a:tr>
+              <a:tr h="182880">
+                <a:tc gridSpan="2">
+                  <a:txBody>
+                    <a:bodyPr/>
+                    <a:lstStyle/>
+                    <a:p>
+                      <a:pPr algn="ctr" fontAlgn="ctr"/>
+                      <a:r>
+                        <a:rPr lang="en-ID" sz="1100" u="none" strike="noStrike">
+                          <a:effectLst/>
+                        </a:rPr>
+                        <a:t>300</a:t>
+                      </a:r>
+                      <a:endParaRPr lang="en-ID" sz="1100" b="0" i="0" u="none" strike="noStrike">
+                        <a:solidFill>
+                          <a:srgbClr val="000000"/>
+                        </a:solidFill>
+                        <a:effectLst/>
+                        <a:latin typeface="Calibri" panose="020F0502020204030204" pitchFamily="34" charset="0"/>
+                      </a:endParaRPr>
+                    </a:p>
+                  </a:txBody>
+                  <a:tcPr marL="7620" marR="7620" marT="7620" marB="0" anchor="ctr"/>
+                </a:tc>
+                <a:tc hMerge="1">
+                  <a:txBody>
+                    <a:bodyPr/>
+                    <a:lstStyle/>
+                    <a:p>
+                      <a:endParaRPr lang="en-ID"/>
+                    </a:p>
+                  </a:txBody>
+                  <a:tcPr/>
+                </a:tc>
+                <a:extLst>
+                  <a:ext uri="{0D108BD9-81ED-4DB2-BD59-A6C34878D82A}">
+                    <a16:rowId xmlns:a16="http://schemas.microsoft.com/office/drawing/2014/main" val="2333200427"/>
+                  </a:ext>
+                </a:extLst>
+              </a:tr>
+              <a:tr h="182880">
+                <a:tc gridSpan="2">
+                  <a:txBody>
+                    <a:bodyPr/>
+                    <a:lstStyle/>
+                    <a:p>
+                      <a:pPr algn="ctr" fontAlgn="b"/>
+                      <a:r>
+                        <a:rPr lang="en-ID" sz="1100" u="none" strike="noStrike" dirty="0">
+                          <a:effectLst/>
+                        </a:rPr>
+                        <a:t>15:10:05</a:t>
+                      </a:r>
+                      <a:endParaRPr lang="en-ID" sz="1100" b="0" i="0" u="none" strike="noStrike" dirty="0">
+                        <a:solidFill>
+                          <a:srgbClr val="000000"/>
+                        </a:solidFill>
+                        <a:effectLst/>
+                        <a:latin typeface="Calibri" panose="020F0502020204030204" pitchFamily="34" charset="0"/>
+                      </a:endParaRPr>
+                    </a:p>
+                  </a:txBody>
+                  <a:tcPr marL="7620" marR="7620" marT="7620" marB="0" anchor="b"/>
+                </a:tc>
+                <a:tc hMerge="1">
+                  <a:txBody>
+                    <a:bodyPr/>
+                    <a:lstStyle/>
+                    <a:p>
+                      <a:endParaRPr lang="en-ID"/>
+                    </a:p>
+                  </a:txBody>
+                  <a:tcPr/>
+                </a:tc>
+                <a:extLst>
+                  <a:ext uri="{0D108BD9-81ED-4DB2-BD59-A6C34878D82A}">
+                    <a16:rowId xmlns:a16="http://schemas.microsoft.com/office/drawing/2014/main" val="2743387459"/>
+                  </a:ext>
+                </a:extLst>
+              </a:tr>
+            </a:tbl>
+          </a:graphicData>
+        </a:graphic>
+      </p:graphicFrame>
+    </p:spTree>
+    <p:extLst>
+      <p:ext uri="{BB962C8B-B14F-4D97-AF65-F5344CB8AC3E}">
+        <p14:creationId xmlns:p14="http://schemas.microsoft.com/office/powerpoint/2010/main" val="3457718956"/>
       </p:ext>
     </p:extLst>
   </p:cSld>
